--- a/Pizz360- Mini Project PPT.pptx
+++ b/Pizz360- Mini Project PPT.pptx
@@ -2,40 +2,35 @@
 <file path=ppt/presentation.xml><?xml version="1.0" encoding="utf-8"?>
 <p:presentation xmlns:a="http://schemas.openxmlformats.org/drawingml/2006/main" xmlns:r="http://schemas.openxmlformats.org/officeDocument/2006/relationships" xmlns:p="http://schemas.openxmlformats.org/presentationml/2006/main" showSpecialPlsOnTitleSld="0" strictFirstAndLastChars="0" embedTrueTypeFonts="1" saveSubsetFonts="1" autoCompressPictures="0">
   <p:sldMasterIdLst>
-    <p:sldMasterId id="2147483659" r:id="rId1"/>
+    <p:sldMasterId id="2147483648" r:id="rId1"/>
   </p:sldMasterIdLst>
   <p:notesMasterIdLst>
-    <p:notesMasterId r:id="rId23"/>
+    <p:notesMasterId r:id="rId18"/>
   </p:notesMasterIdLst>
   <p:sldIdLst>
     <p:sldId id="256" r:id="rId2"/>
     <p:sldId id="257" r:id="rId3"/>
-    <p:sldId id="258" r:id="rId4"/>
-    <p:sldId id="286" r:id="rId5"/>
-    <p:sldId id="259" r:id="rId6"/>
+    <p:sldId id="319" r:id="rId4"/>
+    <p:sldId id="258" r:id="rId5"/>
+    <p:sldId id="286" r:id="rId6"/>
     <p:sldId id="303" r:id="rId7"/>
     <p:sldId id="304" r:id="rId8"/>
     <p:sldId id="305" r:id="rId9"/>
     <p:sldId id="306" r:id="rId10"/>
-    <p:sldId id="260" r:id="rId11"/>
-    <p:sldId id="289" r:id="rId12"/>
-    <p:sldId id="300" r:id="rId13"/>
-    <p:sldId id="292" r:id="rId14"/>
-    <p:sldId id="297" r:id="rId15"/>
-    <p:sldId id="298" r:id="rId16"/>
-    <p:sldId id="299" r:id="rId17"/>
-    <p:sldId id="302" r:id="rId18"/>
-    <p:sldId id="301" r:id="rId19"/>
-    <p:sldId id="294" r:id="rId20"/>
-    <p:sldId id="295" r:id="rId21"/>
-    <p:sldId id="296" r:id="rId22"/>
+    <p:sldId id="329" r:id="rId11"/>
+    <p:sldId id="330" r:id="rId12"/>
+    <p:sldId id="331" r:id="rId13"/>
+    <p:sldId id="294" r:id="rId14"/>
+    <p:sldId id="295" r:id="rId15"/>
+    <p:sldId id="320" r:id="rId16"/>
+    <p:sldId id="296" r:id="rId17"/>
   </p:sldIdLst>
   <p:sldSz cx="9144000" cy="5143500" type="screen16x9"/>
   <p:notesSz cx="6858000" cy="9144000"/>
   <p:embeddedFontLst>
     <p:embeddedFont>
       <p:font typeface="Lexend Deca" charset="0"/>
-      <p:regular r:id="rId24"/>
+      <p:regular r:id="rId19"/>
     </p:embeddedFont>
   </p:embeddedFontLst>
   <p:defaultTextStyle>
@@ -63,15 +58,15 @@
       <a:buClr>
         <a:srgbClr val="000000"/>
       </a:buClr>
-      <a:buFont typeface="Arial"/>
+      <a:buFont typeface="Arial" panose="020B0604020202020204"/>
       <a:defRPr sz="1400" b="0" i="0" u="none" strike="noStrike" cap="none">
         <a:solidFill>
           <a:srgbClr val="000000"/>
         </a:solidFill>
-        <a:latin typeface="Arial"/>
-        <a:ea typeface="Arial"/>
-        <a:cs typeface="Arial"/>
-        <a:sym typeface="Arial"/>
+        <a:latin typeface="Arial" panose="020B0604020202020204"/>
+        <a:ea typeface="Arial" panose="020B0604020202020204"/>
+        <a:cs typeface="Arial" panose="020B0604020202020204"/>
+        <a:sym typeface="Arial" panose="020B0604020202020204"/>
       </a:defRPr>
     </a:lvl1pPr>
     <a:lvl2pPr marR="0" lvl="1" algn="l" rtl="0">
@@ -87,15 +82,15 @@
       <a:buClr>
         <a:srgbClr val="000000"/>
       </a:buClr>
-      <a:buFont typeface="Arial"/>
+      <a:buFont typeface="Arial" panose="020B0604020202020204"/>
       <a:defRPr sz="1400" b="0" i="0" u="none" strike="noStrike" cap="none">
         <a:solidFill>
           <a:srgbClr val="000000"/>
         </a:solidFill>
-        <a:latin typeface="Arial"/>
-        <a:ea typeface="Arial"/>
-        <a:cs typeface="Arial"/>
-        <a:sym typeface="Arial"/>
+        <a:latin typeface="Arial" panose="020B0604020202020204"/>
+        <a:ea typeface="Arial" panose="020B0604020202020204"/>
+        <a:cs typeface="Arial" panose="020B0604020202020204"/>
+        <a:sym typeface="Arial" panose="020B0604020202020204"/>
       </a:defRPr>
     </a:lvl2pPr>
     <a:lvl3pPr marR="0" lvl="2" algn="l" rtl="0">
@@ -111,15 +106,15 @@
       <a:buClr>
         <a:srgbClr val="000000"/>
       </a:buClr>
-      <a:buFont typeface="Arial"/>
+      <a:buFont typeface="Arial" panose="020B0604020202020204"/>
       <a:defRPr sz="1400" b="0" i="0" u="none" strike="noStrike" cap="none">
         <a:solidFill>
           <a:srgbClr val="000000"/>
         </a:solidFill>
-        <a:latin typeface="Arial"/>
-        <a:ea typeface="Arial"/>
-        <a:cs typeface="Arial"/>
-        <a:sym typeface="Arial"/>
+        <a:latin typeface="Arial" panose="020B0604020202020204"/>
+        <a:ea typeface="Arial" panose="020B0604020202020204"/>
+        <a:cs typeface="Arial" panose="020B0604020202020204"/>
+        <a:sym typeface="Arial" panose="020B0604020202020204"/>
       </a:defRPr>
     </a:lvl3pPr>
     <a:lvl4pPr marR="0" lvl="3" algn="l" rtl="0">
@@ -135,15 +130,15 @@
       <a:buClr>
         <a:srgbClr val="000000"/>
       </a:buClr>
-      <a:buFont typeface="Arial"/>
+      <a:buFont typeface="Arial" panose="020B0604020202020204"/>
       <a:defRPr sz="1400" b="0" i="0" u="none" strike="noStrike" cap="none">
         <a:solidFill>
           <a:srgbClr val="000000"/>
         </a:solidFill>
-        <a:latin typeface="Arial"/>
-        <a:ea typeface="Arial"/>
-        <a:cs typeface="Arial"/>
-        <a:sym typeface="Arial"/>
+        <a:latin typeface="Arial" panose="020B0604020202020204"/>
+        <a:ea typeface="Arial" panose="020B0604020202020204"/>
+        <a:cs typeface="Arial" panose="020B0604020202020204"/>
+        <a:sym typeface="Arial" panose="020B0604020202020204"/>
       </a:defRPr>
     </a:lvl4pPr>
     <a:lvl5pPr marR="0" lvl="4" algn="l" rtl="0">
@@ -159,15 +154,15 @@
       <a:buClr>
         <a:srgbClr val="000000"/>
       </a:buClr>
-      <a:buFont typeface="Arial"/>
+      <a:buFont typeface="Arial" panose="020B0604020202020204"/>
       <a:defRPr sz="1400" b="0" i="0" u="none" strike="noStrike" cap="none">
         <a:solidFill>
           <a:srgbClr val="000000"/>
         </a:solidFill>
-        <a:latin typeface="Arial"/>
-        <a:ea typeface="Arial"/>
-        <a:cs typeface="Arial"/>
-        <a:sym typeface="Arial"/>
+        <a:latin typeface="Arial" panose="020B0604020202020204"/>
+        <a:ea typeface="Arial" panose="020B0604020202020204"/>
+        <a:cs typeface="Arial" panose="020B0604020202020204"/>
+        <a:sym typeface="Arial" panose="020B0604020202020204"/>
       </a:defRPr>
     </a:lvl5pPr>
     <a:lvl6pPr marR="0" lvl="5" algn="l" rtl="0">
@@ -183,15 +178,15 @@
       <a:buClr>
         <a:srgbClr val="000000"/>
       </a:buClr>
-      <a:buFont typeface="Arial"/>
+      <a:buFont typeface="Arial" panose="020B0604020202020204"/>
       <a:defRPr sz="1400" b="0" i="0" u="none" strike="noStrike" cap="none">
         <a:solidFill>
           <a:srgbClr val="000000"/>
         </a:solidFill>
-        <a:latin typeface="Arial"/>
-        <a:ea typeface="Arial"/>
-        <a:cs typeface="Arial"/>
-        <a:sym typeface="Arial"/>
+        <a:latin typeface="Arial" panose="020B0604020202020204"/>
+        <a:ea typeface="Arial" panose="020B0604020202020204"/>
+        <a:cs typeface="Arial" panose="020B0604020202020204"/>
+        <a:sym typeface="Arial" panose="020B0604020202020204"/>
       </a:defRPr>
     </a:lvl6pPr>
     <a:lvl7pPr marR="0" lvl="6" algn="l" rtl="0">
@@ -207,15 +202,15 @@
       <a:buClr>
         <a:srgbClr val="000000"/>
       </a:buClr>
-      <a:buFont typeface="Arial"/>
+      <a:buFont typeface="Arial" panose="020B0604020202020204"/>
       <a:defRPr sz="1400" b="0" i="0" u="none" strike="noStrike" cap="none">
         <a:solidFill>
           <a:srgbClr val="000000"/>
         </a:solidFill>
-        <a:latin typeface="Arial"/>
-        <a:ea typeface="Arial"/>
-        <a:cs typeface="Arial"/>
-        <a:sym typeface="Arial"/>
+        <a:latin typeface="Arial" panose="020B0604020202020204"/>
+        <a:ea typeface="Arial" panose="020B0604020202020204"/>
+        <a:cs typeface="Arial" panose="020B0604020202020204"/>
+        <a:sym typeface="Arial" panose="020B0604020202020204"/>
       </a:defRPr>
     </a:lvl7pPr>
     <a:lvl8pPr marR="0" lvl="7" algn="l" rtl="0">
@@ -231,15 +226,15 @@
       <a:buClr>
         <a:srgbClr val="000000"/>
       </a:buClr>
-      <a:buFont typeface="Arial"/>
+      <a:buFont typeface="Arial" panose="020B0604020202020204"/>
       <a:defRPr sz="1400" b="0" i="0" u="none" strike="noStrike" cap="none">
         <a:solidFill>
           <a:srgbClr val="000000"/>
         </a:solidFill>
-        <a:latin typeface="Arial"/>
-        <a:ea typeface="Arial"/>
-        <a:cs typeface="Arial"/>
-        <a:sym typeface="Arial"/>
+        <a:latin typeface="Arial" panose="020B0604020202020204"/>
+        <a:ea typeface="Arial" panose="020B0604020202020204"/>
+        <a:cs typeface="Arial" panose="020B0604020202020204"/>
+        <a:sym typeface="Arial" panose="020B0604020202020204"/>
       </a:defRPr>
     </a:lvl8pPr>
     <a:lvl9pPr marR="0" lvl="8" algn="l" rtl="0">
@@ -255,15 +250,15 @@
       <a:buClr>
         <a:srgbClr val="000000"/>
       </a:buClr>
-      <a:buFont typeface="Arial"/>
+      <a:buFont typeface="Arial" panose="020B0604020202020204"/>
       <a:defRPr sz="1400" b="0" i="0" u="none" strike="noStrike" cap="none">
         <a:solidFill>
           <a:srgbClr val="000000"/>
         </a:solidFill>
-        <a:latin typeface="Arial"/>
-        <a:ea typeface="Arial"/>
-        <a:cs typeface="Arial"/>
-        <a:sym typeface="Arial"/>
+        <a:latin typeface="Arial" panose="020B0604020202020204"/>
+        <a:ea typeface="Arial" panose="020B0604020202020204"/>
+        <a:cs typeface="Arial" panose="020B0604020202020204"/>
+        <a:sym typeface="Arial" panose="020B0604020202020204"/>
       </a:defRPr>
     </a:lvl9pPr>
   </p:defaultTextStyle>
@@ -479,7 +474,7 @@
     </p:spTree>
     <p:extLst>
       <p:ext uri="{BB962C8B-B14F-4D97-AF65-F5344CB8AC3E}">
-        <p14:creationId xmlns:p14="http://schemas.microsoft.com/office/powerpoint/2010/main" val="3198658071"/>
+        <p14:creationId xmlns:p14="http://schemas.microsoft.com/office/powerpoint/2010/main" val="1069385647"/>
       </p:ext>
     </p:extLst>
   </p:cSld>
@@ -509,15 +504,15 @@
       <a:buClr>
         <a:srgbClr val="000000"/>
       </a:buClr>
-      <a:buFont typeface="Arial"/>
+      <a:buFont typeface="Arial" panose="020B0604020202020204"/>
       <a:defRPr sz="1400" b="0" i="0" u="none" strike="noStrike" cap="none">
         <a:solidFill>
           <a:srgbClr val="000000"/>
         </a:solidFill>
-        <a:latin typeface="Arial"/>
-        <a:ea typeface="Arial"/>
-        <a:cs typeface="Arial"/>
-        <a:sym typeface="Arial"/>
+        <a:latin typeface="Arial" panose="020B0604020202020204"/>
+        <a:ea typeface="Arial" panose="020B0604020202020204"/>
+        <a:cs typeface="Arial" panose="020B0604020202020204"/>
+        <a:sym typeface="Arial" panose="020B0604020202020204"/>
       </a:defRPr>
     </a:lvl1pPr>
     <a:lvl2pPr marR="0" lvl="1" algn="l" rtl="0">
@@ -533,15 +528,15 @@
       <a:buClr>
         <a:srgbClr val="000000"/>
       </a:buClr>
-      <a:buFont typeface="Arial"/>
+      <a:buFont typeface="Arial" panose="020B0604020202020204"/>
       <a:defRPr sz="1400" b="0" i="0" u="none" strike="noStrike" cap="none">
         <a:solidFill>
           <a:srgbClr val="000000"/>
         </a:solidFill>
-        <a:latin typeface="Arial"/>
-        <a:ea typeface="Arial"/>
-        <a:cs typeface="Arial"/>
-        <a:sym typeface="Arial"/>
+        <a:latin typeface="Arial" panose="020B0604020202020204"/>
+        <a:ea typeface="Arial" panose="020B0604020202020204"/>
+        <a:cs typeface="Arial" panose="020B0604020202020204"/>
+        <a:sym typeface="Arial" panose="020B0604020202020204"/>
       </a:defRPr>
     </a:lvl2pPr>
     <a:lvl3pPr marR="0" lvl="2" algn="l" rtl="0">
@@ -557,15 +552,15 @@
       <a:buClr>
         <a:srgbClr val="000000"/>
       </a:buClr>
-      <a:buFont typeface="Arial"/>
+      <a:buFont typeface="Arial" panose="020B0604020202020204"/>
       <a:defRPr sz="1400" b="0" i="0" u="none" strike="noStrike" cap="none">
         <a:solidFill>
           <a:srgbClr val="000000"/>
         </a:solidFill>
-        <a:latin typeface="Arial"/>
-        <a:ea typeface="Arial"/>
-        <a:cs typeface="Arial"/>
-        <a:sym typeface="Arial"/>
+        <a:latin typeface="Arial" panose="020B0604020202020204"/>
+        <a:ea typeface="Arial" panose="020B0604020202020204"/>
+        <a:cs typeface="Arial" panose="020B0604020202020204"/>
+        <a:sym typeface="Arial" panose="020B0604020202020204"/>
       </a:defRPr>
     </a:lvl3pPr>
     <a:lvl4pPr marR="0" lvl="3" algn="l" rtl="0">
@@ -581,15 +576,15 @@
       <a:buClr>
         <a:srgbClr val="000000"/>
       </a:buClr>
-      <a:buFont typeface="Arial"/>
+      <a:buFont typeface="Arial" panose="020B0604020202020204"/>
       <a:defRPr sz="1400" b="0" i="0" u="none" strike="noStrike" cap="none">
         <a:solidFill>
           <a:srgbClr val="000000"/>
         </a:solidFill>
-        <a:latin typeface="Arial"/>
-        <a:ea typeface="Arial"/>
-        <a:cs typeface="Arial"/>
-        <a:sym typeface="Arial"/>
+        <a:latin typeface="Arial" panose="020B0604020202020204"/>
+        <a:ea typeface="Arial" panose="020B0604020202020204"/>
+        <a:cs typeface="Arial" panose="020B0604020202020204"/>
+        <a:sym typeface="Arial" panose="020B0604020202020204"/>
       </a:defRPr>
     </a:lvl4pPr>
     <a:lvl5pPr marR="0" lvl="4" algn="l" rtl="0">
@@ -605,15 +600,15 @@
       <a:buClr>
         <a:srgbClr val="000000"/>
       </a:buClr>
-      <a:buFont typeface="Arial"/>
+      <a:buFont typeface="Arial" panose="020B0604020202020204"/>
       <a:defRPr sz="1400" b="0" i="0" u="none" strike="noStrike" cap="none">
         <a:solidFill>
           <a:srgbClr val="000000"/>
         </a:solidFill>
-        <a:latin typeface="Arial"/>
-        <a:ea typeface="Arial"/>
-        <a:cs typeface="Arial"/>
-        <a:sym typeface="Arial"/>
+        <a:latin typeface="Arial" panose="020B0604020202020204"/>
+        <a:ea typeface="Arial" panose="020B0604020202020204"/>
+        <a:cs typeface="Arial" panose="020B0604020202020204"/>
+        <a:sym typeface="Arial" panose="020B0604020202020204"/>
       </a:defRPr>
     </a:lvl5pPr>
     <a:lvl6pPr marR="0" lvl="5" algn="l" rtl="0">
@@ -629,15 +624,15 @@
       <a:buClr>
         <a:srgbClr val="000000"/>
       </a:buClr>
-      <a:buFont typeface="Arial"/>
+      <a:buFont typeface="Arial" panose="020B0604020202020204"/>
       <a:defRPr sz="1400" b="0" i="0" u="none" strike="noStrike" cap="none">
         <a:solidFill>
           <a:srgbClr val="000000"/>
         </a:solidFill>
-        <a:latin typeface="Arial"/>
-        <a:ea typeface="Arial"/>
-        <a:cs typeface="Arial"/>
-        <a:sym typeface="Arial"/>
+        <a:latin typeface="Arial" panose="020B0604020202020204"/>
+        <a:ea typeface="Arial" panose="020B0604020202020204"/>
+        <a:cs typeface="Arial" panose="020B0604020202020204"/>
+        <a:sym typeface="Arial" panose="020B0604020202020204"/>
       </a:defRPr>
     </a:lvl6pPr>
     <a:lvl7pPr marR="0" lvl="6" algn="l" rtl="0">
@@ -653,15 +648,15 @@
       <a:buClr>
         <a:srgbClr val="000000"/>
       </a:buClr>
-      <a:buFont typeface="Arial"/>
+      <a:buFont typeface="Arial" panose="020B0604020202020204"/>
       <a:defRPr sz="1400" b="0" i="0" u="none" strike="noStrike" cap="none">
         <a:solidFill>
           <a:srgbClr val="000000"/>
         </a:solidFill>
-        <a:latin typeface="Arial"/>
-        <a:ea typeface="Arial"/>
-        <a:cs typeface="Arial"/>
-        <a:sym typeface="Arial"/>
+        <a:latin typeface="Arial" panose="020B0604020202020204"/>
+        <a:ea typeface="Arial" panose="020B0604020202020204"/>
+        <a:cs typeface="Arial" panose="020B0604020202020204"/>
+        <a:sym typeface="Arial" panose="020B0604020202020204"/>
       </a:defRPr>
     </a:lvl7pPr>
     <a:lvl8pPr marR="0" lvl="7" algn="l" rtl="0">
@@ -677,15 +672,15 @@
       <a:buClr>
         <a:srgbClr val="000000"/>
       </a:buClr>
-      <a:buFont typeface="Arial"/>
+      <a:buFont typeface="Arial" panose="020B0604020202020204"/>
       <a:defRPr sz="1400" b="0" i="0" u="none" strike="noStrike" cap="none">
         <a:solidFill>
           <a:srgbClr val="000000"/>
         </a:solidFill>
-        <a:latin typeface="Arial"/>
-        <a:ea typeface="Arial"/>
-        <a:cs typeface="Arial"/>
-        <a:sym typeface="Arial"/>
+        <a:latin typeface="Arial" panose="020B0604020202020204"/>
+        <a:ea typeface="Arial" panose="020B0604020202020204"/>
+        <a:cs typeface="Arial" panose="020B0604020202020204"/>
+        <a:sym typeface="Arial" panose="020B0604020202020204"/>
       </a:defRPr>
     </a:lvl8pPr>
     <a:lvl9pPr marR="0" lvl="8" algn="l" rtl="0">
@@ -701,15 +696,15 @@
       <a:buClr>
         <a:srgbClr val="000000"/>
       </a:buClr>
-      <a:buFont typeface="Arial"/>
+      <a:buFont typeface="Arial" panose="020B0604020202020204"/>
       <a:defRPr sz="1400" b="0" i="0" u="none" strike="noStrike" cap="none">
         <a:solidFill>
           <a:srgbClr val="000000"/>
         </a:solidFill>
-        <a:latin typeface="Arial"/>
-        <a:ea typeface="Arial"/>
-        <a:cs typeface="Arial"/>
-        <a:sym typeface="Arial"/>
+        <a:latin typeface="Arial" panose="020B0604020202020204"/>
+        <a:ea typeface="Arial" panose="020B0604020202020204"/>
+        <a:cs typeface="Arial" panose="020B0604020202020204"/>
+        <a:sym typeface="Arial" panose="020B0604020202020204"/>
       </a:defRPr>
     </a:lvl9pPr>
   </p:notesStyle>
@@ -1033,7 +1028,7 @@
   <p:cSld>
     <p:spTree>
       <p:nvGrpSpPr>
-        <p:cNvPr id="1" name="Shape 84"/>
+        <p:cNvPr id="1" name="Shape 76"/>
         <p:cNvGrpSpPr/>
         <p:nvPr/>
       </p:nvGrpSpPr>
@@ -1047,7 +1042,7 @@
       </p:grpSpPr>
       <p:sp>
         <p:nvSpPr>
-          <p:cNvPr id="85" name="Google Shape;85;g35f391192_09:notes"/>
+          <p:cNvPr id="77" name="Google Shape;77;g35f391192_04:notes"/>
           <p:cNvSpPr>
             <a:spLocks noGrp="1" noRot="1" noChangeAspect="1"/>
           </p:cNvSpPr>
@@ -1088,111 +1083,7 @@
       </p:sp>
       <p:sp>
         <p:nvSpPr>
-          <p:cNvPr id="86" name="Google Shape;86;g35f391192_09:notes"/>
-          <p:cNvSpPr txBox="1">
-            <a:spLocks noGrp="1"/>
-          </p:cNvSpPr>
-          <p:nvPr>
-            <p:ph type="body" idx="1"/>
-          </p:nvPr>
-        </p:nvSpPr>
-        <p:spPr>
-          <a:xfrm>
-            <a:off x="685800" y="4343400"/>
-            <a:ext cx="5486400" cy="4114800"/>
-          </a:xfrm>
-          <a:prstGeom prst="rect">
-            <a:avLst/>
-          </a:prstGeom>
-        </p:spPr>
-        <p:txBody>
-          <a:bodyPr spcFirstLastPara="1" wrap="square" lIns="91425" tIns="91425" rIns="91425" bIns="91425" anchor="t" anchorCtr="0">
-            <a:noAutofit/>
-          </a:bodyPr>
-          <a:lstStyle/>
-          <a:p>
-            <a:pPr marL="0" lvl="0" indent="0" algn="l" rtl="0">
-              <a:spcBef>
-                <a:spcPts val="0"/>
-              </a:spcBef>
-              <a:spcAft>
-                <a:spcPts val="0"/>
-              </a:spcAft>
-              <a:buNone/>
-            </a:pPr>
-            <a:endParaRPr/>
-          </a:p>
-        </p:txBody>
-      </p:sp>
-    </p:spTree>
-  </p:cSld>
-  <p:clrMapOvr>
-    <a:masterClrMapping/>
-  </p:clrMapOvr>
-</p:notes>
-</file>
-
-<file path=ppt/notesSlides/notesSlide5.xml><?xml version="1.0" encoding="utf-8"?>
-<p:notes xmlns:a="http://schemas.openxmlformats.org/drawingml/2006/main" xmlns:r="http://schemas.openxmlformats.org/officeDocument/2006/relationships" xmlns:p="http://schemas.openxmlformats.org/presentationml/2006/main" showMasterSp="0" showMasterPhAnim="0">
-  <p:cSld>
-    <p:spTree>
-      <p:nvGrpSpPr>
-        <p:cNvPr id="1" name="Shape 90"/>
-        <p:cNvGrpSpPr/>
-        <p:nvPr/>
-      </p:nvGrpSpPr>
-      <p:grpSpPr>
-        <a:xfrm>
-          <a:off x="0" y="0"/>
-          <a:ext cx="0" cy="0"/>
-          <a:chOff x="0" y="0"/>
-          <a:chExt cx="0" cy="0"/>
-        </a:xfrm>
-      </p:grpSpPr>
-      <p:sp>
-        <p:nvSpPr>
-          <p:cNvPr id="91" name="Google Shape;91;g35f391192_029:notes"/>
-          <p:cNvSpPr>
-            <a:spLocks noGrp="1" noRot="1" noChangeAspect="1"/>
-          </p:cNvSpPr>
-          <p:nvPr>
-            <p:ph type="sldImg" idx="2"/>
-          </p:nvPr>
-        </p:nvSpPr>
-        <p:spPr>
-          <a:xfrm>
-            <a:off x="381000" y="685800"/>
-            <a:ext cx="6096000" cy="3429000"/>
-          </a:xfrm>
-          <a:custGeom>
-            <a:avLst/>
-            <a:gdLst/>
-            <a:ahLst/>
-            <a:cxnLst/>
-            <a:rect l="l" t="t" r="r" b="b"/>
-            <a:pathLst>
-              <a:path w="120000" h="120000" extrusionOk="0">
-                <a:moveTo>
-                  <a:pt x="0" y="0"/>
-                </a:moveTo>
-                <a:lnTo>
-                  <a:pt x="120000" y="0"/>
-                </a:lnTo>
-                <a:lnTo>
-                  <a:pt x="120000" y="120000"/>
-                </a:lnTo>
-                <a:lnTo>
-                  <a:pt x="0" y="120000"/>
-                </a:lnTo>
-                <a:close/>
-              </a:path>
-            </a:pathLst>
-          </a:custGeom>
-        </p:spPr>
-      </p:sp>
-      <p:sp>
-        <p:nvSpPr>
-          <p:cNvPr id="92" name="Google Shape;92;g35f391192_029:notes"/>
+          <p:cNvPr id="78" name="Google Shape;78;g35f391192_04:notes"/>
           <p:cNvSpPr txBox="1">
             <a:spLocks noGrp="1"/>
           </p:cNvSpPr>
@@ -1260,11 +1151,11 @@
           <p:nvPr/>
         </p:nvPicPr>
         <p:blipFill rotWithShape="1">
-          <a:blip r:embed="rId2">
-            <a:alphaModFix/>
-          </a:blip>
+          <a:blip r:embed="rId2"/>
           <a:srcRect/>
-          <a:stretch/>
+          <a:stretch>
+            <a:fillRect/>
+          </a:stretch>
         </p:blipFill>
         <p:spPr>
           <a:xfrm>
@@ -1414,6 +1305,9 @@
   <p:clrMapOvr>
     <a:masterClrMapping/>
   </p:clrMapOvr>
+  <p:transition>
+    <p:fade thruBlk="1"/>
+  </p:transition>
 </p:sldLayout>
 </file>
 
@@ -1441,9 +1335,7 @@
           <p:nvPr/>
         </p:nvPicPr>
         <p:blipFill>
-          <a:blip r:embed="rId2">
-            <a:alphaModFix/>
-          </a:blip>
+          <a:blip r:embed="rId2"/>
           <a:stretch>
             <a:fillRect/>
           </a:stretch>
@@ -1788,6 +1680,9 @@
   <p:clrMapOvr>
     <a:masterClrMapping/>
   </p:clrMapOvr>
+  <p:transition>
+    <p:fade thruBlk="1"/>
+  </p:transition>
 </p:sldLayout>
 </file>
 
@@ -1815,9 +1710,7 @@
           <p:nvPr/>
         </p:nvPicPr>
         <p:blipFill>
-          <a:blip r:embed="rId2">
-            <a:alphaModFix/>
-          </a:blip>
+          <a:blip r:embed="rId2"/>
           <a:stretch>
             <a:fillRect/>
           </a:stretch>
@@ -2114,7 +2007,7 @@
               <a:buNone/>
             </a:pPr>
             <a:r>
-              <a:rPr lang="en" sz="7200">
+              <a:rPr lang="en-GB" sz="7200">
                 <a:solidFill>
                   <a:schemeClr val="lt1"/>
                 </a:solidFill>
@@ -2209,10 +2102,10 @@
               <a:buNone/>
             </a:pPr>
             <a:fld id="{00000000-1234-1234-1234-123412341234}" type="slidenum">
-              <a:rPr lang="en"/>
+              <a:rPr lang="en-GB"/>
               <a:t>‹#›</a:t>
             </a:fld>
-            <a:endParaRPr/>
+            <a:endParaRPr lang="en-GB"/>
           </a:p>
         </p:txBody>
       </p:sp>
@@ -2221,6 +2114,9 @@
   <p:clrMapOvr>
     <a:masterClrMapping/>
   </p:clrMapOvr>
+  <p:transition>
+    <p:fade thruBlk="1"/>
+  </p:transition>
 </p:sldLayout>
 </file>
 
@@ -2248,9 +2144,7 @@
           <p:nvPr/>
         </p:nvPicPr>
         <p:blipFill>
-          <a:blip r:embed="rId2">
-            <a:alphaModFix/>
-          </a:blip>
+          <a:blip r:embed="rId2"/>
           <a:stretch>
             <a:fillRect/>
           </a:stretch>
@@ -2599,10 +2493,10 @@
               <a:buNone/>
             </a:pPr>
             <a:fld id="{00000000-1234-1234-1234-123412341234}" type="slidenum">
-              <a:rPr lang="en"/>
+              <a:rPr lang="en-GB"/>
               <a:t>‹#›</a:t>
             </a:fld>
-            <a:endParaRPr/>
+            <a:endParaRPr lang="en-GB"/>
           </a:p>
         </p:txBody>
       </p:sp>
@@ -2611,6 +2505,9 @@
   <p:clrMapOvr>
     <a:masterClrMapping/>
   </p:clrMapOvr>
+  <p:transition>
+    <p:fade thruBlk="1"/>
+  </p:transition>
 </p:sldLayout>
 </file>
 
@@ -2638,9 +2535,7 @@
           <p:nvPr/>
         </p:nvPicPr>
         <p:blipFill>
-          <a:blip r:embed="rId2">
-            <a:alphaModFix/>
-          </a:blip>
+          <a:blip r:embed="rId2"/>
           <a:stretch>
             <a:fillRect/>
           </a:stretch>
@@ -3118,10 +3013,10 @@
               <a:buNone/>
             </a:pPr>
             <a:fld id="{00000000-1234-1234-1234-123412341234}" type="slidenum">
-              <a:rPr lang="en"/>
+              <a:rPr lang="en-GB"/>
               <a:t>‹#›</a:t>
             </a:fld>
-            <a:endParaRPr/>
+            <a:endParaRPr lang="en-GB"/>
           </a:p>
         </p:txBody>
       </p:sp>
@@ -3130,6 +3025,9 @@
   <p:clrMapOvr>
     <a:masterClrMapping/>
   </p:clrMapOvr>
+  <p:transition>
+    <p:fade thruBlk="1"/>
+  </p:transition>
 </p:sldLayout>
 </file>
 
@@ -3157,9 +3055,7 @@
           <p:nvPr/>
         </p:nvPicPr>
         <p:blipFill>
-          <a:blip r:embed="rId2">
-            <a:alphaModFix/>
-          </a:blip>
+          <a:blip r:embed="rId2"/>
           <a:stretch>
             <a:fillRect/>
           </a:stretch>
@@ -3250,10 +3146,10 @@
               <a:buNone/>
             </a:pPr>
             <a:fld id="{00000000-1234-1234-1234-123412341234}" type="slidenum">
-              <a:rPr lang="en"/>
+              <a:rPr lang="en-GB"/>
               <a:t>‹#›</a:t>
             </a:fld>
-            <a:endParaRPr/>
+            <a:endParaRPr lang="en-GB"/>
           </a:p>
         </p:txBody>
       </p:sp>
@@ -3262,12 +3158,15 @@
   <p:clrMapOvr>
     <a:masterClrMapping/>
   </p:clrMapOvr>
+  <p:transition>
+    <p:fade thruBlk="1"/>
+  </p:transition>
 </p:sldLayout>
 </file>
 
 <file path=ppt/slideMasters/slideMaster1.xml><?xml version="1.0" encoding="utf-8"?>
 <p:sldMaster xmlns:a="http://schemas.openxmlformats.org/drawingml/2006/main" xmlns:r="http://schemas.openxmlformats.org/officeDocument/2006/relationships" xmlns:p="http://schemas.openxmlformats.org/presentationml/2006/main">
-  <p:cSld name="simple-light">
+  <p:cSld>
     <p:bg>
       <p:bgPr>
         <a:gradFill>
@@ -3958,10 +3857,10 @@
               <a:buNone/>
             </a:pPr>
             <a:fld id="{00000000-1234-1234-1234-123412341234}" type="slidenum">
-              <a:rPr lang="en"/>
+              <a:rPr lang="en-GB"/>
               <a:t>‹#›</a:t>
             </a:fld>
-            <a:endParaRPr/>
+            <a:endParaRPr lang="en-GB"/>
           </a:p>
         </p:txBody>
       </p:sp>
@@ -3969,12 +3868,12 @@
   </p:cSld>
   <p:clrMap bg1="lt1" tx1="dk1" bg2="dk2" tx2="lt2" accent1="accent1" accent2="accent2" accent3="accent3" accent4="accent4" accent5="accent5" accent6="accent6" hlink="hlink" folHlink="folHlink"/>
   <p:sldLayoutIdLst>
-    <p:sldLayoutId id="2147483648" r:id="rId1"/>
-    <p:sldLayoutId id="2147483649" r:id="rId2"/>
-    <p:sldLayoutId id="2147483650" r:id="rId3"/>
-    <p:sldLayoutId id="2147483651" r:id="rId4"/>
-    <p:sldLayoutId id="2147483652" r:id="rId5"/>
-    <p:sldLayoutId id="2147483657" r:id="rId6"/>
+    <p:sldLayoutId id="2147483649" r:id="rId1"/>
+    <p:sldLayoutId id="2147483650" r:id="rId2"/>
+    <p:sldLayoutId id="2147483651" r:id="rId3"/>
+    <p:sldLayoutId id="2147483652" r:id="rId4"/>
+    <p:sldLayoutId id="2147483653" r:id="rId5"/>
+    <p:sldLayoutId id="2147483654" r:id="rId6"/>
   </p:sldLayoutIdLst>
   <p:transition>
     <p:fade thruBlk="1"/>
@@ -4006,15 +3905,15 @@
         <a:buClr>
           <a:srgbClr val="000000"/>
         </a:buClr>
-        <a:buFont typeface="Arial"/>
+        <a:buFont typeface="Arial" panose="020B0604020202020204"/>
         <a:defRPr sz="1400" b="0" i="0" u="none" strike="noStrike" cap="none">
           <a:solidFill>
             <a:srgbClr val="000000"/>
           </a:solidFill>
-          <a:latin typeface="Arial"/>
-          <a:ea typeface="Arial"/>
-          <a:cs typeface="Arial"/>
-          <a:sym typeface="Arial"/>
+          <a:latin typeface="Arial" panose="020B0604020202020204"/>
+          <a:ea typeface="Arial" panose="020B0604020202020204"/>
+          <a:cs typeface="Arial" panose="020B0604020202020204"/>
+          <a:sym typeface="Arial" panose="020B0604020202020204"/>
         </a:defRPr>
       </a:lvl1pPr>
       <a:lvl2pPr marR="0" lvl="1" algn="l" rtl="0">
@@ -4030,15 +3929,15 @@
         <a:buClr>
           <a:srgbClr val="000000"/>
         </a:buClr>
-        <a:buFont typeface="Arial"/>
+        <a:buFont typeface="Arial" panose="020B0604020202020204"/>
         <a:defRPr sz="1400" b="0" i="0" u="none" strike="noStrike" cap="none">
           <a:solidFill>
             <a:srgbClr val="000000"/>
           </a:solidFill>
-          <a:latin typeface="Arial"/>
-          <a:ea typeface="Arial"/>
-          <a:cs typeface="Arial"/>
-          <a:sym typeface="Arial"/>
+          <a:latin typeface="Arial" panose="020B0604020202020204"/>
+          <a:ea typeface="Arial" panose="020B0604020202020204"/>
+          <a:cs typeface="Arial" panose="020B0604020202020204"/>
+          <a:sym typeface="Arial" panose="020B0604020202020204"/>
         </a:defRPr>
       </a:lvl2pPr>
       <a:lvl3pPr marR="0" lvl="2" algn="l" rtl="0">
@@ -4054,15 +3953,15 @@
         <a:buClr>
           <a:srgbClr val="000000"/>
         </a:buClr>
-        <a:buFont typeface="Arial"/>
+        <a:buFont typeface="Arial" panose="020B0604020202020204"/>
         <a:defRPr sz="1400" b="0" i="0" u="none" strike="noStrike" cap="none">
           <a:solidFill>
             <a:srgbClr val="000000"/>
           </a:solidFill>
-          <a:latin typeface="Arial"/>
-          <a:ea typeface="Arial"/>
-          <a:cs typeface="Arial"/>
-          <a:sym typeface="Arial"/>
+          <a:latin typeface="Arial" panose="020B0604020202020204"/>
+          <a:ea typeface="Arial" panose="020B0604020202020204"/>
+          <a:cs typeface="Arial" panose="020B0604020202020204"/>
+          <a:sym typeface="Arial" panose="020B0604020202020204"/>
         </a:defRPr>
       </a:lvl3pPr>
       <a:lvl4pPr marR="0" lvl="3" algn="l" rtl="0">
@@ -4078,15 +3977,15 @@
         <a:buClr>
           <a:srgbClr val="000000"/>
         </a:buClr>
-        <a:buFont typeface="Arial"/>
+        <a:buFont typeface="Arial" panose="020B0604020202020204"/>
         <a:defRPr sz="1400" b="0" i="0" u="none" strike="noStrike" cap="none">
           <a:solidFill>
             <a:srgbClr val="000000"/>
           </a:solidFill>
-          <a:latin typeface="Arial"/>
-          <a:ea typeface="Arial"/>
-          <a:cs typeface="Arial"/>
-          <a:sym typeface="Arial"/>
+          <a:latin typeface="Arial" panose="020B0604020202020204"/>
+          <a:ea typeface="Arial" panose="020B0604020202020204"/>
+          <a:cs typeface="Arial" panose="020B0604020202020204"/>
+          <a:sym typeface="Arial" panose="020B0604020202020204"/>
         </a:defRPr>
       </a:lvl4pPr>
       <a:lvl5pPr marR="0" lvl="4" algn="l" rtl="0">
@@ -4102,15 +4001,15 @@
         <a:buClr>
           <a:srgbClr val="000000"/>
         </a:buClr>
-        <a:buFont typeface="Arial"/>
+        <a:buFont typeface="Arial" panose="020B0604020202020204"/>
         <a:defRPr sz="1400" b="0" i="0" u="none" strike="noStrike" cap="none">
           <a:solidFill>
             <a:srgbClr val="000000"/>
           </a:solidFill>
-          <a:latin typeface="Arial"/>
-          <a:ea typeface="Arial"/>
-          <a:cs typeface="Arial"/>
-          <a:sym typeface="Arial"/>
+          <a:latin typeface="Arial" panose="020B0604020202020204"/>
+          <a:ea typeface="Arial" panose="020B0604020202020204"/>
+          <a:cs typeface="Arial" panose="020B0604020202020204"/>
+          <a:sym typeface="Arial" panose="020B0604020202020204"/>
         </a:defRPr>
       </a:lvl5pPr>
       <a:lvl6pPr marR="0" lvl="5" algn="l" rtl="0">
@@ -4126,15 +4025,15 @@
         <a:buClr>
           <a:srgbClr val="000000"/>
         </a:buClr>
-        <a:buFont typeface="Arial"/>
+        <a:buFont typeface="Arial" panose="020B0604020202020204"/>
         <a:defRPr sz="1400" b="0" i="0" u="none" strike="noStrike" cap="none">
           <a:solidFill>
             <a:srgbClr val="000000"/>
           </a:solidFill>
-          <a:latin typeface="Arial"/>
-          <a:ea typeface="Arial"/>
-          <a:cs typeface="Arial"/>
-          <a:sym typeface="Arial"/>
+          <a:latin typeface="Arial" panose="020B0604020202020204"/>
+          <a:ea typeface="Arial" panose="020B0604020202020204"/>
+          <a:cs typeface="Arial" panose="020B0604020202020204"/>
+          <a:sym typeface="Arial" panose="020B0604020202020204"/>
         </a:defRPr>
       </a:lvl6pPr>
       <a:lvl7pPr marR="0" lvl="6" algn="l" rtl="0">
@@ -4150,15 +4049,15 @@
         <a:buClr>
           <a:srgbClr val="000000"/>
         </a:buClr>
-        <a:buFont typeface="Arial"/>
+        <a:buFont typeface="Arial" panose="020B0604020202020204"/>
         <a:defRPr sz="1400" b="0" i="0" u="none" strike="noStrike" cap="none">
           <a:solidFill>
             <a:srgbClr val="000000"/>
           </a:solidFill>
-          <a:latin typeface="Arial"/>
-          <a:ea typeface="Arial"/>
-          <a:cs typeface="Arial"/>
-          <a:sym typeface="Arial"/>
+          <a:latin typeface="Arial" panose="020B0604020202020204"/>
+          <a:ea typeface="Arial" panose="020B0604020202020204"/>
+          <a:cs typeface="Arial" panose="020B0604020202020204"/>
+          <a:sym typeface="Arial" panose="020B0604020202020204"/>
         </a:defRPr>
       </a:lvl7pPr>
       <a:lvl8pPr marR="0" lvl="7" algn="l" rtl="0">
@@ -4174,15 +4073,15 @@
         <a:buClr>
           <a:srgbClr val="000000"/>
         </a:buClr>
-        <a:buFont typeface="Arial"/>
+        <a:buFont typeface="Arial" panose="020B0604020202020204"/>
         <a:defRPr sz="1400" b="0" i="0" u="none" strike="noStrike" cap="none">
           <a:solidFill>
             <a:srgbClr val="000000"/>
           </a:solidFill>
-          <a:latin typeface="Arial"/>
-          <a:ea typeface="Arial"/>
-          <a:cs typeface="Arial"/>
-          <a:sym typeface="Arial"/>
+          <a:latin typeface="Arial" panose="020B0604020202020204"/>
+          <a:ea typeface="Arial" panose="020B0604020202020204"/>
+          <a:cs typeface="Arial" panose="020B0604020202020204"/>
+          <a:sym typeface="Arial" panose="020B0604020202020204"/>
         </a:defRPr>
       </a:lvl8pPr>
       <a:lvl9pPr marR="0" lvl="8" algn="l" rtl="0">
@@ -4198,15 +4097,15 @@
         <a:buClr>
           <a:srgbClr val="000000"/>
         </a:buClr>
-        <a:buFont typeface="Arial"/>
+        <a:buFont typeface="Arial" panose="020B0604020202020204"/>
         <a:defRPr sz="1400" b="0" i="0" u="none" strike="noStrike" cap="none">
           <a:solidFill>
             <a:srgbClr val="000000"/>
           </a:solidFill>
-          <a:latin typeface="Arial"/>
-          <a:ea typeface="Arial"/>
-          <a:cs typeface="Arial"/>
-          <a:sym typeface="Arial"/>
+          <a:latin typeface="Arial" panose="020B0604020202020204"/>
+          <a:ea typeface="Arial" panose="020B0604020202020204"/>
+          <a:cs typeface="Arial" panose="020B0604020202020204"/>
+          <a:sym typeface="Arial" panose="020B0604020202020204"/>
         </a:defRPr>
       </a:lvl9pPr>
     </p:titleStyle>
@@ -4235,15 +4134,15 @@
         <a:buClr>
           <a:srgbClr val="000000"/>
         </a:buClr>
-        <a:buFont typeface="Arial"/>
+        <a:buFont typeface="Arial" panose="020B0604020202020204"/>
         <a:defRPr sz="1400" b="0" i="0" u="none" strike="noStrike" cap="none">
           <a:solidFill>
             <a:srgbClr val="000000"/>
           </a:solidFill>
-          <a:latin typeface="Arial"/>
-          <a:ea typeface="Arial"/>
-          <a:cs typeface="Arial"/>
-          <a:sym typeface="Arial"/>
+          <a:latin typeface="Arial" panose="020B0604020202020204"/>
+          <a:ea typeface="Arial" panose="020B0604020202020204"/>
+          <a:cs typeface="Arial" panose="020B0604020202020204"/>
+          <a:sym typeface="Arial" panose="020B0604020202020204"/>
         </a:defRPr>
       </a:lvl1pPr>
       <a:lvl2pPr marR="0" lvl="1" algn="l" rtl="0">
@@ -4259,15 +4158,15 @@
         <a:buClr>
           <a:srgbClr val="000000"/>
         </a:buClr>
-        <a:buFont typeface="Arial"/>
+        <a:buFont typeface="Arial" panose="020B0604020202020204"/>
         <a:defRPr sz="1400" b="0" i="0" u="none" strike="noStrike" cap="none">
           <a:solidFill>
             <a:srgbClr val="000000"/>
           </a:solidFill>
-          <a:latin typeface="Arial"/>
-          <a:ea typeface="Arial"/>
-          <a:cs typeface="Arial"/>
-          <a:sym typeface="Arial"/>
+          <a:latin typeface="Arial" panose="020B0604020202020204"/>
+          <a:ea typeface="Arial" panose="020B0604020202020204"/>
+          <a:cs typeface="Arial" panose="020B0604020202020204"/>
+          <a:sym typeface="Arial" panose="020B0604020202020204"/>
         </a:defRPr>
       </a:lvl2pPr>
       <a:lvl3pPr marR="0" lvl="2" algn="l" rtl="0">
@@ -4283,15 +4182,15 @@
         <a:buClr>
           <a:srgbClr val="000000"/>
         </a:buClr>
-        <a:buFont typeface="Arial"/>
+        <a:buFont typeface="Arial" panose="020B0604020202020204"/>
         <a:defRPr sz="1400" b="0" i="0" u="none" strike="noStrike" cap="none">
           <a:solidFill>
             <a:srgbClr val="000000"/>
           </a:solidFill>
-          <a:latin typeface="Arial"/>
-          <a:ea typeface="Arial"/>
-          <a:cs typeface="Arial"/>
-          <a:sym typeface="Arial"/>
+          <a:latin typeface="Arial" panose="020B0604020202020204"/>
+          <a:ea typeface="Arial" panose="020B0604020202020204"/>
+          <a:cs typeface="Arial" panose="020B0604020202020204"/>
+          <a:sym typeface="Arial" panose="020B0604020202020204"/>
         </a:defRPr>
       </a:lvl3pPr>
       <a:lvl4pPr marR="0" lvl="3" algn="l" rtl="0">
@@ -4307,15 +4206,15 @@
         <a:buClr>
           <a:srgbClr val="000000"/>
         </a:buClr>
-        <a:buFont typeface="Arial"/>
+        <a:buFont typeface="Arial" panose="020B0604020202020204"/>
         <a:defRPr sz="1400" b="0" i="0" u="none" strike="noStrike" cap="none">
           <a:solidFill>
             <a:srgbClr val="000000"/>
           </a:solidFill>
-          <a:latin typeface="Arial"/>
-          <a:ea typeface="Arial"/>
-          <a:cs typeface="Arial"/>
-          <a:sym typeface="Arial"/>
+          <a:latin typeface="Arial" panose="020B0604020202020204"/>
+          <a:ea typeface="Arial" panose="020B0604020202020204"/>
+          <a:cs typeface="Arial" panose="020B0604020202020204"/>
+          <a:sym typeface="Arial" panose="020B0604020202020204"/>
         </a:defRPr>
       </a:lvl4pPr>
       <a:lvl5pPr marR="0" lvl="4" algn="l" rtl="0">
@@ -4331,15 +4230,15 @@
         <a:buClr>
           <a:srgbClr val="000000"/>
         </a:buClr>
-        <a:buFont typeface="Arial"/>
+        <a:buFont typeface="Arial" panose="020B0604020202020204"/>
         <a:defRPr sz="1400" b="0" i="0" u="none" strike="noStrike" cap="none">
           <a:solidFill>
             <a:srgbClr val="000000"/>
           </a:solidFill>
-          <a:latin typeface="Arial"/>
-          <a:ea typeface="Arial"/>
-          <a:cs typeface="Arial"/>
-          <a:sym typeface="Arial"/>
+          <a:latin typeface="Arial" panose="020B0604020202020204"/>
+          <a:ea typeface="Arial" panose="020B0604020202020204"/>
+          <a:cs typeface="Arial" panose="020B0604020202020204"/>
+          <a:sym typeface="Arial" panose="020B0604020202020204"/>
         </a:defRPr>
       </a:lvl5pPr>
       <a:lvl6pPr marR="0" lvl="5" algn="l" rtl="0">
@@ -4355,15 +4254,15 @@
         <a:buClr>
           <a:srgbClr val="000000"/>
         </a:buClr>
-        <a:buFont typeface="Arial"/>
+        <a:buFont typeface="Arial" panose="020B0604020202020204"/>
         <a:defRPr sz="1400" b="0" i="0" u="none" strike="noStrike" cap="none">
           <a:solidFill>
             <a:srgbClr val="000000"/>
           </a:solidFill>
-          <a:latin typeface="Arial"/>
-          <a:ea typeface="Arial"/>
-          <a:cs typeface="Arial"/>
-          <a:sym typeface="Arial"/>
+          <a:latin typeface="Arial" panose="020B0604020202020204"/>
+          <a:ea typeface="Arial" panose="020B0604020202020204"/>
+          <a:cs typeface="Arial" panose="020B0604020202020204"/>
+          <a:sym typeface="Arial" panose="020B0604020202020204"/>
         </a:defRPr>
       </a:lvl6pPr>
       <a:lvl7pPr marR="0" lvl="6" algn="l" rtl="0">
@@ -4379,15 +4278,15 @@
         <a:buClr>
           <a:srgbClr val="000000"/>
         </a:buClr>
-        <a:buFont typeface="Arial"/>
+        <a:buFont typeface="Arial" panose="020B0604020202020204"/>
         <a:defRPr sz="1400" b="0" i="0" u="none" strike="noStrike" cap="none">
           <a:solidFill>
             <a:srgbClr val="000000"/>
           </a:solidFill>
-          <a:latin typeface="Arial"/>
-          <a:ea typeface="Arial"/>
-          <a:cs typeface="Arial"/>
-          <a:sym typeface="Arial"/>
+          <a:latin typeface="Arial" panose="020B0604020202020204"/>
+          <a:ea typeface="Arial" panose="020B0604020202020204"/>
+          <a:cs typeface="Arial" panose="020B0604020202020204"/>
+          <a:sym typeface="Arial" panose="020B0604020202020204"/>
         </a:defRPr>
       </a:lvl7pPr>
       <a:lvl8pPr marR="0" lvl="7" algn="l" rtl="0">
@@ -4403,15 +4302,15 @@
         <a:buClr>
           <a:srgbClr val="000000"/>
         </a:buClr>
-        <a:buFont typeface="Arial"/>
+        <a:buFont typeface="Arial" panose="020B0604020202020204"/>
         <a:defRPr sz="1400" b="0" i="0" u="none" strike="noStrike" cap="none">
           <a:solidFill>
             <a:srgbClr val="000000"/>
           </a:solidFill>
-          <a:latin typeface="Arial"/>
-          <a:ea typeface="Arial"/>
-          <a:cs typeface="Arial"/>
-          <a:sym typeface="Arial"/>
+          <a:latin typeface="Arial" panose="020B0604020202020204"/>
+          <a:ea typeface="Arial" panose="020B0604020202020204"/>
+          <a:cs typeface="Arial" panose="020B0604020202020204"/>
+          <a:sym typeface="Arial" panose="020B0604020202020204"/>
         </a:defRPr>
       </a:lvl8pPr>
       <a:lvl9pPr marR="0" lvl="8" algn="l" rtl="0">
@@ -4427,15 +4326,15 @@
         <a:buClr>
           <a:srgbClr val="000000"/>
         </a:buClr>
-        <a:buFont typeface="Arial"/>
+        <a:buFont typeface="Arial" panose="020B0604020202020204"/>
         <a:defRPr sz="1400" b="0" i="0" u="none" strike="noStrike" cap="none">
           <a:solidFill>
             <a:srgbClr val="000000"/>
           </a:solidFill>
-          <a:latin typeface="Arial"/>
-          <a:ea typeface="Arial"/>
-          <a:cs typeface="Arial"/>
-          <a:sym typeface="Arial"/>
+          <a:latin typeface="Arial" panose="020B0604020202020204"/>
+          <a:ea typeface="Arial" panose="020B0604020202020204"/>
+          <a:cs typeface="Arial" panose="020B0604020202020204"/>
+          <a:sym typeface="Arial" panose="020B0604020202020204"/>
         </a:defRPr>
       </a:lvl9pPr>
     </p:bodyStyle>
@@ -4464,15 +4363,15 @@
         <a:buClr>
           <a:srgbClr val="000000"/>
         </a:buClr>
-        <a:buFont typeface="Arial"/>
+        <a:buFont typeface="Arial" panose="020B0604020202020204"/>
         <a:defRPr sz="1400" b="0" i="0" u="none" strike="noStrike" cap="none">
           <a:solidFill>
             <a:srgbClr val="000000"/>
           </a:solidFill>
-          <a:latin typeface="Arial"/>
-          <a:ea typeface="Arial"/>
-          <a:cs typeface="Arial"/>
-          <a:sym typeface="Arial"/>
+          <a:latin typeface="Arial" panose="020B0604020202020204"/>
+          <a:ea typeface="Arial" panose="020B0604020202020204"/>
+          <a:cs typeface="Arial" panose="020B0604020202020204"/>
+          <a:sym typeface="Arial" panose="020B0604020202020204"/>
         </a:defRPr>
       </a:lvl1pPr>
       <a:lvl2pPr marR="0" lvl="1" algn="l" rtl="0">
@@ -4488,15 +4387,15 @@
         <a:buClr>
           <a:srgbClr val="000000"/>
         </a:buClr>
-        <a:buFont typeface="Arial"/>
+        <a:buFont typeface="Arial" panose="020B0604020202020204"/>
         <a:defRPr sz="1400" b="0" i="0" u="none" strike="noStrike" cap="none">
           <a:solidFill>
             <a:srgbClr val="000000"/>
           </a:solidFill>
-          <a:latin typeface="Arial"/>
-          <a:ea typeface="Arial"/>
-          <a:cs typeface="Arial"/>
-          <a:sym typeface="Arial"/>
+          <a:latin typeface="Arial" panose="020B0604020202020204"/>
+          <a:ea typeface="Arial" panose="020B0604020202020204"/>
+          <a:cs typeface="Arial" panose="020B0604020202020204"/>
+          <a:sym typeface="Arial" panose="020B0604020202020204"/>
         </a:defRPr>
       </a:lvl2pPr>
       <a:lvl3pPr marR="0" lvl="2" algn="l" rtl="0">
@@ -4512,15 +4411,15 @@
         <a:buClr>
           <a:srgbClr val="000000"/>
         </a:buClr>
-        <a:buFont typeface="Arial"/>
+        <a:buFont typeface="Arial" panose="020B0604020202020204"/>
         <a:defRPr sz="1400" b="0" i="0" u="none" strike="noStrike" cap="none">
           <a:solidFill>
             <a:srgbClr val="000000"/>
           </a:solidFill>
-          <a:latin typeface="Arial"/>
-          <a:ea typeface="Arial"/>
-          <a:cs typeface="Arial"/>
-          <a:sym typeface="Arial"/>
+          <a:latin typeface="Arial" panose="020B0604020202020204"/>
+          <a:ea typeface="Arial" panose="020B0604020202020204"/>
+          <a:cs typeface="Arial" panose="020B0604020202020204"/>
+          <a:sym typeface="Arial" panose="020B0604020202020204"/>
         </a:defRPr>
       </a:lvl3pPr>
       <a:lvl4pPr marR="0" lvl="3" algn="l" rtl="0">
@@ -4536,15 +4435,15 @@
         <a:buClr>
           <a:srgbClr val="000000"/>
         </a:buClr>
-        <a:buFont typeface="Arial"/>
+        <a:buFont typeface="Arial" panose="020B0604020202020204"/>
         <a:defRPr sz="1400" b="0" i="0" u="none" strike="noStrike" cap="none">
           <a:solidFill>
             <a:srgbClr val="000000"/>
           </a:solidFill>
-          <a:latin typeface="Arial"/>
-          <a:ea typeface="Arial"/>
-          <a:cs typeface="Arial"/>
-          <a:sym typeface="Arial"/>
+          <a:latin typeface="Arial" panose="020B0604020202020204"/>
+          <a:ea typeface="Arial" panose="020B0604020202020204"/>
+          <a:cs typeface="Arial" panose="020B0604020202020204"/>
+          <a:sym typeface="Arial" panose="020B0604020202020204"/>
         </a:defRPr>
       </a:lvl4pPr>
       <a:lvl5pPr marR="0" lvl="4" algn="l" rtl="0">
@@ -4560,15 +4459,15 @@
         <a:buClr>
           <a:srgbClr val="000000"/>
         </a:buClr>
-        <a:buFont typeface="Arial"/>
+        <a:buFont typeface="Arial" panose="020B0604020202020204"/>
         <a:defRPr sz="1400" b="0" i="0" u="none" strike="noStrike" cap="none">
           <a:solidFill>
             <a:srgbClr val="000000"/>
           </a:solidFill>
-          <a:latin typeface="Arial"/>
-          <a:ea typeface="Arial"/>
-          <a:cs typeface="Arial"/>
-          <a:sym typeface="Arial"/>
+          <a:latin typeface="Arial" panose="020B0604020202020204"/>
+          <a:ea typeface="Arial" panose="020B0604020202020204"/>
+          <a:cs typeface="Arial" panose="020B0604020202020204"/>
+          <a:sym typeface="Arial" panose="020B0604020202020204"/>
         </a:defRPr>
       </a:lvl5pPr>
       <a:lvl6pPr marR="0" lvl="5" algn="l" rtl="0">
@@ -4584,15 +4483,15 @@
         <a:buClr>
           <a:srgbClr val="000000"/>
         </a:buClr>
-        <a:buFont typeface="Arial"/>
+        <a:buFont typeface="Arial" panose="020B0604020202020204"/>
         <a:defRPr sz="1400" b="0" i="0" u="none" strike="noStrike" cap="none">
           <a:solidFill>
             <a:srgbClr val="000000"/>
           </a:solidFill>
-          <a:latin typeface="Arial"/>
-          <a:ea typeface="Arial"/>
-          <a:cs typeface="Arial"/>
-          <a:sym typeface="Arial"/>
+          <a:latin typeface="Arial" panose="020B0604020202020204"/>
+          <a:ea typeface="Arial" panose="020B0604020202020204"/>
+          <a:cs typeface="Arial" panose="020B0604020202020204"/>
+          <a:sym typeface="Arial" panose="020B0604020202020204"/>
         </a:defRPr>
       </a:lvl6pPr>
       <a:lvl7pPr marR="0" lvl="6" algn="l" rtl="0">
@@ -4608,15 +4507,15 @@
         <a:buClr>
           <a:srgbClr val="000000"/>
         </a:buClr>
-        <a:buFont typeface="Arial"/>
+        <a:buFont typeface="Arial" panose="020B0604020202020204"/>
         <a:defRPr sz="1400" b="0" i="0" u="none" strike="noStrike" cap="none">
           <a:solidFill>
             <a:srgbClr val="000000"/>
           </a:solidFill>
-          <a:latin typeface="Arial"/>
-          <a:ea typeface="Arial"/>
-          <a:cs typeface="Arial"/>
-          <a:sym typeface="Arial"/>
+          <a:latin typeface="Arial" panose="020B0604020202020204"/>
+          <a:ea typeface="Arial" panose="020B0604020202020204"/>
+          <a:cs typeface="Arial" panose="020B0604020202020204"/>
+          <a:sym typeface="Arial" panose="020B0604020202020204"/>
         </a:defRPr>
       </a:lvl7pPr>
       <a:lvl8pPr marR="0" lvl="7" algn="l" rtl="0">
@@ -4632,15 +4531,15 @@
         <a:buClr>
           <a:srgbClr val="000000"/>
         </a:buClr>
-        <a:buFont typeface="Arial"/>
+        <a:buFont typeface="Arial" panose="020B0604020202020204"/>
         <a:defRPr sz="1400" b="0" i="0" u="none" strike="noStrike" cap="none">
           <a:solidFill>
             <a:srgbClr val="000000"/>
           </a:solidFill>
-          <a:latin typeface="Arial"/>
-          <a:ea typeface="Arial"/>
-          <a:cs typeface="Arial"/>
-          <a:sym typeface="Arial"/>
+          <a:latin typeface="Arial" panose="020B0604020202020204"/>
+          <a:ea typeface="Arial" panose="020B0604020202020204"/>
+          <a:cs typeface="Arial" panose="020B0604020202020204"/>
+          <a:sym typeface="Arial" panose="020B0604020202020204"/>
         </a:defRPr>
       </a:lvl8pPr>
       <a:lvl9pPr marR="0" lvl="8" algn="l" rtl="0">
@@ -4656,15 +4555,15 @@
         <a:buClr>
           <a:srgbClr val="000000"/>
         </a:buClr>
-        <a:buFont typeface="Arial"/>
+        <a:buFont typeface="Arial" panose="020B0604020202020204"/>
         <a:defRPr sz="1400" b="0" i="0" u="none" strike="noStrike" cap="none">
           <a:solidFill>
             <a:srgbClr val="000000"/>
           </a:solidFill>
-          <a:latin typeface="Arial"/>
-          <a:ea typeface="Arial"/>
-          <a:cs typeface="Arial"/>
-          <a:sym typeface="Arial"/>
+          <a:latin typeface="Arial" panose="020B0604020202020204"/>
+          <a:ea typeface="Arial" panose="020B0604020202020204"/>
+          <a:cs typeface="Arial" panose="020B0604020202020204"/>
+          <a:sym typeface="Arial" panose="020B0604020202020204"/>
         </a:defRPr>
       </a:lvl9pPr>
     </p:otherStyle>
@@ -4772,14 +4671,14 @@
             </a:pPr>
             <a:r>
               <a:rPr lang="en-GB" sz="3600" dirty="0" smtClean="0">
-                <a:latin typeface="Times New Roman" pitchFamily="18" charset="0"/>
-                <a:cs typeface="Times New Roman" pitchFamily="18" charset="0"/>
+                <a:latin typeface="Times New Roman" panose="02020603050405020304" pitchFamily="18" charset="0"/>
+                <a:cs typeface="Times New Roman" panose="02020603050405020304" pitchFamily="18" charset="0"/>
               </a:rPr>
               <a:t>MINI  PROJECT PRESENTATION</a:t>
             </a:r>
             <a:endParaRPr sz="3600" dirty="0">
-              <a:latin typeface="Times New Roman" pitchFamily="18" charset="0"/>
-              <a:cs typeface="Times New Roman" pitchFamily="18" charset="0"/>
+              <a:latin typeface="Times New Roman" panose="02020603050405020304" pitchFamily="18" charset="0"/>
+              <a:cs typeface="Times New Roman" panose="02020603050405020304" pitchFamily="18" charset="0"/>
             </a:endParaRPr>
           </a:p>
         </p:txBody>
@@ -4791,9 +4690,7 @@
           <p:nvPr/>
         </p:nvPicPr>
         <p:blipFill>
-          <a:blip r:embed="rId3">
-            <a:alphaModFix/>
-          </a:blip>
+          <a:blip r:embed="rId3"/>
           <a:stretch>
             <a:fillRect/>
           </a:stretch>
@@ -4819,9 +4716,7 @@
           <p:nvPr/>
         </p:nvPicPr>
         <p:blipFill>
-          <a:blip r:embed="rId4">
-            <a:alphaModFix/>
-          </a:blip>
+          <a:blip r:embed="rId4"/>
           <a:stretch>
             <a:fillRect/>
           </a:stretch>
@@ -4847,9 +4742,7 @@
           <p:nvPr/>
         </p:nvPicPr>
         <p:blipFill>
-          <a:blip r:embed="rId5">
-            <a:alphaModFix/>
-          </a:blip>
+          <a:blip r:embed="rId5"/>
           <a:stretch>
             <a:fillRect/>
           </a:stretch>
@@ -4875,9 +4768,7 @@
           <p:nvPr/>
         </p:nvPicPr>
         <p:blipFill>
-          <a:blip r:embed="rId6">
-            <a:alphaModFix/>
-          </a:blip>
+          <a:blip r:embed="rId6"/>
           <a:stretch>
             <a:fillRect/>
           </a:stretch>
@@ -4903,9 +4794,7 @@
           <p:nvPr/>
         </p:nvPicPr>
         <p:blipFill>
-          <a:blip r:embed="rId7">
-            <a:alphaModFix/>
-          </a:blip>
+          <a:blip r:embed="rId7"/>
           <a:stretch>
             <a:fillRect/>
           </a:stretch>
@@ -4931,9 +4820,7 @@
           <p:nvPr/>
         </p:nvPicPr>
         <p:blipFill>
-          <a:blip r:embed="rId7">
-            <a:alphaModFix/>
-          </a:blip>
+          <a:blip r:embed="rId7"/>
           <a:stretch>
             <a:fillRect/>
           </a:stretch>
@@ -4981,6 +4868,9 @@
   <p:clrMapOvr>
     <a:masterClrMapping/>
   </p:clrMapOvr>
+  <p:transition>
+    <p:fade thruBlk="1"/>
+  </p:transition>
   <p:timing>
     <p:tnLst>
       <p:par>
@@ -4996,7 +4886,7 @@
   <p:cSld>
     <p:spTree>
       <p:nvGrpSpPr>
-        <p:cNvPr id="1" name="Shape 93"/>
+        <p:cNvPr id="1" name=""/>
         <p:cNvGrpSpPr/>
         <p:nvPr/>
       </p:nvGrpSpPr>
@@ -5010,283 +4900,94 @@
       </p:grpSpPr>
       <p:sp>
         <p:nvSpPr>
-          <p:cNvPr id="94" name="Google Shape;94;p17"/>
-          <p:cNvSpPr txBox="1">
+          <p:cNvPr id="2" name="Title 1"/>
+          <p:cNvSpPr>
             <a:spLocks noGrp="1"/>
           </p:cNvSpPr>
           <p:nvPr>
             <p:ph type="ctrTitle"/>
           </p:nvPr>
         </p:nvSpPr>
-        <p:spPr>
-          <a:xfrm>
-            <a:off x="611560" y="267494"/>
-            <a:ext cx="4263900" cy="1008112"/>
-          </a:xfrm>
-          <a:prstGeom prst="rect">
-            <a:avLst/>
-          </a:prstGeom>
-        </p:spPr>
+        <p:spPr/>
         <p:txBody>
-          <a:bodyPr spcFirstLastPara="1" wrap="square" lIns="0" tIns="0" rIns="0" bIns="0" anchor="b" anchorCtr="0">
-            <a:noAutofit/>
-          </a:bodyPr>
+          <a:bodyPr/>
           <a:lstStyle/>
           <a:p>
-            <a:pPr marL="0" lvl="0" indent="0" algn="l" rtl="0">
-              <a:spcBef>
-                <a:spcPts val="0"/>
-              </a:spcBef>
-              <a:spcAft>
-                <a:spcPts val="0"/>
-              </a:spcAft>
-              <a:buNone/>
-            </a:pPr>
-            <a:r>
-              <a:rPr lang="en-GB" dirty="0" smtClean="0">
-                <a:latin typeface="Times New Roman" pitchFamily="18" charset="0"/>
-                <a:cs typeface="Times New Roman" pitchFamily="18" charset="0"/>
-              </a:rPr>
-              <a:t>Technologies Used:</a:t>
-            </a:r>
-            <a:endParaRPr dirty="0">
-              <a:latin typeface="Times New Roman" pitchFamily="18" charset="0"/>
-              <a:cs typeface="Times New Roman" pitchFamily="18" charset="0"/>
-            </a:endParaRPr>
+            <a:r>
+              <a:rPr lang="en-US"/>
+              <a:t> </a:t>
+            </a:r>
           </a:p>
         </p:txBody>
       </p:sp>
       <p:sp>
         <p:nvSpPr>
-          <p:cNvPr id="95" name="Google Shape;95;p17"/>
-          <p:cNvSpPr txBox="1">
+          <p:cNvPr id="3" name="Subtitle 2"/>
+          <p:cNvSpPr>
             <a:spLocks noGrp="1"/>
           </p:cNvSpPr>
           <p:nvPr>
             <p:ph type="subTitle" idx="1"/>
           </p:nvPr>
         </p:nvSpPr>
-        <p:spPr>
-          <a:xfrm>
-            <a:off x="685800" y="1635646"/>
-            <a:ext cx="7702624" cy="3312368"/>
-          </a:xfrm>
-          <a:prstGeom prst="rect">
-            <a:avLst/>
-          </a:prstGeom>
-        </p:spPr>
+        <p:spPr/>
         <p:txBody>
-          <a:bodyPr spcFirstLastPara="1" wrap="square" lIns="0" tIns="0" rIns="0" bIns="0" anchor="t" anchorCtr="0">
-            <a:noAutofit/>
-          </a:bodyPr>
+          <a:bodyPr/>
           <a:lstStyle/>
           <a:p>
-            <a:pPr marL="0" lvl="0" indent="0" algn="l" rtl="0">
-              <a:spcBef>
-                <a:spcPts val="0"/>
-              </a:spcBef>
-              <a:spcAft>
-                <a:spcPts val="0"/>
-              </a:spcAft>
-              <a:buNone/>
-            </a:pPr>
-            <a:r>
-              <a:rPr lang="en-GB" sz="2000" u="sng" dirty="0" smtClean="0">
-                <a:solidFill>
-                  <a:schemeClr val="bg1"/>
-                </a:solidFill>
-                <a:latin typeface="Times New Roman" pitchFamily="18" charset="0"/>
-                <a:cs typeface="Times New Roman" pitchFamily="18" charset="0"/>
-              </a:rPr>
+            <a:r>
+              <a:rPr lang="en-US"/>
               <a:t> </a:t>
             </a:r>
-            <a:r>
-              <a:rPr lang="en-GB" sz="2400" u="sng" dirty="0" smtClean="0">
-                <a:solidFill>
-                  <a:schemeClr val="bg1"/>
-                </a:solidFill>
-                <a:latin typeface="Times New Roman" pitchFamily="18" charset="0"/>
-                <a:cs typeface="Times New Roman" pitchFamily="18" charset="0"/>
-              </a:rPr>
-              <a:t>HTML5</a:t>
-            </a:r>
-            <a:endParaRPr lang="en-GB" sz="2400" u="sng" dirty="0" smtClean="0">
-              <a:solidFill>
-                <a:schemeClr val="bg1"/>
-              </a:solidFill>
-              <a:latin typeface="Times New Roman" pitchFamily="18" charset="0"/>
-              <a:cs typeface="Times New Roman" pitchFamily="18" charset="0"/>
-            </a:endParaRPr>
-          </a:p>
-          <a:p>
-            <a:pPr marL="0" lvl="0" indent="0" algn="l" rtl="0">
-              <a:spcBef>
-                <a:spcPts val="0"/>
-              </a:spcBef>
-              <a:spcAft>
-                <a:spcPts val="0"/>
-              </a:spcAft>
-              <a:buNone/>
-            </a:pPr>
-            <a:endParaRPr lang="en-GB" dirty="0" smtClean="0">
-              <a:solidFill>
-                <a:schemeClr val="bg1"/>
-              </a:solidFill>
-              <a:latin typeface="Times New Roman" pitchFamily="18" charset="0"/>
-              <a:cs typeface="Times New Roman" pitchFamily="18" charset="0"/>
-            </a:endParaRPr>
-          </a:p>
-          <a:p>
-            <a:pPr marL="285750" indent="-285750">
-              <a:buFont typeface="Wingdings" pitchFamily="2" charset="2"/>
-              <a:buChar char="Ø"/>
-            </a:pPr>
-            <a:r>
-              <a:rPr lang="en-US" b="1" dirty="0" smtClean="0">
-                <a:solidFill>
-                  <a:schemeClr val="bg1"/>
-                </a:solidFill>
-                <a:latin typeface="Times New Roman" pitchFamily="18" charset="0"/>
-                <a:cs typeface="Times New Roman" pitchFamily="18" charset="0"/>
-              </a:rPr>
-              <a:t>HTML </a:t>
-            </a:r>
-            <a:r>
-              <a:rPr lang="en-US" b="1" dirty="0">
-                <a:solidFill>
-                  <a:schemeClr val="bg1"/>
-                </a:solidFill>
-                <a:latin typeface="Times New Roman" pitchFamily="18" charset="0"/>
-                <a:cs typeface="Times New Roman" pitchFamily="18" charset="0"/>
-              </a:rPr>
-              <a:t>is the standard markup language for documents designed to be displayed in a web browser</a:t>
-            </a:r>
-            <a:r>
-              <a:rPr lang="en-US" dirty="0">
-                <a:solidFill>
-                  <a:schemeClr val="bg1"/>
-                </a:solidFill>
-                <a:latin typeface="Times New Roman" pitchFamily="18" charset="0"/>
-                <a:cs typeface="Times New Roman" pitchFamily="18" charset="0"/>
-              </a:rPr>
-              <a:t>. </a:t>
-            </a:r>
-            <a:r>
-              <a:rPr lang="en-IN" dirty="0">
-                <a:solidFill>
-                  <a:schemeClr val="bg1"/>
-                </a:solidFill>
-                <a:latin typeface="Times New Roman" pitchFamily="18" charset="0"/>
-                <a:cs typeface="Times New Roman" pitchFamily="18" charset="0"/>
-              </a:rPr>
-              <a:t> </a:t>
-            </a:r>
-            <a:endParaRPr lang="en-US" dirty="0">
-              <a:solidFill>
-                <a:schemeClr val="bg1"/>
-              </a:solidFill>
-              <a:latin typeface="Times New Roman" pitchFamily="18" charset="0"/>
-              <a:cs typeface="Times New Roman" pitchFamily="18" charset="0"/>
-            </a:endParaRPr>
-          </a:p>
-          <a:p>
-            <a:pPr marL="285750" indent="-285750">
-              <a:buFont typeface="Wingdings" pitchFamily="2" charset="2"/>
-              <a:buChar char="Ø"/>
-            </a:pPr>
-            <a:r>
-              <a:rPr lang="en-US" b="1" dirty="0">
-                <a:solidFill>
-                  <a:schemeClr val="bg1"/>
-                </a:solidFill>
-                <a:latin typeface="Times New Roman" pitchFamily="18" charset="0"/>
-                <a:cs typeface="Times New Roman" pitchFamily="18" charset="0"/>
-              </a:rPr>
-              <a:t>HTML describes the structure of a web page semantically and originally included cues for the appearance of the document. </a:t>
-            </a:r>
-            <a:r>
-              <a:rPr lang="en-IN" b="1" dirty="0">
-                <a:solidFill>
-                  <a:schemeClr val="bg1"/>
-                </a:solidFill>
-                <a:latin typeface="Times New Roman" pitchFamily="18" charset="0"/>
-                <a:cs typeface="Times New Roman" pitchFamily="18" charset="0"/>
-              </a:rPr>
-              <a:t> </a:t>
-            </a:r>
-            <a:endParaRPr lang="en-IN" b="1" dirty="0" smtClean="0">
-              <a:solidFill>
-                <a:schemeClr val="bg1"/>
-              </a:solidFill>
-              <a:latin typeface="Times New Roman" pitchFamily="18" charset="0"/>
-              <a:cs typeface="Times New Roman" pitchFamily="18" charset="0"/>
-            </a:endParaRPr>
-          </a:p>
-          <a:p>
-            <a:pPr marL="285750" indent="-285750">
-              <a:buFont typeface="Wingdings" pitchFamily="2" charset="2"/>
-              <a:buChar char="Ø"/>
-            </a:pPr>
-            <a:r>
-              <a:rPr lang="en-US" b="1" dirty="0">
-                <a:solidFill>
-                  <a:schemeClr val="bg1"/>
-                </a:solidFill>
-                <a:latin typeface="Times New Roman" pitchFamily="18" charset="0"/>
-                <a:cs typeface="Times New Roman" pitchFamily="18" charset="0"/>
-              </a:rPr>
-              <a:t>HTML provides a means to create structured documents by denoting structural semantics for text such as headings, paragraphs, lists, links, quotes and other items.</a:t>
-            </a:r>
-          </a:p>
-          <a:p>
-            <a:pPr marL="0" indent="0"/>
-            <a:endParaRPr lang="en-US" sz="2400" b="1" dirty="0">
-              <a:latin typeface="Gabriela" pitchFamily="2" charset="0"/>
-            </a:endParaRPr>
-          </a:p>
-          <a:p>
-            <a:pPr marL="0" lvl="0" indent="0" algn="l" rtl="0">
-              <a:spcBef>
-                <a:spcPts val="0"/>
-              </a:spcBef>
-              <a:spcAft>
-                <a:spcPts val="0"/>
-              </a:spcAft>
-              <a:buNone/>
-            </a:pPr>
-            <a:endParaRPr sz="2400" dirty="0">
-              <a:latin typeface="Times New Roman" pitchFamily="18" charset="0"/>
-              <a:cs typeface="Times New Roman" pitchFamily="18" charset="0"/>
-            </a:endParaRPr>
           </a:p>
         </p:txBody>
       </p:sp>
       <p:pic>
         <p:nvPicPr>
-          <p:cNvPr id="98" name="Google Shape;98;p17"/>
-          <p:cNvPicPr preferRelativeResize="0"/>
+          <p:cNvPr id="4" name="Picture 3" descr="1"/>
+          <p:cNvPicPr>
+            <a:picLocks noChangeAspect="1"/>
+          </p:cNvPicPr>
           <p:nvPr/>
         </p:nvPicPr>
         <p:blipFill>
-          <a:blip r:embed="rId3">
-            <a:alphaModFix/>
-          </a:blip>
+          <a:blip r:embed="rId2"/>
           <a:stretch>
             <a:fillRect/>
           </a:stretch>
         </p:blipFill>
         <p:spPr>
           <a:xfrm>
-            <a:off x="6336726" y="1237502"/>
-            <a:ext cx="1032700" cy="1209125"/>
+            <a:off x="4428490" y="156210"/>
+            <a:ext cx="4614545" cy="3113405"/>
           </a:xfrm>
           <a:prstGeom prst="rect">
             <a:avLst/>
           </a:prstGeom>
-          <a:noFill/>
-          <a:ln>
-            <a:noFill/>
-          </a:ln>
+        </p:spPr>
+      </p:pic>
+      <p:pic>
+        <p:nvPicPr>
+          <p:cNvPr id="5" name="Picture 4" descr="2"/>
+          <p:cNvPicPr>
+            <a:picLocks noChangeAspect="1"/>
+          </p:cNvPicPr>
+          <p:nvPr/>
+        </p:nvPicPr>
+        <p:blipFill>
+          <a:blip r:embed="rId3"/>
+          <a:stretch>
+            <a:fillRect/>
+          </a:stretch>
+        </p:blipFill>
+        <p:spPr>
+          <a:xfrm>
+            <a:off x="126365" y="1887220"/>
+            <a:ext cx="4302125" cy="3120390"/>
+          </a:xfrm>
+          <a:prstGeom prst="rect">
+            <a:avLst/>
+          </a:prstGeom>
         </p:spPr>
       </p:pic>
     </p:spTree>
@@ -5294,13 +4995,9 @@
   <p:clrMapOvr>
     <a:masterClrMapping/>
   </p:clrMapOvr>
-  <p:timing>
-    <p:tnLst>
-      <p:par>
-        <p:cTn id="1" dur="indefinite" restart="never" nodeType="tmRoot"/>
-      </p:par>
-    </p:tnLst>
-  </p:timing>
+  <p:transition>
+    <p:fade thruBlk="1"/>
+  </p:transition>
 </p:sld>
 </file>
 
@@ -5331,24 +5028,15 @@
             <p:ph type="ctrTitle"/>
           </p:nvPr>
         </p:nvSpPr>
-        <p:spPr>
-          <a:xfrm>
-            <a:off x="539552" y="339502"/>
-            <a:ext cx="4410148" cy="864096"/>
-          </a:xfrm>
-        </p:spPr>
+        <p:spPr/>
         <p:txBody>
           <a:bodyPr/>
           <a:lstStyle/>
           <a:p>
             <a:r>
-              <a:rPr lang="en-GB" dirty="0">
-                <a:latin typeface="Times New Roman" pitchFamily="18" charset="0"/>
-                <a:cs typeface="Times New Roman" pitchFamily="18" charset="0"/>
-              </a:rPr>
-              <a:t>Technologies Used:</a:t>
-            </a:r>
-            <a:endParaRPr lang="en-GB" dirty="0"/>
+              <a:rPr lang="en-US"/>
+              <a:t> </a:t>
+            </a:r>
           </a:p>
         </p:txBody>
       </p:sp>
@@ -5362,149 +5050,74 @@
             <p:ph type="subTitle" idx="1"/>
           </p:nvPr>
         </p:nvSpPr>
-        <p:spPr>
-          <a:xfrm>
-            <a:off x="611560" y="1347614"/>
-            <a:ext cx="7992888" cy="3456384"/>
-          </a:xfrm>
-        </p:spPr>
+        <p:spPr/>
         <p:txBody>
           <a:bodyPr/>
           <a:lstStyle/>
           <a:p>
-            <a:pPr marL="0" lvl="0" indent="0"/>
-            <a:r>
-              <a:rPr lang="en-GB" sz="2800" dirty="0" smtClean="0">
-                <a:solidFill>
-                  <a:schemeClr val="bg1"/>
-                </a:solidFill>
-                <a:latin typeface="Times New Roman" pitchFamily="18" charset="0"/>
-                <a:cs typeface="Times New Roman" pitchFamily="18" charset="0"/>
-              </a:rPr>
+            <a:r>
+              <a:rPr lang="en-US"/>
               <a:t> </a:t>
             </a:r>
-            <a:r>
-              <a:rPr lang="en-GB" sz="2800" u="sng" dirty="0" smtClean="0">
-                <a:solidFill>
-                  <a:schemeClr val="bg1"/>
-                </a:solidFill>
-                <a:latin typeface="Times New Roman" pitchFamily="18" charset="0"/>
-                <a:cs typeface="Times New Roman" pitchFamily="18" charset="0"/>
-              </a:rPr>
-              <a:t>CSS3</a:t>
-            </a:r>
-            <a:endParaRPr lang="en-GB" sz="2800" u="sng" dirty="0" smtClean="0">
-              <a:solidFill>
-                <a:schemeClr val="bg1"/>
-              </a:solidFill>
-              <a:latin typeface="Times New Roman" pitchFamily="18" charset="0"/>
-              <a:cs typeface="Times New Roman" pitchFamily="18" charset="0"/>
-            </a:endParaRPr>
-          </a:p>
-          <a:p>
-            <a:pPr marL="0" lvl="0" indent="0"/>
-            <a:endParaRPr lang="en-GB" sz="2800" dirty="0">
-              <a:solidFill>
-                <a:schemeClr val="bg1"/>
-              </a:solidFill>
-              <a:latin typeface="Times New Roman" pitchFamily="18" charset="0"/>
-              <a:cs typeface="Times New Roman" pitchFamily="18" charset="0"/>
-            </a:endParaRPr>
-          </a:p>
-          <a:p>
-            <a:pPr>
-              <a:buFont typeface="Wingdings" pitchFamily="2" charset="2"/>
-              <a:buChar char="Ø"/>
-            </a:pPr>
-            <a:r>
-              <a:rPr lang="en-US" b="1" dirty="0">
-                <a:solidFill>
-                  <a:schemeClr val="bg1"/>
-                </a:solidFill>
-                <a:latin typeface="Times New Roman" pitchFamily="18" charset="0"/>
-                <a:cs typeface="Times New Roman" pitchFamily="18" charset="0"/>
-              </a:rPr>
-              <a:t>CSS is designed to enable the separation of presentation and content, including layout, colors, margins and also fonts. </a:t>
-            </a:r>
-            <a:r>
-              <a:rPr lang="en-IN" b="1" dirty="0">
-                <a:solidFill>
-                  <a:schemeClr val="bg1"/>
-                </a:solidFill>
-                <a:latin typeface="Times New Roman" pitchFamily="18" charset="0"/>
-                <a:cs typeface="Times New Roman" pitchFamily="18" charset="0"/>
-              </a:rPr>
-              <a:t> </a:t>
-            </a:r>
-            <a:endParaRPr lang="en-US" b="1" dirty="0">
-              <a:solidFill>
-                <a:schemeClr val="bg1"/>
-              </a:solidFill>
-              <a:latin typeface="Times New Roman" pitchFamily="18" charset="0"/>
-              <a:cs typeface="Times New Roman" pitchFamily="18" charset="0"/>
-            </a:endParaRPr>
-          </a:p>
-          <a:p>
-            <a:pPr>
-              <a:buFont typeface="Wingdings" pitchFamily="2" charset="2"/>
-              <a:buChar char="Ø"/>
-            </a:pPr>
-            <a:r>
-              <a:rPr lang="en-US" b="1" dirty="0">
-                <a:solidFill>
-                  <a:schemeClr val="bg1"/>
-                </a:solidFill>
-                <a:latin typeface="Times New Roman" pitchFamily="18" charset="0"/>
-                <a:cs typeface="Times New Roman" pitchFamily="18" charset="0"/>
-              </a:rPr>
-              <a:t>This separation can improve content accessibility, provide more flexibility and control in the specification of presentation characteristics.</a:t>
-            </a:r>
-          </a:p>
-          <a:p>
-            <a:pPr>
-              <a:buFont typeface="Wingdings" pitchFamily="2" charset="2"/>
-              <a:buChar char="Ø"/>
-            </a:pPr>
-            <a:r>
-              <a:rPr lang="en-US" b="1" dirty="0">
-                <a:solidFill>
-                  <a:schemeClr val="bg1"/>
-                </a:solidFill>
-                <a:latin typeface="Times New Roman" pitchFamily="18" charset="0"/>
-                <a:cs typeface="Times New Roman" pitchFamily="18" charset="0"/>
-              </a:rPr>
-              <a:t>CSS enables multiple web pages to share formatting by specifying the relevant CSS in a separate .css file which reduces complexity and repetition in the structural content.</a:t>
-            </a:r>
-          </a:p>
-          <a:p>
-            <a:pPr>
-              <a:buFont typeface="Wingdings" pitchFamily="2" charset="2"/>
-              <a:buChar char="Ø"/>
-            </a:pPr>
-            <a:endParaRPr lang="en-GB" dirty="0">
-              <a:latin typeface="Times New Roman" pitchFamily="18" charset="0"/>
-              <a:cs typeface="Times New Roman" pitchFamily="18" charset="0"/>
-            </a:endParaRPr>
           </a:p>
         </p:txBody>
       </p:sp>
+      <p:pic>
+        <p:nvPicPr>
+          <p:cNvPr id="4" name="Picture 3" descr="3"/>
+          <p:cNvPicPr>
+            <a:picLocks noChangeAspect="1"/>
+          </p:cNvPicPr>
+          <p:nvPr/>
+        </p:nvPicPr>
+        <p:blipFill>
+          <a:blip r:embed="rId2"/>
+          <a:stretch>
+            <a:fillRect/>
+          </a:stretch>
+        </p:blipFill>
+        <p:spPr>
+          <a:xfrm>
+            <a:off x="76200" y="154305"/>
+            <a:ext cx="4482465" cy="3079115"/>
+          </a:xfrm>
+          <a:prstGeom prst="rect">
+            <a:avLst/>
+          </a:prstGeom>
+        </p:spPr>
+      </p:pic>
+      <p:pic>
+        <p:nvPicPr>
+          <p:cNvPr id="5" name="Picture 4" descr="4"/>
+          <p:cNvPicPr>
+            <a:picLocks noChangeAspect="1"/>
+          </p:cNvPicPr>
+          <p:nvPr/>
+        </p:nvPicPr>
+        <p:blipFill>
+          <a:blip r:embed="rId3"/>
+          <a:stretch>
+            <a:fillRect/>
+          </a:stretch>
+        </p:blipFill>
+        <p:spPr>
+          <a:xfrm>
+            <a:off x="4558665" y="1964055"/>
+            <a:ext cx="4468495" cy="3080385"/>
+          </a:xfrm>
+          <a:prstGeom prst="rect">
+            <a:avLst/>
+          </a:prstGeom>
+        </p:spPr>
+      </p:pic>
     </p:spTree>
-    <p:extLst>
-      <p:ext uri="{BB962C8B-B14F-4D97-AF65-F5344CB8AC3E}">
-        <p14:creationId xmlns:p14="http://schemas.microsoft.com/office/powerpoint/2010/main" val="2164606357"/>
-      </p:ext>
-    </p:extLst>
   </p:cSld>
   <p:clrMapOvr>
     <a:masterClrMapping/>
   </p:clrMapOvr>
-  <p:timing>
-    <p:tnLst>
-      <p:par>
-        <p:cTn id="1" dur="indefinite" restart="never" nodeType="tmRoot"/>
-      </p:par>
-    </p:tnLst>
-  </p:timing>
+  <p:transition>
+    <p:fade thruBlk="1"/>
+  </p:transition>
 </p:sld>
 </file>
 
@@ -5535,24 +5148,15 @@
             <p:ph type="ctrTitle"/>
           </p:nvPr>
         </p:nvSpPr>
-        <p:spPr>
-          <a:xfrm>
-            <a:off x="467544" y="483518"/>
-            <a:ext cx="4263900" cy="871768"/>
-          </a:xfrm>
-        </p:spPr>
+        <p:spPr/>
         <p:txBody>
           <a:bodyPr/>
           <a:lstStyle/>
           <a:p>
             <a:r>
-              <a:rPr lang="en-GB" dirty="0">
-                <a:latin typeface="Times New Roman" pitchFamily="18" charset="0"/>
-                <a:cs typeface="Times New Roman" pitchFamily="18" charset="0"/>
-              </a:rPr>
-              <a:t>Technologies Used:</a:t>
-            </a:r>
-            <a:endParaRPr lang="en-IN" dirty="0"/>
+              <a:rPr lang="en-US"/>
+              <a:t> </a:t>
+            </a:r>
           </a:p>
         </p:txBody>
       </p:sp>
@@ -5566,260 +5170,74 @@
             <p:ph type="subTitle" idx="1"/>
           </p:nvPr>
         </p:nvSpPr>
-        <p:spPr>
-          <a:xfrm>
-            <a:off x="685800" y="1707654"/>
-            <a:ext cx="6910536" cy="3024336"/>
-          </a:xfrm>
-        </p:spPr>
+        <p:spPr/>
         <p:txBody>
           <a:bodyPr/>
           <a:lstStyle/>
           <a:p>
             <a:r>
-              <a:rPr lang="en-US" sz="2800" u="sng" dirty="0" smtClean="0">
-                <a:solidFill>
-                  <a:schemeClr val="bg1"/>
-                </a:solidFill>
-                <a:latin typeface="Times New Roman" pitchFamily="18" charset="0"/>
-                <a:cs typeface="Times New Roman" pitchFamily="18" charset="0"/>
-              </a:rPr>
-              <a:t>SCSS</a:t>
-            </a:r>
-          </a:p>
-          <a:p>
-            <a:endParaRPr lang="en-US" dirty="0" smtClean="0">
-              <a:solidFill>
-                <a:schemeClr val="bg1"/>
-              </a:solidFill>
-              <a:latin typeface="Times New Roman" pitchFamily="18" charset="0"/>
-              <a:cs typeface="Times New Roman" pitchFamily="18" charset="0"/>
-            </a:endParaRPr>
-          </a:p>
-          <a:p>
-            <a:pPr>
-              <a:buFont typeface="Wingdings" pitchFamily="2" charset="2"/>
-              <a:buChar char="Ø"/>
-            </a:pPr>
-            <a:r>
-              <a:rPr lang="en-US" dirty="0">
-                <a:solidFill>
-                  <a:schemeClr val="bg1"/>
-                </a:solidFill>
-                <a:latin typeface="Times New Roman" pitchFamily="18" charset="0"/>
-                <a:cs typeface="Times New Roman" pitchFamily="18" charset="0"/>
-              </a:rPr>
-              <a:t>The </a:t>
-            </a:r>
-            <a:r>
-              <a:rPr lang="en-US" cap="all" dirty="0">
-                <a:solidFill>
-                  <a:schemeClr val="bg1"/>
-                </a:solidFill>
-                <a:latin typeface="Times New Roman" pitchFamily="18" charset="0"/>
-                <a:cs typeface="Times New Roman" pitchFamily="18" charset="0"/>
-              </a:rPr>
-              <a:t>SCSS</a:t>
-            </a:r>
-            <a:r>
-              <a:rPr lang="en-US" dirty="0">
-                <a:solidFill>
-                  <a:schemeClr val="bg1"/>
-                </a:solidFill>
-                <a:latin typeface="Times New Roman" pitchFamily="18" charset="0"/>
-                <a:cs typeface="Times New Roman" pitchFamily="18" charset="0"/>
-              </a:rPr>
-              <a:t> syntax uses the file extension .</a:t>
-            </a:r>
-            <a:r>
-              <a:rPr lang="en-US" dirty="0" err="1">
-                <a:solidFill>
-                  <a:schemeClr val="bg1"/>
-                </a:solidFill>
-                <a:latin typeface="Times New Roman" pitchFamily="18" charset="0"/>
-                <a:cs typeface="Times New Roman" pitchFamily="18" charset="0"/>
-              </a:rPr>
-              <a:t>scss</a:t>
-            </a:r>
-            <a:r>
-              <a:rPr lang="en-US" dirty="0">
-                <a:solidFill>
-                  <a:schemeClr val="bg1"/>
-                </a:solidFill>
-                <a:latin typeface="Times New Roman" pitchFamily="18" charset="0"/>
-                <a:cs typeface="Times New Roman" pitchFamily="18" charset="0"/>
-              </a:rPr>
-              <a:t>. With a few small exceptions, it’s a superset of </a:t>
-            </a:r>
-            <a:r>
-              <a:rPr lang="en-US" cap="all" dirty="0">
-                <a:solidFill>
-                  <a:schemeClr val="bg1"/>
-                </a:solidFill>
-                <a:latin typeface="Times New Roman" pitchFamily="18" charset="0"/>
-                <a:cs typeface="Times New Roman" pitchFamily="18" charset="0"/>
-              </a:rPr>
-              <a:t>CSS</a:t>
-            </a:r>
-            <a:r>
-              <a:rPr lang="en-US" dirty="0">
-                <a:solidFill>
-                  <a:schemeClr val="bg1"/>
-                </a:solidFill>
-                <a:latin typeface="Times New Roman" pitchFamily="18" charset="0"/>
-                <a:cs typeface="Times New Roman" pitchFamily="18" charset="0"/>
-              </a:rPr>
-              <a:t>, which means essentially </a:t>
-            </a:r>
-            <a:r>
-              <a:rPr lang="en-US" b="1" dirty="0">
-                <a:solidFill>
-                  <a:schemeClr val="bg1"/>
-                </a:solidFill>
-                <a:latin typeface="Times New Roman" pitchFamily="18" charset="0"/>
-                <a:cs typeface="Times New Roman" pitchFamily="18" charset="0"/>
-              </a:rPr>
-              <a:t>all valid </a:t>
-            </a:r>
-            <a:r>
-              <a:rPr lang="en-US" b="1" cap="all" dirty="0">
-                <a:solidFill>
-                  <a:schemeClr val="bg1"/>
-                </a:solidFill>
-                <a:latin typeface="Times New Roman" pitchFamily="18" charset="0"/>
-                <a:cs typeface="Times New Roman" pitchFamily="18" charset="0"/>
-              </a:rPr>
-              <a:t>CSS</a:t>
-            </a:r>
-            <a:r>
-              <a:rPr lang="en-US" b="1" dirty="0">
-                <a:solidFill>
-                  <a:schemeClr val="bg1"/>
-                </a:solidFill>
-                <a:latin typeface="Times New Roman" pitchFamily="18" charset="0"/>
-                <a:cs typeface="Times New Roman" pitchFamily="18" charset="0"/>
-              </a:rPr>
-              <a:t> is valid </a:t>
-            </a:r>
-            <a:r>
-              <a:rPr lang="en-US" b="1" cap="all" dirty="0">
-                <a:solidFill>
-                  <a:schemeClr val="bg1"/>
-                </a:solidFill>
-                <a:latin typeface="Times New Roman" pitchFamily="18" charset="0"/>
-                <a:cs typeface="Times New Roman" pitchFamily="18" charset="0"/>
-              </a:rPr>
-              <a:t>SCSS</a:t>
-            </a:r>
-            <a:r>
-              <a:rPr lang="en-US" b="1" dirty="0">
-                <a:solidFill>
-                  <a:schemeClr val="bg1"/>
-                </a:solidFill>
-                <a:latin typeface="Times New Roman" pitchFamily="18" charset="0"/>
-                <a:cs typeface="Times New Roman" pitchFamily="18" charset="0"/>
-              </a:rPr>
-              <a:t> as well</a:t>
-            </a:r>
-            <a:r>
-              <a:rPr lang="en-US" dirty="0">
-                <a:solidFill>
-                  <a:schemeClr val="bg1"/>
-                </a:solidFill>
-                <a:latin typeface="Times New Roman" pitchFamily="18" charset="0"/>
-                <a:cs typeface="Times New Roman" pitchFamily="18" charset="0"/>
-              </a:rPr>
-              <a:t>. </a:t>
-            </a:r>
-            <a:endParaRPr lang="en-US" dirty="0" smtClean="0">
-              <a:solidFill>
-                <a:schemeClr val="bg1"/>
-              </a:solidFill>
-              <a:latin typeface="Times New Roman" pitchFamily="18" charset="0"/>
-              <a:cs typeface="Times New Roman" pitchFamily="18" charset="0"/>
-            </a:endParaRPr>
-          </a:p>
-          <a:p>
-            <a:pPr>
-              <a:buFont typeface="Wingdings" pitchFamily="2" charset="2"/>
-              <a:buChar char="Ø"/>
-            </a:pPr>
-            <a:r>
-              <a:rPr lang="en-US" dirty="0">
-                <a:solidFill>
-                  <a:schemeClr val="bg1"/>
-                </a:solidFill>
-                <a:latin typeface="Times New Roman" pitchFamily="18" charset="0"/>
-                <a:cs typeface="Times New Roman" pitchFamily="18" charset="0"/>
-              </a:rPr>
-              <a:t>I</a:t>
-            </a:r>
-            <a:r>
-              <a:rPr lang="en-US" dirty="0" smtClean="0">
-                <a:solidFill>
-                  <a:schemeClr val="bg1"/>
-                </a:solidFill>
-                <a:latin typeface="Times New Roman" pitchFamily="18" charset="0"/>
-                <a:cs typeface="Times New Roman" pitchFamily="18" charset="0"/>
-              </a:rPr>
-              <a:t>t’s </a:t>
-            </a:r>
-            <a:r>
-              <a:rPr lang="en-US" dirty="0">
-                <a:solidFill>
-                  <a:schemeClr val="bg1"/>
-                </a:solidFill>
-                <a:latin typeface="Times New Roman" pitchFamily="18" charset="0"/>
-                <a:cs typeface="Times New Roman" pitchFamily="18" charset="0"/>
-              </a:rPr>
-              <a:t>sometimes just called “Sass”. The indented syntax supports all the same features as </a:t>
-            </a:r>
-            <a:r>
-              <a:rPr lang="en-US" cap="all" dirty="0">
-                <a:solidFill>
-                  <a:schemeClr val="bg1"/>
-                </a:solidFill>
-                <a:latin typeface="Times New Roman" pitchFamily="18" charset="0"/>
-                <a:cs typeface="Times New Roman" pitchFamily="18" charset="0"/>
-              </a:rPr>
-              <a:t>SCSS</a:t>
-            </a:r>
-            <a:r>
-              <a:rPr lang="en-US" dirty="0">
-                <a:solidFill>
-                  <a:schemeClr val="bg1"/>
-                </a:solidFill>
-                <a:latin typeface="Times New Roman" pitchFamily="18" charset="0"/>
-                <a:cs typeface="Times New Roman" pitchFamily="18" charset="0"/>
-              </a:rPr>
-              <a:t>, but it uses indentation instead of curly braces and semicolons to describe the format of the document.</a:t>
-            </a:r>
-            <a:endParaRPr lang="en-US" dirty="0" smtClean="0">
-              <a:solidFill>
-                <a:schemeClr val="bg1"/>
-              </a:solidFill>
-              <a:latin typeface="Times New Roman" pitchFamily="18" charset="0"/>
-              <a:cs typeface="Times New Roman" pitchFamily="18" charset="0"/>
-            </a:endParaRPr>
-          </a:p>
-          <a:p>
-            <a:endParaRPr lang="en-US" dirty="0" smtClean="0"/>
-          </a:p>
-          <a:p>
-            <a:endParaRPr lang="en-IN" dirty="0"/>
+              <a:rPr lang="en-US"/>
+              <a:t> </a:t>
+            </a:r>
           </a:p>
         </p:txBody>
       </p:sp>
+      <p:pic>
+        <p:nvPicPr>
+          <p:cNvPr id="4" name="Picture 3" descr="5"/>
+          <p:cNvPicPr>
+            <a:picLocks noChangeAspect="1"/>
+          </p:cNvPicPr>
+          <p:nvPr/>
+        </p:nvPicPr>
+        <p:blipFill>
+          <a:blip r:embed="rId2"/>
+          <a:stretch>
+            <a:fillRect/>
+          </a:stretch>
+        </p:blipFill>
+        <p:spPr>
+          <a:xfrm>
+            <a:off x="4557395" y="124460"/>
+            <a:ext cx="4446905" cy="3046095"/>
+          </a:xfrm>
+          <a:prstGeom prst="rect">
+            <a:avLst/>
+          </a:prstGeom>
+        </p:spPr>
+      </p:pic>
+      <p:pic>
+        <p:nvPicPr>
+          <p:cNvPr id="5" name="Picture 4" descr="6"/>
+          <p:cNvPicPr>
+            <a:picLocks noChangeAspect="1"/>
+          </p:cNvPicPr>
+          <p:nvPr/>
+        </p:nvPicPr>
+        <p:blipFill>
+          <a:blip r:embed="rId3"/>
+          <a:stretch>
+            <a:fillRect/>
+          </a:stretch>
+        </p:blipFill>
+        <p:spPr>
+          <a:xfrm>
+            <a:off x="88900" y="1980565"/>
+            <a:ext cx="4468495" cy="2985135"/>
+          </a:xfrm>
+          <a:prstGeom prst="rect">
+            <a:avLst/>
+          </a:prstGeom>
+        </p:spPr>
+      </p:pic>
     </p:spTree>
-    <p:extLst>
-      <p:ext uri="{BB962C8B-B14F-4D97-AF65-F5344CB8AC3E}">
-        <p14:creationId xmlns:p14="http://schemas.microsoft.com/office/powerpoint/2010/main" val="1266083300"/>
-      </p:ext>
-    </p:extLst>
   </p:cSld>
   <p:clrMapOvr>
     <a:masterClrMapping/>
   </p:clrMapOvr>
+  <p:transition>
+    <p:fade thruBlk="1"/>
+  </p:transition>
 </p:sld>
 </file>
 
@@ -5856,13 +5274,10 @@
           <a:lstStyle/>
           <a:p>
             <a:r>
-              <a:rPr lang="en-GB" dirty="0">
-                <a:latin typeface="Times New Roman" pitchFamily="18" charset="0"/>
-                <a:cs typeface="Times New Roman" pitchFamily="18" charset="0"/>
-              </a:rPr>
-              <a:t>Technologies Used:</a:t>
-            </a:r>
-            <a:endParaRPr lang="en-GB" dirty="0"/>
+              <a:rPr lang="en-GB" u="sng" dirty="0" smtClean="0"/>
+              <a:t>Live Demo Link</a:t>
+            </a:r>
+            <a:endParaRPr lang="en-GB" u="sng" dirty="0"/>
           </a:p>
         </p:txBody>
       </p:sp>
@@ -5878,150 +5293,119 @@
         </p:nvSpPr>
         <p:spPr>
           <a:xfrm>
-            <a:off x="580550" y="1352550"/>
-            <a:ext cx="8023898" cy="3161700"/>
+            <a:off x="539552" y="1347614"/>
+            <a:ext cx="5335318" cy="2806596"/>
           </a:xfrm>
         </p:spPr>
         <p:txBody>
           <a:bodyPr/>
           <a:lstStyle/>
           <a:p>
-            <a:pPr marL="76200" lvl="0" indent="0">
-              <a:buNone/>
+            <a:pPr marL="361950" lvl="1" indent="-285750">
+              <a:spcBef>
+                <a:spcPts val="600"/>
+              </a:spcBef>
+              <a:buFont typeface="Wingdings" panose="05000000000000000000" pitchFamily="2" charset="2"/>
+              <a:buChar char="Ø"/>
             </a:pPr>
             <a:r>
-              <a:rPr lang="en-GB" b="1" u="sng" dirty="0" smtClean="0">
+              <a:rPr lang="en-GB" sz="1800" dirty="0" smtClean="0">
+                <a:solidFill>
+                  <a:schemeClr val="accent4"/>
+                </a:solidFill>
+                <a:latin typeface="Times New Roman" panose="02020603050405020304" pitchFamily="18" charset="0"/>
+                <a:cs typeface="Times New Roman" panose="02020603050405020304" pitchFamily="18" charset="0"/>
+              </a:rPr>
+              <a:t> </a:t>
+            </a:r>
+            <a:r>
+              <a:rPr lang="en-GB" sz="1800" dirty="0" smtClean="0">
                 <a:solidFill>
                   <a:schemeClr val="bg1"/>
                 </a:solidFill>
-                <a:latin typeface="Times New Roman" pitchFamily="18" charset="0"/>
-                <a:cs typeface="Times New Roman" pitchFamily="18" charset="0"/>
+                <a:latin typeface="Times New Roman" panose="02020603050405020304" pitchFamily="18" charset="0"/>
+                <a:cs typeface="Times New Roman" panose="02020603050405020304" pitchFamily="18" charset="0"/>
               </a:rPr>
-              <a:t>JavaScript</a:t>
-            </a:r>
-            <a:endParaRPr lang="en-GB" b="1" u="sng" dirty="0" smtClean="0">
+              <a:t>GitHub link:</a:t>
+            </a:r>
+          </a:p>
+          <a:p>
+            <a:pPr marL="76200" lvl="1" indent="0" algn="ctr">
+              <a:spcBef>
+                <a:spcPts val="600"/>
+              </a:spcBef>
+              <a:buNone/>
+            </a:pPr>
+            <a:r>
+              <a:rPr lang="en-GB" sz="1600" dirty="0">
+                <a:solidFill>
+                  <a:schemeClr val="bg1"/>
+                </a:solidFill>
+                <a:latin typeface="Times New Roman" panose="02020603050405020304" pitchFamily="18" charset="0"/>
+                <a:cs typeface="Times New Roman" panose="02020603050405020304" pitchFamily="18" charset="0"/>
+                <a:hlinkClick r:id="rId2"/>
+              </a:rPr>
+              <a:t>https://divyanshgarg28.github.io/Pizz360</a:t>
+            </a:r>
+            <a:r>
+              <a:rPr lang="en-GB" sz="1600" dirty="0">
+                <a:solidFill>
+                  <a:schemeClr val="bg1"/>
+                </a:solidFill>
+                <a:latin typeface="Times New Roman" panose="02020603050405020304" pitchFamily="18" charset="0"/>
+                <a:cs typeface="Times New Roman" panose="02020603050405020304" pitchFamily="18" charset="0"/>
+              </a:rPr>
+              <a:t>/</a:t>
+            </a:r>
+          </a:p>
+          <a:p>
+            <a:pPr>
+              <a:buFont typeface="Wingdings" panose="05000000000000000000" pitchFamily="2" charset="2"/>
+              <a:buChar char="Ø"/>
+            </a:pPr>
+            <a:r>
+              <a:rPr lang="en-US" sz="1800" dirty="0" smtClean="0">
+                <a:solidFill>
+                  <a:schemeClr val="bg1"/>
+                </a:solidFill>
+                <a:latin typeface="Times New Roman" panose="02020603050405020304" pitchFamily="18" charset="0"/>
+                <a:cs typeface="Times New Roman" panose="02020603050405020304" pitchFamily="18" charset="0"/>
+              </a:rPr>
+              <a:t>GitHub Repository Link:</a:t>
+            </a:r>
+          </a:p>
+          <a:p>
+            <a:pPr marL="76200" indent="0" algn="ctr">
+              <a:buNone/>
+            </a:pPr>
+            <a:r>
+              <a:rPr lang="en-GB" sz="1800" dirty="0" smtClean="0">
+                <a:solidFill>
+                  <a:schemeClr val="bg1"/>
+                </a:solidFill>
+                <a:latin typeface="Times New Roman" panose="02020603050405020304" pitchFamily="18" charset="0"/>
+                <a:cs typeface="Times New Roman" panose="02020603050405020304" pitchFamily="18" charset="0"/>
+                <a:hlinkClick r:id="rId3"/>
+              </a:rPr>
+              <a:t>https</a:t>
+            </a:r>
+            <a:r>
+              <a:rPr lang="en-GB" sz="1800" dirty="0">
+                <a:solidFill>
+                  <a:schemeClr val="bg1"/>
+                </a:solidFill>
+                <a:latin typeface="Times New Roman" panose="02020603050405020304" pitchFamily="18" charset="0"/>
+                <a:cs typeface="Times New Roman" panose="02020603050405020304" pitchFamily="18" charset="0"/>
+                <a:hlinkClick r:id="rId3"/>
+              </a:rPr>
+              <a:t>://github.com/divyanshgarg28/Pizz360</a:t>
+            </a:r>
+            <a:endParaRPr lang="en-GB" sz="1800" dirty="0">
               <a:solidFill>
                 <a:schemeClr val="bg1"/>
               </a:solidFill>
-              <a:latin typeface="Times New Roman" pitchFamily="18" charset="0"/>
-              <a:cs typeface="Times New Roman" pitchFamily="18" charset="0"/>
-            </a:endParaRPr>
-          </a:p>
-          <a:p>
-            <a:pPr marL="76200" lvl="0" indent="0">
-              <a:buNone/>
-            </a:pPr>
-            <a:endParaRPr lang="en-GB" b="1" dirty="0" smtClean="0">
-              <a:solidFill>
-                <a:schemeClr val="bg1"/>
-              </a:solidFill>
-              <a:latin typeface="Times New Roman" pitchFamily="18" charset="0"/>
-              <a:cs typeface="Times New Roman" pitchFamily="18" charset="0"/>
-            </a:endParaRPr>
-          </a:p>
-          <a:p>
-            <a:pPr>
-              <a:buFont typeface="Wingdings" pitchFamily="2" charset="2"/>
-              <a:buChar char="Ø"/>
-            </a:pPr>
-            <a:r>
-              <a:rPr lang="en-US" sz="1800" b="1" dirty="0">
-                <a:solidFill>
-                  <a:schemeClr val="bg1"/>
-                </a:solidFill>
-                <a:latin typeface="Times New Roman" pitchFamily="18" charset="0"/>
-                <a:cs typeface="Times New Roman" pitchFamily="18" charset="0"/>
-              </a:rPr>
-              <a:t>JavaScript enables interactive web pages and is an essential part of web applications. </a:t>
-            </a:r>
-          </a:p>
-          <a:p>
-            <a:pPr>
-              <a:buFont typeface="Wingdings" pitchFamily="2" charset="2"/>
-              <a:buChar char="Ø"/>
-            </a:pPr>
-            <a:r>
-              <a:rPr lang="en-US" sz="1800" b="1" dirty="0">
-                <a:solidFill>
-                  <a:schemeClr val="bg1"/>
-                </a:solidFill>
-                <a:latin typeface="Times New Roman" pitchFamily="18" charset="0"/>
-                <a:cs typeface="Times New Roman" pitchFamily="18" charset="0"/>
-              </a:rPr>
-              <a:t>The vast majority of websites use it for client-side page behavior, and all major web browsers have a dedicated JavaScript engine to execute </a:t>
-            </a:r>
-            <a:r>
-              <a:rPr lang="en-US" sz="1800" b="1" dirty="0" smtClean="0">
-                <a:solidFill>
-                  <a:schemeClr val="bg1"/>
-                </a:solidFill>
-                <a:latin typeface="Times New Roman" pitchFamily="18" charset="0"/>
-                <a:cs typeface="Times New Roman" pitchFamily="18" charset="0"/>
-              </a:rPr>
-              <a:t>it.</a:t>
-            </a:r>
-          </a:p>
-          <a:p>
-            <a:pPr>
-              <a:buFont typeface="Wingdings" pitchFamily="2" charset="2"/>
-              <a:buChar char="Ø"/>
-            </a:pPr>
-            <a:r>
-              <a:rPr lang="en-US" sz="1800" b="1" dirty="0" smtClean="0">
-                <a:solidFill>
-                  <a:schemeClr val="bg1"/>
-                </a:solidFill>
-                <a:latin typeface="Times New Roman" pitchFamily="18" charset="0"/>
-                <a:cs typeface="Times New Roman" pitchFamily="18" charset="0"/>
-              </a:rPr>
-              <a:t>As </a:t>
-            </a:r>
-            <a:r>
-              <a:rPr lang="en-US" sz="1800" b="1" dirty="0">
-                <a:solidFill>
-                  <a:schemeClr val="bg1"/>
-                </a:solidFill>
-                <a:latin typeface="Times New Roman" pitchFamily="18" charset="0"/>
-                <a:cs typeface="Times New Roman" pitchFamily="18" charset="0"/>
-              </a:rPr>
-              <a:t>a multi-paradigm language, JavaScript supports event-driven, functional, and imperative programming styles. </a:t>
-            </a:r>
-          </a:p>
-          <a:p>
-            <a:pPr lvl="1">
-              <a:buFont typeface="Wingdings" pitchFamily="2" charset="2"/>
-              <a:buChar char="Ø"/>
-            </a:pPr>
-            <a:endParaRPr lang="en-GB" sz="1600" dirty="0" smtClean="0">
-              <a:solidFill>
-                <a:schemeClr val="accent4"/>
-              </a:solidFill>
-              <a:latin typeface="Times New Roman" pitchFamily="18" charset="0"/>
-              <a:cs typeface="Times New Roman" pitchFamily="18" charset="0"/>
-            </a:endParaRPr>
-          </a:p>
-          <a:p>
-            <a:pPr marL="76200" lvl="0" indent="0">
-              <a:buNone/>
-            </a:pPr>
-            <a:endParaRPr lang="en-GB" sz="1600" dirty="0">
-              <a:solidFill>
-                <a:schemeClr val="accent4"/>
-              </a:solidFill>
-              <a:latin typeface="Times New Roman" pitchFamily="18" charset="0"/>
-              <a:cs typeface="Times New Roman" pitchFamily="18" charset="0"/>
-            </a:endParaRPr>
-          </a:p>
-          <a:p>
-            <a:pPr marL="76200" indent="0">
-              <a:buNone/>
-            </a:pPr>
-            <a:endParaRPr lang="en-GB" sz="1600" dirty="0">
-              <a:solidFill>
-                <a:schemeClr val="accent4"/>
-              </a:solidFill>
-              <a:latin typeface="Times New Roman" pitchFamily="18" charset="0"/>
-              <a:cs typeface="Times New Roman" pitchFamily="18" charset="0"/>
+              <a:latin typeface="Times New Roman" panose="02020603050405020304" pitchFamily="18" charset="0"/>
+              <a:cs typeface="Times New Roman" panose="02020603050405020304" pitchFamily="18" charset="0"/>
             </a:endParaRPr>
           </a:p>
         </p:txBody>
@@ -6051,23 +5435,45 @@
               <a:buNone/>
             </a:pPr>
             <a:fld id="{00000000-1234-1234-1234-123412341234}" type="slidenum">
-              <a:rPr lang="en" smtClean="0"/>
+              <a:rPr lang="en-GB" smtClean="0"/>
               <a:t>13</a:t>
             </a:fld>
-            <a:endParaRPr lang="en"/>
+            <a:endParaRPr lang="en-GB"/>
           </a:p>
         </p:txBody>
       </p:sp>
+      <p:pic>
+        <p:nvPicPr>
+          <p:cNvPr id="5" name="Picture 4" descr="livedemo-1.png"/>
+          <p:cNvPicPr>
+            <a:picLocks noChangeAspect="1"/>
+          </p:cNvPicPr>
+          <p:nvPr/>
+        </p:nvPicPr>
+        <p:blipFill>
+          <a:blip r:embed="rId4" cstate="print"/>
+          <a:stretch>
+            <a:fillRect/>
+          </a:stretch>
+        </p:blipFill>
+        <p:spPr>
+          <a:xfrm>
+            <a:off x="5508104" y="2139702"/>
+            <a:ext cx="3918835" cy="2232248"/>
+          </a:xfrm>
+          <a:prstGeom prst="rect">
+            <a:avLst/>
+          </a:prstGeom>
+        </p:spPr>
+      </p:pic>
     </p:spTree>
-    <p:extLst>
-      <p:ext uri="{BB962C8B-B14F-4D97-AF65-F5344CB8AC3E}">
-        <p14:creationId xmlns:p14="http://schemas.microsoft.com/office/powerpoint/2010/main" val="1299664655"/>
-      </p:ext>
-    </p:extLst>
   </p:cSld>
   <p:clrMapOvr>
     <a:masterClrMapping/>
   </p:clrMapOvr>
+  <p:transition>
+    <p:fade thruBlk="1"/>
+  </p:transition>
   <p:timing>
     <p:tnLst>
       <p:par>
@@ -6097,7 +5503,183 @@
       </p:grpSpPr>
       <p:sp>
         <p:nvSpPr>
-          <p:cNvPr id="2" name="Slide Number Placeholder 1"/>
+          <p:cNvPr id="2" name="Title 1"/>
+          <p:cNvSpPr>
+            <a:spLocks noGrp="1"/>
+          </p:cNvSpPr>
+          <p:nvPr>
+            <p:ph type="title"/>
+          </p:nvPr>
+        </p:nvSpPr>
+        <p:spPr>
+          <a:xfrm>
+            <a:off x="580550" y="205974"/>
+            <a:ext cx="8239922" cy="997623"/>
+          </a:xfrm>
+        </p:spPr>
+        <p:txBody>
+          <a:bodyPr/>
+          <a:lstStyle/>
+          <a:p>
+            <a:pPr algn="ctr"/>
+            <a:r>
+              <a:rPr lang="en-GB" dirty="0" smtClean="0">
+                <a:latin typeface="Times New Roman" panose="02020603050405020304" pitchFamily="18" charset="0"/>
+                <a:cs typeface="Times New Roman" panose="02020603050405020304" pitchFamily="18" charset="0"/>
+              </a:rPr>
+              <a:t>CONCLUSION</a:t>
+            </a:r>
+            <a:endParaRPr lang="en-GB" dirty="0">
+              <a:latin typeface="Times New Roman" panose="02020603050405020304" pitchFamily="18" charset="0"/>
+              <a:cs typeface="Times New Roman" panose="02020603050405020304" pitchFamily="18" charset="0"/>
+            </a:endParaRPr>
+          </a:p>
+        </p:txBody>
+      </p:sp>
+      <p:sp>
+        <p:nvSpPr>
+          <p:cNvPr id="3" name="Text Placeholder 2"/>
+          <p:cNvSpPr>
+            <a:spLocks noGrp="1"/>
+          </p:cNvSpPr>
+          <p:nvPr>
+            <p:ph type="body" idx="1"/>
+          </p:nvPr>
+        </p:nvSpPr>
+        <p:spPr>
+          <a:xfrm>
+            <a:off x="580550" y="1352550"/>
+            <a:ext cx="8095906" cy="3451448"/>
+          </a:xfrm>
+        </p:spPr>
+        <p:txBody>
+          <a:bodyPr/>
+          <a:lstStyle/>
+          <a:p>
+            <a:pPr marL="0" indent="0" algn="just">
+              <a:lnSpc>
+                <a:spcPct val="115000"/>
+              </a:lnSpc>
+              <a:buNone/>
+            </a:pPr>
+            <a:r>
+              <a:rPr lang="en-GB" sz="1800" dirty="0" smtClean="0">
+                <a:latin typeface="Times New Roman" panose="02020603050405020304" pitchFamily="18" charset="0"/>
+                <a:cs typeface="Times New Roman" panose="02020603050405020304" pitchFamily="18" charset="0"/>
+              </a:rPr>
+              <a:t> We have made a online pizza ordering website, named PIZZ360 which is in partial fulfillment </a:t>
+            </a:r>
+            <a:r>
+              <a:rPr lang="en-GB" sz="1800" dirty="0">
+                <a:latin typeface="Times New Roman" panose="02020603050405020304" pitchFamily="18" charset="0"/>
+                <a:cs typeface="Times New Roman" panose="02020603050405020304" pitchFamily="18" charset="0"/>
+              </a:rPr>
+              <a:t>state we have done extensive hard work in the front end section and also created a login signup page whose information is stored in a database on the server, we have use various web development technologies till now ,</a:t>
+            </a:r>
+            <a:r>
+              <a:rPr lang="en-GB" sz="1800">
+                <a:latin typeface="Times New Roman" panose="02020603050405020304" pitchFamily="18" charset="0"/>
+                <a:cs typeface="Times New Roman" panose="02020603050405020304" pitchFamily="18" charset="0"/>
+              </a:rPr>
+              <a:t>like </a:t>
+            </a:r>
+            <a:r>
+              <a:rPr lang="en-GB" sz="1800" smtClean="0">
+                <a:latin typeface="Times New Roman" panose="02020603050405020304" pitchFamily="18" charset="0"/>
+                <a:cs typeface="Times New Roman" panose="02020603050405020304" pitchFamily="18" charset="0"/>
+              </a:rPr>
+              <a:t>HTML5 </a:t>
+            </a:r>
+            <a:r>
+              <a:rPr lang="en-GB" sz="1800" dirty="0">
+                <a:latin typeface="Times New Roman" panose="02020603050405020304" pitchFamily="18" charset="0"/>
+                <a:cs typeface="Times New Roman" panose="02020603050405020304" pitchFamily="18" charset="0"/>
+              </a:rPr>
+              <a:t>,CSS3, Bootstrap , JavaScript , php , mysql and various tools like XAMPP server ,Visual studio code , google chrome, this is all possible because of the guidance of our mentors , further we will add backend to make it fully functional . </a:t>
+            </a:r>
+          </a:p>
+          <a:p>
+            <a:pPr marL="0" indent="0" algn="just">
+              <a:lnSpc>
+                <a:spcPct val="115000"/>
+              </a:lnSpc>
+              <a:buNone/>
+            </a:pPr>
+            <a:r>
+              <a:rPr lang="en-GB" sz="1800" dirty="0">
+                <a:latin typeface="Times New Roman" panose="02020603050405020304" pitchFamily="18" charset="0"/>
+                <a:cs typeface="Times New Roman" panose="02020603050405020304" pitchFamily="18" charset="0"/>
+              </a:rPr>
+              <a:t>As someone with no prior experience in </a:t>
+            </a:r>
+            <a:r>
+              <a:rPr lang="en-GB" sz="1800" dirty="0" smtClean="0">
+                <a:latin typeface="Times New Roman" panose="02020603050405020304" pitchFamily="18" charset="0"/>
+                <a:cs typeface="Times New Roman" panose="02020603050405020304" pitchFamily="18" charset="0"/>
+              </a:rPr>
+              <a:t>web development, we believe our </a:t>
+            </a:r>
+            <a:r>
+              <a:rPr lang="en-GB" sz="1800" dirty="0">
+                <a:latin typeface="Times New Roman" panose="02020603050405020304" pitchFamily="18" charset="0"/>
+                <a:cs typeface="Times New Roman" panose="02020603050405020304" pitchFamily="18" charset="0"/>
+              </a:rPr>
+              <a:t>time spent in training and discovering new languages was well worth it and contributed to finding an acceptable solution to an important aspect of web design and development</a:t>
+            </a:r>
+            <a:r>
+              <a:rPr lang="en-GB" sz="1800" dirty="0" smtClean="0">
+                <a:latin typeface="Times New Roman" panose="02020603050405020304" pitchFamily="18" charset="0"/>
+                <a:cs typeface="Times New Roman" panose="02020603050405020304" pitchFamily="18" charset="0"/>
+              </a:rPr>
+              <a:t>.</a:t>
+            </a:r>
+            <a:r>
+              <a:rPr lang="en-GB" sz="1800" dirty="0">
+                <a:latin typeface="Times New Roman" panose="02020603050405020304" pitchFamily="18" charset="0"/>
+                <a:cs typeface="Times New Roman" panose="02020603050405020304" pitchFamily="18" charset="0"/>
+              </a:rPr>
+              <a:t/>
+            </a:r>
+            <a:br>
+              <a:rPr lang="en-GB" sz="1800" dirty="0">
+                <a:latin typeface="Times New Roman" panose="02020603050405020304" pitchFamily="18" charset="0"/>
+                <a:cs typeface="Times New Roman" panose="02020603050405020304" pitchFamily="18" charset="0"/>
+              </a:rPr>
+            </a:br>
+            <a:endParaRPr lang="en-GB" sz="1800" dirty="0">
+              <a:latin typeface="Times New Roman" panose="02020603050405020304" pitchFamily="18" charset="0"/>
+              <a:cs typeface="Times New Roman" panose="02020603050405020304" pitchFamily="18" charset="0"/>
+            </a:endParaRPr>
+          </a:p>
+          <a:p>
+            <a:pPr marL="0" indent="0" algn="just"/>
+            <a:endParaRPr lang="en-GB" sz="1800" dirty="0">
+              <a:latin typeface="Times New Roman" panose="02020603050405020304" pitchFamily="18" charset="0"/>
+              <a:cs typeface="Times New Roman" panose="02020603050405020304" pitchFamily="18" charset="0"/>
+            </a:endParaRPr>
+          </a:p>
+          <a:p>
+            <a:pPr marL="0" lvl="0" indent="0" algn="just"/>
+            <a:endParaRPr lang="en-GB" sz="1800" dirty="0">
+              <a:solidFill>
+                <a:srgbClr val="FFC39F"/>
+              </a:solidFill>
+              <a:latin typeface="Times New Roman" panose="02020603050405020304" pitchFamily="18" charset="0"/>
+              <a:cs typeface="Times New Roman" panose="02020603050405020304" pitchFamily="18" charset="0"/>
+            </a:endParaRPr>
+          </a:p>
+          <a:p>
+            <a:pPr algn="just"/>
+            <a:endParaRPr lang="en-GB" sz="1800" dirty="0">
+              <a:latin typeface="Times New Roman" panose="02020603050405020304" pitchFamily="18" charset="0"/>
+              <a:cs typeface="Times New Roman" panose="02020603050405020304" pitchFamily="18" charset="0"/>
+            </a:endParaRPr>
+          </a:p>
+        </p:txBody>
+      </p:sp>
+      <p:sp>
+        <p:nvSpPr>
+          <p:cNvPr id="4" name="Slide Number Placeholder 3"/>
           <p:cNvSpPr>
             <a:spLocks noGrp="1"/>
           </p:cNvSpPr>
@@ -6120,371 +5702,28 @@
               <a:buNone/>
             </a:pPr>
             <a:fld id="{00000000-1234-1234-1234-123412341234}" type="slidenum">
-              <a:rPr lang="en" smtClean="0"/>
+              <a:rPr lang="en-GB" smtClean="0"/>
               <a:t>14</a:t>
             </a:fld>
-            <a:endParaRPr lang="en"/>
-          </a:p>
-        </p:txBody>
-      </p:sp>
-      <p:sp>
-        <p:nvSpPr>
-          <p:cNvPr id="3" name="Rectangle 2"/>
-          <p:cNvSpPr/>
-          <p:nvPr/>
-        </p:nvSpPr>
-        <p:spPr>
-          <a:xfrm>
-            <a:off x="323528" y="1275606"/>
-            <a:ext cx="7920880" cy="3447098"/>
-          </a:xfrm>
-          <a:prstGeom prst="rect">
-            <a:avLst/>
-          </a:prstGeom>
-        </p:spPr>
-        <p:txBody>
-          <a:bodyPr wrap="square">
-            <a:spAutoFit/>
-          </a:bodyPr>
-          <a:lstStyle/>
-          <a:p>
-            <a:pPr marL="76200" lvl="0" indent="0">
-              <a:buNone/>
-            </a:pPr>
-            <a:r>
-              <a:rPr lang="en-GB" sz="2400" b="1" u="sng" dirty="0" smtClean="0">
-                <a:solidFill>
-                  <a:schemeClr val="bg1"/>
-                </a:solidFill>
-                <a:latin typeface="Times New Roman" pitchFamily="18" charset="0"/>
-                <a:cs typeface="Times New Roman" pitchFamily="18" charset="0"/>
-              </a:rPr>
-              <a:t>Bootstrap</a:t>
-            </a:r>
-            <a:endParaRPr lang="en-GB" sz="2400" b="1" u="sng" dirty="0">
-              <a:solidFill>
-                <a:schemeClr val="bg1"/>
-              </a:solidFill>
-              <a:latin typeface="Times New Roman" pitchFamily="18" charset="0"/>
-              <a:cs typeface="Times New Roman" pitchFamily="18" charset="0"/>
-            </a:endParaRPr>
-          </a:p>
-          <a:p>
-            <a:pPr marL="76200" lvl="0" indent="0">
-              <a:buNone/>
-            </a:pPr>
-            <a:endParaRPr lang="en-GB" b="1" dirty="0">
-              <a:solidFill>
-                <a:schemeClr val="bg1"/>
-              </a:solidFill>
-              <a:latin typeface="Times New Roman" pitchFamily="18" charset="0"/>
-              <a:cs typeface="Times New Roman" pitchFamily="18" charset="0"/>
-            </a:endParaRPr>
-          </a:p>
-          <a:p>
-            <a:pPr>
-              <a:buFont typeface="Wingdings" pitchFamily="2" charset="2"/>
-              <a:buChar char="Ø"/>
-            </a:pPr>
-            <a:r>
-              <a:rPr lang="en-IN" sz="1800" dirty="0" smtClean="0">
-                <a:solidFill>
-                  <a:schemeClr val="bg1"/>
-                </a:solidFill>
-                <a:latin typeface="Times New Roman" pitchFamily="18" charset="0"/>
-                <a:cs typeface="Times New Roman" pitchFamily="18" charset="0"/>
-              </a:rPr>
-              <a:t> Bootstrap </a:t>
-            </a:r>
-            <a:r>
-              <a:rPr lang="en-IN" sz="1800" dirty="0">
-                <a:solidFill>
-                  <a:schemeClr val="bg1"/>
-                </a:solidFill>
-                <a:latin typeface="Times New Roman" pitchFamily="18" charset="0"/>
-                <a:cs typeface="Times New Roman" pitchFamily="18" charset="0"/>
-              </a:rPr>
-              <a:t>4 is the newest version of Bootstrap</a:t>
-            </a:r>
-            <a:r>
-              <a:rPr lang="en-IN" sz="1800" dirty="0" smtClean="0">
-                <a:solidFill>
-                  <a:schemeClr val="bg1"/>
-                </a:solidFill>
-                <a:latin typeface="Times New Roman" pitchFamily="18" charset="0"/>
-                <a:cs typeface="Times New Roman" pitchFamily="18" charset="0"/>
-              </a:rPr>
-              <a:t>.</a:t>
-            </a:r>
-            <a:r>
-              <a:rPr lang="en-US" sz="1800" b="1" dirty="0">
-                <a:solidFill>
-                  <a:schemeClr val="bg1"/>
-                </a:solidFill>
-                <a:latin typeface="Times New Roman" pitchFamily="18" charset="0"/>
-                <a:cs typeface="Times New Roman" pitchFamily="18" charset="0"/>
-              </a:rPr>
-              <a:t> </a:t>
-            </a:r>
-            <a:endParaRPr lang="en-US" sz="1800" b="1" dirty="0" smtClean="0">
-              <a:solidFill>
-                <a:schemeClr val="bg1"/>
-              </a:solidFill>
-              <a:latin typeface="Times New Roman" pitchFamily="18" charset="0"/>
-              <a:cs typeface="Times New Roman" pitchFamily="18" charset="0"/>
-            </a:endParaRPr>
-          </a:p>
-          <a:p>
-            <a:endParaRPr lang="en-US" sz="1800" b="1" dirty="0" smtClean="0">
-              <a:solidFill>
-                <a:schemeClr val="bg1"/>
-              </a:solidFill>
-              <a:latin typeface="Times New Roman" pitchFamily="18" charset="0"/>
-              <a:cs typeface="Times New Roman" pitchFamily="18" charset="0"/>
-            </a:endParaRPr>
-          </a:p>
-          <a:p>
-            <a:pPr>
-              <a:buFont typeface="Wingdings" pitchFamily="2" charset="2"/>
-              <a:buChar char="Ø"/>
-            </a:pPr>
-            <a:r>
-              <a:rPr lang="en-US" sz="1800" b="1" dirty="0" smtClean="0">
-                <a:solidFill>
-                  <a:schemeClr val="bg1"/>
-                </a:solidFill>
-                <a:latin typeface="Times New Roman" pitchFamily="18" charset="0"/>
-                <a:cs typeface="Times New Roman" pitchFamily="18" charset="0"/>
-              </a:rPr>
-              <a:t> Bootstrap</a:t>
-            </a:r>
-            <a:r>
-              <a:rPr lang="en-US" sz="1800" dirty="0">
-                <a:solidFill>
-                  <a:schemeClr val="bg1"/>
-                </a:solidFill>
-                <a:latin typeface="Times New Roman" pitchFamily="18" charset="0"/>
-                <a:cs typeface="Times New Roman" pitchFamily="18" charset="0"/>
-              </a:rPr>
-              <a:t> is a free and open-source CSS </a:t>
-            </a:r>
-            <a:r>
-              <a:rPr lang="en-US" sz="1800" dirty="0" smtClean="0">
-                <a:solidFill>
-                  <a:schemeClr val="bg1"/>
-                </a:solidFill>
-                <a:latin typeface="Times New Roman" pitchFamily="18" charset="0"/>
-                <a:cs typeface="Times New Roman" pitchFamily="18" charset="0"/>
-              </a:rPr>
-              <a:t>   framework</a:t>
-            </a:r>
-            <a:r>
-              <a:rPr lang="en-US" sz="1800" dirty="0">
-                <a:solidFill>
-                  <a:schemeClr val="bg1"/>
-                </a:solidFill>
-                <a:latin typeface="Times New Roman" pitchFamily="18" charset="0"/>
-                <a:cs typeface="Times New Roman" pitchFamily="18" charset="0"/>
-              </a:rPr>
-              <a:t> directed at </a:t>
-            </a:r>
-            <a:r>
-              <a:rPr lang="en-US" sz="1800" dirty="0" smtClean="0">
-                <a:solidFill>
-                  <a:schemeClr val="bg1"/>
-                </a:solidFill>
-                <a:latin typeface="Times New Roman" pitchFamily="18" charset="0"/>
-                <a:cs typeface="Times New Roman" pitchFamily="18" charset="0"/>
-              </a:rPr>
-              <a:t>  </a:t>
-            </a:r>
-          </a:p>
-          <a:p>
-            <a:r>
-              <a:rPr lang="en-US" sz="1800" dirty="0">
-                <a:solidFill>
-                  <a:schemeClr val="bg1"/>
-                </a:solidFill>
-                <a:latin typeface="Times New Roman" pitchFamily="18" charset="0"/>
-                <a:cs typeface="Times New Roman" pitchFamily="18" charset="0"/>
-              </a:rPr>
-              <a:t> </a:t>
-            </a:r>
-            <a:r>
-              <a:rPr lang="en-US" sz="1800" dirty="0" smtClean="0">
-                <a:solidFill>
-                  <a:schemeClr val="bg1"/>
-                </a:solidFill>
-                <a:latin typeface="Times New Roman" pitchFamily="18" charset="0"/>
-                <a:cs typeface="Times New Roman" pitchFamily="18" charset="0"/>
-              </a:rPr>
-              <a:t>  responsive</a:t>
-            </a:r>
-            <a:r>
-              <a:rPr lang="en-US" sz="1800" dirty="0">
-                <a:solidFill>
-                  <a:schemeClr val="bg1"/>
-                </a:solidFill>
-                <a:latin typeface="Times New Roman" pitchFamily="18" charset="0"/>
-                <a:cs typeface="Times New Roman" pitchFamily="18" charset="0"/>
-              </a:rPr>
-              <a:t>, mobile-first front-end </a:t>
-            </a:r>
-            <a:r>
-              <a:rPr lang="en-US" sz="1800" dirty="0" smtClean="0">
-                <a:solidFill>
-                  <a:schemeClr val="bg1"/>
-                </a:solidFill>
-                <a:latin typeface="Times New Roman" pitchFamily="18" charset="0"/>
-                <a:cs typeface="Times New Roman" pitchFamily="18" charset="0"/>
-              </a:rPr>
-              <a:t>web.</a:t>
-            </a:r>
-          </a:p>
-          <a:p>
-            <a:endParaRPr lang="en-US" sz="1800" dirty="0" smtClean="0">
-              <a:solidFill>
-                <a:schemeClr val="bg1"/>
-              </a:solidFill>
-              <a:latin typeface="Times New Roman" pitchFamily="18" charset="0"/>
-              <a:cs typeface="Times New Roman" pitchFamily="18" charset="0"/>
-            </a:endParaRPr>
-          </a:p>
-          <a:p>
-            <a:pPr>
-              <a:buFont typeface="Wingdings" pitchFamily="2" charset="2"/>
-              <a:buChar char="Ø"/>
-            </a:pPr>
-            <a:r>
-              <a:rPr lang="en-US" sz="1800" dirty="0">
-                <a:solidFill>
-                  <a:schemeClr val="bg1"/>
-                </a:solidFill>
-                <a:latin typeface="Times New Roman" pitchFamily="18" charset="0"/>
-                <a:cs typeface="Times New Roman" pitchFamily="18" charset="0"/>
-              </a:rPr>
-              <a:t>In addition, developers can take advantage of CSS classes defined in Bootstrap to further customize the appearance of their contents</a:t>
-            </a:r>
-            <a:r>
-              <a:rPr lang="en-US" sz="1800" dirty="0" smtClean="0">
-                <a:solidFill>
-                  <a:schemeClr val="bg1"/>
-                </a:solidFill>
-                <a:latin typeface="Times New Roman" pitchFamily="18" charset="0"/>
-                <a:cs typeface="Times New Roman" pitchFamily="18" charset="0"/>
-              </a:rPr>
-              <a:t>.</a:t>
-            </a:r>
-          </a:p>
-          <a:p>
-            <a:pPr>
-              <a:buFont typeface="Wingdings" pitchFamily="2" charset="2"/>
-              <a:buChar char="Ø"/>
-            </a:pPr>
-            <a:endParaRPr lang="en-US" sz="1800" dirty="0" smtClean="0">
-              <a:solidFill>
-                <a:schemeClr val="bg1"/>
-              </a:solidFill>
-              <a:latin typeface="Times New Roman" pitchFamily="18" charset="0"/>
-              <a:cs typeface="Times New Roman" pitchFamily="18" charset="0"/>
-            </a:endParaRPr>
-          </a:p>
-          <a:p>
-            <a:pPr>
-              <a:buFont typeface="Wingdings" pitchFamily="2" charset="2"/>
-              <a:buChar char="Ø"/>
-            </a:pPr>
-            <a:r>
-              <a:rPr lang="en-US" sz="1800" dirty="0">
-                <a:solidFill>
-                  <a:schemeClr val="bg1"/>
-                </a:solidFill>
-                <a:latin typeface="Times New Roman" pitchFamily="18" charset="0"/>
-                <a:cs typeface="Times New Roman" pitchFamily="18" charset="0"/>
-              </a:rPr>
-              <a:t>Bootstrap also comes with several JavaScript components in the form </a:t>
-            </a:r>
-            <a:r>
-              <a:rPr lang="en-US" sz="1800" dirty="0" smtClean="0">
-                <a:solidFill>
-                  <a:schemeClr val="bg1"/>
-                </a:solidFill>
-                <a:latin typeface="Times New Roman" pitchFamily="18" charset="0"/>
-                <a:cs typeface="Times New Roman" pitchFamily="18" charset="0"/>
-              </a:rPr>
-              <a:t>  of</a:t>
-            </a:r>
-            <a:r>
-              <a:rPr lang="en-US" sz="1800" dirty="0">
-                <a:solidFill>
-                  <a:schemeClr val="bg1"/>
-                </a:solidFill>
-                <a:latin typeface="Times New Roman" pitchFamily="18" charset="0"/>
-                <a:cs typeface="Times New Roman" pitchFamily="18" charset="0"/>
-              </a:rPr>
-              <a:t> jQuery plugins.</a:t>
-            </a:r>
-            <a:endParaRPr lang="en-IN" sz="1800" dirty="0">
-              <a:solidFill>
-                <a:schemeClr val="bg1"/>
-              </a:solidFill>
-              <a:latin typeface="Times New Roman" pitchFamily="18" charset="0"/>
-              <a:cs typeface="Times New Roman" pitchFamily="18" charset="0"/>
-            </a:endParaRPr>
-          </a:p>
-        </p:txBody>
-      </p:sp>
-      <p:sp>
-        <p:nvSpPr>
-          <p:cNvPr id="4" name="Rectangle 3"/>
-          <p:cNvSpPr/>
-          <p:nvPr/>
-        </p:nvSpPr>
-        <p:spPr>
-          <a:xfrm>
-            <a:off x="395536" y="483518"/>
-            <a:ext cx="3201927" cy="523220"/>
-          </a:xfrm>
-          <a:prstGeom prst="rect">
-            <a:avLst/>
-          </a:prstGeom>
-        </p:spPr>
-        <p:txBody>
-          <a:bodyPr wrap="square">
-            <a:spAutoFit/>
-          </a:bodyPr>
-          <a:lstStyle/>
-          <a:p>
-            <a:r>
-              <a:rPr lang="en-GB" sz="2800" b="1" dirty="0">
-                <a:solidFill>
-                  <a:schemeClr val="bg1"/>
-                </a:solidFill>
-                <a:latin typeface="Times New Roman" pitchFamily="18" charset="0"/>
-                <a:cs typeface="Times New Roman" pitchFamily="18" charset="0"/>
-              </a:rPr>
-              <a:t>Technologies Used:</a:t>
-            </a:r>
-            <a:endParaRPr lang="en-IN" sz="2800" b="1" dirty="0">
-              <a:solidFill>
-                <a:schemeClr val="bg1"/>
-              </a:solidFill>
-              <a:latin typeface="Times New Roman" pitchFamily="18" charset="0"/>
-              <a:cs typeface="Times New Roman" pitchFamily="18" charset="0"/>
-            </a:endParaRPr>
+            <a:endParaRPr lang="en-GB"/>
           </a:p>
         </p:txBody>
       </p:sp>
     </p:spTree>
-    <p:extLst>
-      <p:ext uri="{BB962C8B-B14F-4D97-AF65-F5344CB8AC3E}">
-        <p14:creationId xmlns:p14="http://schemas.microsoft.com/office/powerpoint/2010/main" val="576871804"/>
-      </p:ext>
-    </p:extLst>
   </p:cSld>
   <p:clrMapOvr>
     <a:masterClrMapping/>
   </p:clrMapOvr>
+  <p:transition>
+    <p:fade thruBlk="1"/>
+  </p:transition>
+  <p:timing>
+    <p:tnLst>
+      <p:par>
+        <p:cTn id="1" dur="indefinite" restart="never" nodeType="tmRoot"/>
+      </p:par>
+    </p:tnLst>
+  </p:timing>
 </p:sld>
 </file>
 
@@ -6507,7 +5746,81 @@
       </p:grpSpPr>
       <p:sp>
         <p:nvSpPr>
-          <p:cNvPr id="2" name="Slide Number Placeholder 1"/>
+          <p:cNvPr id="2" name="Title 1"/>
+          <p:cNvSpPr>
+            <a:spLocks noGrp="1"/>
+          </p:cNvSpPr>
+          <p:nvPr>
+            <p:ph type="title"/>
+          </p:nvPr>
+        </p:nvSpPr>
+        <p:spPr>
+          <a:xfrm>
+            <a:off x="580550" y="205974"/>
+            <a:ext cx="8239922" cy="997623"/>
+          </a:xfrm>
+        </p:spPr>
+        <p:txBody>
+          <a:bodyPr/>
+          <a:lstStyle/>
+          <a:p>
+            <a:pPr algn="ctr"/>
+            <a:r>
+              <a:rPr lang="en-US" altLang="en-GB" dirty="0">
+                <a:latin typeface="Times New Roman" panose="02020603050405020304" pitchFamily="18" charset="0"/>
+                <a:cs typeface="Times New Roman" panose="02020603050405020304" pitchFamily="18" charset="0"/>
+              </a:rPr>
+              <a:t>FUTURE SCOPE</a:t>
+            </a:r>
+          </a:p>
+        </p:txBody>
+      </p:sp>
+      <p:sp>
+        <p:nvSpPr>
+          <p:cNvPr id="3" name="Text Placeholder 2"/>
+          <p:cNvSpPr>
+            <a:spLocks noGrp="1"/>
+          </p:cNvSpPr>
+          <p:nvPr>
+            <p:ph type="body" idx="1"/>
+          </p:nvPr>
+        </p:nvSpPr>
+        <p:spPr>
+          <a:xfrm>
+            <a:off x="523875" y="1725295"/>
+            <a:ext cx="8095615" cy="3225800"/>
+          </a:xfrm>
+        </p:spPr>
+        <p:txBody>
+          <a:bodyPr/>
+          <a:lstStyle/>
+          <a:p>
+            <a:pPr marL="0" indent="0" algn="just">
+              <a:lnSpc>
+                <a:spcPct val="115000"/>
+              </a:lnSpc>
+              <a:buNone/>
+            </a:pPr>
+            <a:r>
+              <a:rPr lang="en-GB" sz="1800" dirty="0" smtClean="0">
+                <a:latin typeface="Times New Roman" panose="02020603050405020304" pitchFamily="18" charset="0"/>
+                <a:cs typeface="Times New Roman" panose="02020603050405020304" pitchFamily="18" charset="0"/>
+              </a:rPr>
+              <a:t> </a:t>
+            </a:r>
+            <a:r>
+              <a:rPr lang="en-GB" sz="1800" dirty="0">
+                <a:latin typeface="Times New Roman" panose="02020603050405020304" pitchFamily="18" charset="0"/>
+                <a:cs typeface="Times New Roman" panose="02020603050405020304" pitchFamily="18" charset="0"/>
+              </a:rPr>
+              <a:t>In the coming future we aim to make our website more applicable ,we will make this website fully functional so that customers can order their pizza in just few clicks and every information will be saved at the backend and also we will add a cart where chosen items will be stored.</a:t>
+            </a:r>
+          </a:p>
+        </p:txBody>
+      </p:sp>
+      <p:sp>
+        <p:nvSpPr>
+          <p:cNvPr id="4" name="Slide Number Placeholder 3"/>
           <p:cNvSpPr>
             <a:spLocks noGrp="1"/>
           </p:cNvSpPr>
@@ -6530,1187 +5843,21 @@
               <a:buNone/>
             </a:pPr>
             <a:fld id="{00000000-1234-1234-1234-123412341234}" type="slidenum">
-              <a:rPr lang="en" smtClean="0"/>
+              <a:rPr lang="en-GB" smtClean="0"/>
               <a:t>15</a:t>
             </a:fld>
-            <a:endParaRPr lang="en"/>
-          </a:p>
-        </p:txBody>
-      </p:sp>
-      <p:sp>
-        <p:nvSpPr>
-          <p:cNvPr id="3" name="Rectangle 2"/>
-          <p:cNvSpPr/>
-          <p:nvPr/>
-        </p:nvSpPr>
-        <p:spPr>
-          <a:xfrm>
-            <a:off x="422250" y="483518"/>
-            <a:ext cx="4248472" cy="523220"/>
-          </a:xfrm>
-          <a:prstGeom prst="rect">
-            <a:avLst/>
-          </a:prstGeom>
-        </p:spPr>
-        <p:txBody>
-          <a:bodyPr wrap="square">
-            <a:spAutoFit/>
-          </a:bodyPr>
-          <a:lstStyle/>
-          <a:p>
-            <a:r>
-              <a:rPr lang="en-GB" sz="2800" b="1" dirty="0" smtClean="0">
-                <a:solidFill>
-                  <a:schemeClr val="bg1"/>
-                </a:solidFill>
-                <a:latin typeface="Times New Roman" pitchFamily="18" charset="0"/>
-                <a:cs typeface="Times New Roman" pitchFamily="18" charset="0"/>
-              </a:rPr>
-              <a:t> Technologies </a:t>
-            </a:r>
-            <a:r>
-              <a:rPr lang="en-GB" sz="2800" b="1" dirty="0">
-                <a:solidFill>
-                  <a:schemeClr val="bg1"/>
-                </a:solidFill>
-                <a:latin typeface="Times New Roman" pitchFamily="18" charset="0"/>
-                <a:cs typeface="Times New Roman" pitchFamily="18" charset="0"/>
-              </a:rPr>
-              <a:t>Used:</a:t>
-            </a:r>
-            <a:endParaRPr lang="en-IN" sz="2800" b="1" dirty="0">
-              <a:solidFill>
-                <a:schemeClr val="bg1"/>
-              </a:solidFill>
-            </a:endParaRPr>
-          </a:p>
-        </p:txBody>
-      </p:sp>
-      <p:sp>
-        <p:nvSpPr>
-          <p:cNvPr id="5" name="Rectangle 4"/>
-          <p:cNvSpPr/>
-          <p:nvPr/>
-        </p:nvSpPr>
-        <p:spPr>
-          <a:xfrm>
-            <a:off x="179512" y="1203598"/>
-            <a:ext cx="7848872" cy="2954655"/>
-          </a:xfrm>
-          <a:prstGeom prst="rect">
-            <a:avLst/>
-          </a:prstGeom>
-        </p:spPr>
-        <p:txBody>
-          <a:bodyPr wrap="square">
-            <a:spAutoFit/>
-          </a:bodyPr>
-          <a:lstStyle/>
-          <a:p>
-            <a:pPr marL="76200" lvl="0" indent="0">
-              <a:buNone/>
-            </a:pPr>
-            <a:r>
-              <a:rPr lang="en-GB" sz="2000" b="1" dirty="0" smtClean="0">
-                <a:solidFill>
-                  <a:schemeClr val="bg1"/>
-                </a:solidFill>
-                <a:latin typeface="Times New Roman" pitchFamily="18" charset="0"/>
-                <a:cs typeface="Times New Roman" pitchFamily="18" charset="0"/>
-              </a:rPr>
-              <a:t>    </a:t>
-            </a:r>
-            <a:r>
-              <a:rPr lang="en-GB" sz="2000" b="1" u="sng" dirty="0" smtClean="0">
-                <a:solidFill>
-                  <a:schemeClr val="bg1"/>
-                </a:solidFill>
-                <a:latin typeface="Times New Roman" pitchFamily="18" charset="0"/>
-                <a:cs typeface="Times New Roman" pitchFamily="18" charset="0"/>
-              </a:rPr>
-              <a:t>jQuery</a:t>
-            </a:r>
-          </a:p>
-          <a:p>
-            <a:pPr marL="76200" lvl="0" indent="0">
-              <a:buNone/>
-            </a:pPr>
-            <a:endParaRPr lang="en-GB" sz="2000" b="1" dirty="0">
-              <a:solidFill>
-                <a:schemeClr val="bg1"/>
-              </a:solidFill>
-              <a:latin typeface="Times New Roman" pitchFamily="18" charset="0"/>
-              <a:cs typeface="Times New Roman" pitchFamily="18" charset="0"/>
-            </a:endParaRPr>
-          </a:p>
-          <a:p>
-            <a:pPr marL="76200" lvl="0" indent="0">
-              <a:buNone/>
-            </a:pPr>
-            <a:endParaRPr lang="en-GB" sz="2000" b="1" dirty="0">
-              <a:solidFill>
-                <a:schemeClr val="bg1"/>
-              </a:solidFill>
-              <a:latin typeface="Times New Roman" pitchFamily="18" charset="0"/>
-              <a:cs typeface="Times New Roman" pitchFamily="18" charset="0"/>
-            </a:endParaRPr>
-          </a:p>
-          <a:p>
-            <a:pPr marL="361950" lvl="0" indent="-285750">
-              <a:buFont typeface="Wingdings" pitchFamily="2" charset="2"/>
-              <a:buChar char="Ø"/>
-            </a:pPr>
-            <a:r>
-              <a:rPr lang="en-US" sz="1800" dirty="0" smtClean="0">
-                <a:solidFill>
-                  <a:schemeClr val="bg1"/>
-                </a:solidFill>
-                <a:latin typeface="Times New Roman" pitchFamily="18" charset="0"/>
-                <a:cs typeface="Times New Roman" pitchFamily="18" charset="0"/>
-              </a:rPr>
-              <a:t>jQuery </a:t>
-            </a:r>
-            <a:r>
-              <a:rPr lang="en-US" sz="1800" dirty="0">
-                <a:solidFill>
-                  <a:schemeClr val="bg1"/>
-                </a:solidFill>
-                <a:latin typeface="Times New Roman" pitchFamily="18" charset="0"/>
-                <a:cs typeface="Times New Roman" pitchFamily="18" charset="0"/>
-              </a:rPr>
-              <a:t>is a fast, small, and feature-rich JavaScript library. It makes things like HTML document traversal and manipulation, event handling, animation, and Ajax much simpler with an easy-to-use API that works across a multitude of browsers</a:t>
-            </a:r>
-            <a:r>
-              <a:rPr lang="en-US" sz="1800" dirty="0" smtClean="0">
-                <a:solidFill>
-                  <a:schemeClr val="bg1"/>
-                </a:solidFill>
-                <a:latin typeface="Times New Roman" pitchFamily="18" charset="0"/>
-                <a:cs typeface="Times New Roman" pitchFamily="18" charset="0"/>
-              </a:rPr>
-              <a:t>.</a:t>
-            </a:r>
-          </a:p>
-          <a:p>
-            <a:pPr marL="361950" lvl="0" indent="-285750">
-              <a:buFont typeface="Wingdings" pitchFamily="2" charset="2"/>
-              <a:buChar char="Ø"/>
-            </a:pPr>
-            <a:r>
-              <a:rPr lang="en-US" sz="1800" dirty="0">
-                <a:solidFill>
-                  <a:schemeClr val="bg1"/>
-                </a:solidFill>
-                <a:latin typeface="Times New Roman" pitchFamily="18" charset="0"/>
-                <a:cs typeface="Times New Roman" pitchFamily="18" charset="0"/>
-              </a:rPr>
-              <a:t>The set of jQuery core features—DOM element selections, traversal and manipulation—enabled by its </a:t>
-            </a:r>
-            <a:r>
-              <a:rPr lang="en-US" sz="1800" i="1" dirty="0">
-                <a:solidFill>
-                  <a:schemeClr val="bg1"/>
-                </a:solidFill>
-                <a:latin typeface="Times New Roman" pitchFamily="18" charset="0"/>
-                <a:cs typeface="Times New Roman" pitchFamily="18" charset="0"/>
-              </a:rPr>
-              <a:t>selector </a:t>
-            </a:r>
-            <a:r>
-              <a:rPr lang="en-US" sz="1800" i="1" dirty="0" smtClean="0">
-                <a:solidFill>
-                  <a:schemeClr val="bg1"/>
-                </a:solidFill>
-                <a:latin typeface="Times New Roman" pitchFamily="18" charset="0"/>
-                <a:cs typeface="Times New Roman" pitchFamily="18" charset="0"/>
-              </a:rPr>
-              <a:t>engine</a:t>
-            </a:r>
-            <a:r>
-              <a:rPr lang="en-US" sz="1800" dirty="0" smtClean="0">
-                <a:solidFill>
-                  <a:schemeClr val="bg1"/>
-                </a:solidFill>
-                <a:latin typeface="Times New Roman" pitchFamily="18" charset="0"/>
-                <a:cs typeface="Times New Roman" pitchFamily="18" charset="0"/>
-              </a:rPr>
-              <a:t>, </a:t>
-            </a:r>
-            <a:r>
-              <a:rPr lang="en-US" sz="1800" dirty="0">
-                <a:solidFill>
-                  <a:schemeClr val="bg1"/>
-                </a:solidFill>
-                <a:latin typeface="Times New Roman" pitchFamily="18" charset="0"/>
-                <a:cs typeface="Times New Roman" pitchFamily="18" charset="0"/>
-              </a:rPr>
-              <a:t>created a new "programming style", fusing algorithms and DOM data structures</a:t>
-            </a:r>
-            <a:endParaRPr lang="en-GB" sz="1800" b="1" dirty="0">
-              <a:solidFill>
-                <a:schemeClr val="bg1"/>
-              </a:solidFill>
-              <a:latin typeface="Times New Roman" pitchFamily="18" charset="0"/>
-              <a:cs typeface="Times New Roman" pitchFamily="18" charset="0"/>
-            </a:endParaRPr>
+            <a:endParaRPr lang="en-GB"/>
           </a:p>
         </p:txBody>
       </p:sp>
     </p:spTree>
-    <p:extLst>
-      <p:ext uri="{BB962C8B-B14F-4D97-AF65-F5344CB8AC3E}">
-        <p14:creationId xmlns:p14="http://schemas.microsoft.com/office/powerpoint/2010/main" val="3842687911"/>
-      </p:ext>
-    </p:extLst>
   </p:cSld>
   <p:clrMapOvr>
     <a:masterClrMapping/>
   </p:clrMapOvr>
-</p:sld>
-</file>
-
-<file path=ppt/slides/slide16.xml><?xml version="1.0" encoding="utf-8"?>
-<p:sld xmlns:a="http://schemas.openxmlformats.org/drawingml/2006/main" xmlns:r="http://schemas.openxmlformats.org/officeDocument/2006/relationships" xmlns:p="http://schemas.openxmlformats.org/presentationml/2006/main">
-  <p:cSld>
-    <p:spTree>
-      <p:nvGrpSpPr>
-        <p:cNvPr id="1" name=""/>
-        <p:cNvGrpSpPr/>
-        <p:nvPr/>
-      </p:nvGrpSpPr>
-      <p:grpSpPr>
-        <a:xfrm>
-          <a:off x="0" y="0"/>
-          <a:ext cx="0" cy="0"/>
-          <a:chOff x="0" y="0"/>
-          <a:chExt cx="0" cy="0"/>
-        </a:xfrm>
-      </p:grpSpPr>
-      <p:sp>
-        <p:nvSpPr>
-          <p:cNvPr id="2" name="Slide Number Placeholder 1"/>
-          <p:cNvSpPr>
-            <a:spLocks noGrp="1"/>
-          </p:cNvSpPr>
-          <p:nvPr>
-            <p:ph type="sldNum" idx="12"/>
-          </p:nvPr>
-        </p:nvSpPr>
-        <p:spPr/>
-        <p:txBody>
-          <a:bodyPr/>
-          <a:lstStyle/>
-          <a:p>
-            <a:pPr marL="0" lvl="0" indent="0" algn="r" rtl="0">
-              <a:spcBef>
-                <a:spcPts val="0"/>
-              </a:spcBef>
-              <a:spcAft>
-                <a:spcPts val="0"/>
-              </a:spcAft>
-              <a:buNone/>
-            </a:pPr>
-            <a:fld id="{00000000-1234-1234-1234-123412341234}" type="slidenum">
-              <a:rPr lang="en" smtClean="0"/>
-              <a:t>16</a:t>
-            </a:fld>
-            <a:endParaRPr lang="en"/>
-          </a:p>
-        </p:txBody>
-      </p:sp>
-      <p:sp>
-        <p:nvSpPr>
-          <p:cNvPr id="3" name="Rectangle 2"/>
-          <p:cNvSpPr/>
-          <p:nvPr/>
-        </p:nvSpPr>
-        <p:spPr>
-          <a:xfrm>
-            <a:off x="611560" y="437932"/>
-            <a:ext cx="3145413" cy="523220"/>
-          </a:xfrm>
-          <a:prstGeom prst="rect">
-            <a:avLst/>
-          </a:prstGeom>
-        </p:spPr>
-        <p:txBody>
-          <a:bodyPr wrap="none">
-            <a:spAutoFit/>
-          </a:bodyPr>
-          <a:lstStyle/>
-          <a:p>
-            <a:r>
-              <a:rPr lang="en-GB" sz="2800" b="1" dirty="0">
-                <a:solidFill>
-                  <a:schemeClr val="bg1"/>
-                </a:solidFill>
-                <a:latin typeface="Times New Roman" pitchFamily="18" charset="0"/>
-                <a:cs typeface="Times New Roman" pitchFamily="18" charset="0"/>
-              </a:rPr>
-              <a:t>Technologies Used:</a:t>
-            </a:r>
-            <a:endParaRPr lang="en-IN" sz="2800" b="1" dirty="0">
-              <a:solidFill>
-                <a:schemeClr val="bg1"/>
-              </a:solidFill>
-              <a:latin typeface="Times New Roman" pitchFamily="18" charset="0"/>
-              <a:cs typeface="Times New Roman" pitchFamily="18" charset="0"/>
-            </a:endParaRPr>
-          </a:p>
-        </p:txBody>
-      </p:sp>
-      <p:sp>
-        <p:nvSpPr>
-          <p:cNvPr id="4" name="Rectangle 3"/>
-          <p:cNvSpPr/>
-          <p:nvPr/>
-        </p:nvSpPr>
-        <p:spPr>
-          <a:xfrm>
-            <a:off x="395536" y="1203598"/>
-            <a:ext cx="6049818" cy="3600986"/>
-          </a:xfrm>
-          <a:prstGeom prst="rect">
-            <a:avLst/>
-          </a:prstGeom>
-        </p:spPr>
-        <p:txBody>
-          <a:bodyPr wrap="square">
-            <a:spAutoFit/>
-          </a:bodyPr>
-          <a:lstStyle/>
-          <a:p>
-            <a:pPr marL="76200" lvl="0" indent="0">
-              <a:buNone/>
-            </a:pPr>
-            <a:r>
-              <a:rPr lang="en-US" sz="2000" b="1" u="sng" dirty="0" smtClean="0">
-                <a:solidFill>
-                  <a:schemeClr val="bg1"/>
-                </a:solidFill>
-                <a:latin typeface="Times New Roman" pitchFamily="18" charset="0"/>
-                <a:cs typeface="Times New Roman" pitchFamily="18" charset="0"/>
-              </a:rPr>
-              <a:t>PHP</a:t>
-            </a:r>
-            <a:endParaRPr lang="en-GB" sz="2000" b="1" u="sng" dirty="0" smtClean="0">
-              <a:solidFill>
-                <a:schemeClr val="bg1"/>
-              </a:solidFill>
-              <a:latin typeface="Times New Roman" pitchFamily="18" charset="0"/>
-              <a:cs typeface="Times New Roman" pitchFamily="18" charset="0"/>
-            </a:endParaRPr>
-          </a:p>
-          <a:p>
-            <a:pPr marL="76200" lvl="0" indent="0">
-              <a:buNone/>
-            </a:pPr>
-            <a:endParaRPr lang="en-GB" b="1" dirty="0">
-              <a:solidFill>
-                <a:schemeClr val="bg1"/>
-              </a:solidFill>
-              <a:latin typeface="Times New Roman" pitchFamily="18" charset="0"/>
-              <a:cs typeface="Times New Roman" pitchFamily="18" charset="0"/>
-            </a:endParaRPr>
-          </a:p>
-          <a:p>
-            <a:pPr marL="76200" lvl="0" indent="0">
-              <a:buNone/>
-            </a:pPr>
-            <a:endParaRPr lang="en-GB" b="1" dirty="0">
-              <a:solidFill>
-                <a:schemeClr val="bg1"/>
-              </a:solidFill>
-              <a:latin typeface="Times New Roman" pitchFamily="18" charset="0"/>
-              <a:cs typeface="Times New Roman" pitchFamily="18" charset="0"/>
-            </a:endParaRPr>
-          </a:p>
-          <a:p>
-            <a:pPr marL="285750" indent="-285750">
-              <a:buFont typeface="Wingdings" pitchFamily="2" charset="2"/>
-              <a:buChar char="Ø"/>
-            </a:pPr>
-            <a:r>
-              <a:rPr lang="en-US" sz="1800" dirty="0">
-                <a:solidFill>
-                  <a:schemeClr val="bg1"/>
-                </a:solidFill>
-                <a:latin typeface="Times New Roman" pitchFamily="18" charset="0"/>
-                <a:cs typeface="Times New Roman" pitchFamily="18" charset="0"/>
-              </a:rPr>
-              <a:t>PHP is a server scripting language, and a powerful tool for making dynamic and interactive Web pages</a:t>
-            </a:r>
-            <a:r>
-              <a:rPr lang="en-US" sz="1800" dirty="0" smtClean="0">
-                <a:solidFill>
-                  <a:schemeClr val="bg1"/>
-                </a:solidFill>
-                <a:latin typeface="Times New Roman" pitchFamily="18" charset="0"/>
-                <a:cs typeface="Times New Roman" pitchFamily="18" charset="0"/>
-              </a:rPr>
-              <a:t>.</a:t>
-            </a:r>
-          </a:p>
-          <a:p>
-            <a:endParaRPr lang="en-US" sz="1800" dirty="0">
-              <a:solidFill>
-                <a:schemeClr val="bg1"/>
-              </a:solidFill>
-              <a:latin typeface="Times New Roman" pitchFamily="18" charset="0"/>
-              <a:cs typeface="Times New Roman" pitchFamily="18" charset="0"/>
-            </a:endParaRPr>
-          </a:p>
-          <a:p>
-            <a:pPr marL="285750" indent="-285750">
-              <a:buFont typeface="Wingdings" pitchFamily="2" charset="2"/>
-              <a:buChar char="Ø"/>
-            </a:pPr>
-            <a:r>
-              <a:rPr lang="en-US" sz="1800" dirty="0">
-                <a:solidFill>
-                  <a:schemeClr val="bg1"/>
-                </a:solidFill>
-                <a:latin typeface="Times New Roman" pitchFamily="18" charset="0"/>
-                <a:cs typeface="Times New Roman" pitchFamily="18" charset="0"/>
-              </a:rPr>
-              <a:t>PHP is a widely-used, free, and efficient alternative to competitors such as Microsoft's ASP</a:t>
-            </a:r>
-            <a:r>
-              <a:rPr lang="en-US" sz="1800" dirty="0" smtClean="0">
-                <a:solidFill>
-                  <a:schemeClr val="bg1"/>
-                </a:solidFill>
-                <a:latin typeface="Times New Roman" pitchFamily="18" charset="0"/>
-                <a:cs typeface="Times New Roman" pitchFamily="18" charset="0"/>
-              </a:rPr>
-              <a:t>.</a:t>
-            </a:r>
-          </a:p>
-          <a:p>
-            <a:endParaRPr lang="en-US" sz="1800" dirty="0">
-              <a:solidFill>
-                <a:schemeClr val="bg1"/>
-              </a:solidFill>
-              <a:latin typeface="Times New Roman" pitchFamily="18" charset="0"/>
-              <a:cs typeface="Times New Roman" pitchFamily="18" charset="0"/>
-            </a:endParaRPr>
-          </a:p>
-          <a:p>
-            <a:pPr marL="285750" indent="-285750">
-              <a:buFont typeface="Wingdings" pitchFamily="2" charset="2"/>
-              <a:buChar char="Ø"/>
-            </a:pPr>
-            <a:r>
-              <a:rPr lang="en-US" sz="1800" dirty="0">
-                <a:solidFill>
-                  <a:schemeClr val="bg1"/>
-                </a:solidFill>
-                <a:latin typeface="Times New Roman" pitchFamily="18" charset="0"/>
-                <a:cs typeface="Times New Roman" pitchFamily="18" charset="0"/>
-              </a:rPr>
-              <a:t>PHP 7 is the latest stable release.</a:t>
-            </a:r>
-          </a:p>
-          <a:p>
-            <a:pPr marL="76200" lvl="0" indent="0">
-              <a:buNone/>
-            </a:pPr>
-            <a:r>
-              <a:rPr lang="en-US" sz="1800" dirty="0">
-                <a:solidFill>
-                  <a:schemeClr val="bg1"/>
-                </a:solidFill>
-                <a:latin typeface="Times New Roman" pitchFamily="18" charset="0"/>
-                <a:cs typeface="Times New Roman" pitchFamily="18" charset="0"/>
-              </a:rPr>
-              <a:t>The best things in using PHP are that it is extremely simple for a newcomer, but offers many advanced features for a professional programmer.</a:t>
-            </a:r>
-            <a:endParaRPr lang="en-GB" sz="1800" b="1" dirty="0">
-              <a:solidFill>
-                <a:schemeClr val="bg1"/>
-              </a:solidFill>
-              <a:latin typeface="Times New Roman" pitchFamily="18" charset="0"/>
-              <a:cs typeface="Times New Roman" pitchFamily="18" charset="0"/>
-            </a:endParaRPr>
-          </a:p>
-        </p:txBody>
-      </p:sp>
-    </p:spTree>
-    <p:extLst>
-      <p:ext uri="{BB962C8B-B14F-4D97-AF65-F5344CB8AC3E}">
-        <p14:creationId xmlns:p14="http://schemas.microsoft.com/office/powerpoint/2010/main" val="1692262718"/>
-      </p:ext>
-    </p:extLst>
-  </p:cSld>
-  <p:clrMapOvr>
-    <a:masterClrMapping/>
-  </p:clrMapOvr>
-</p:sld>
-</file>
-
-<file path=ppt/slides/slide17.xml><?xml version="1.0" encoding="utf-8"?>
-<p:sld xmlns:a="http://schemas.openxmlformats.org/drawingml/2006/main" xmlns:r="http://schemas.openxmlformats.org/officeDocument/2006/relationships" xmlns:p="http://schemas.openxmlformats.org/presentationml/2006/main">
-  <p:cSld>
-    <p:spTree>
-      <p:nvGrpSpPr>
-        <p:cNvPr id="1" name=""/>
-        <p:cNvGrpSpPr/>
-        <p:nvPr/>
-      </p:nvGrpSpPr>
-      <p:grpSpPr>
-        <a:xfrm>
-          <a:off x="0" y="0"/>
-          <a:ext cx="0" cy="0"/>
-          <a:chOff x="0" y="0"/>
-          <a:chExt cx="0" cy="0"/>
-        </a:xfrm>
-      </p:grpSpPr>
-      <p:sp>
-        <p:nvSpPr>
-          <p:cNvPr id="2" name="Slide Number Placeholder 1"/>
-          <p:cNvSpPr>
-            <a:spLocks noGrp="1"/>
-          </p:cNvSpPr>
-          <p:nvPr>
-            <p:ph type="sldNum" idx="12"/>
-          </p:nvPr>
-        </p:nvSpPr>
-        <p:spPr/>
-        <p:txBody>
-          <a:bodyPr/>
-          <a:lstStyle/>
-          <a:p>
-            <a:pPr marL="0" lvl="0" indent="0" algn="r" rtl="0">
-              <a:spcBef>
-                <a:spcPts val="0"/>
-              </a:spcBef>
-              <a:spcAft>
-                <a:spcPts val="0"/>
-              </a:spcAft>
-              <a:buNone/>
-            </a:pPr>
-            <a:fld id="{00000000-1234-1234-1234-123412341234}" type="slidenum">
-              <a:rPr lang="en" smtClean="0"/>
-              <a:t>17</a:t>
-            </a:fld>
-            <a:endParaRPr lang="en"/>
-          </a:p>
-        </p:txBody>
-      </p:sp>
-      <p:sp>
-        <p:nvSpPr>
-          <p:cNvPr id="3" name="Rectangle 2"/>
-          <p:cNvSpPr/>
-          <p:nvPr/>
-        </p:nvSpPr>
-        <p:spPr>
-          <a:xfrm>
-            <a:off x="395536" y="555526"/>
-            <a:ext cx="4896544" cy="646331"/>
-          </a:xfrm>
-          <a:prstGeom prst="rect">
-            <a:avLst/>
-          </a:prstGeom>
-        </p:spPr>
-        <p:txBody>
-          <a:bodyPr wrap="square">
-            <a:spAutoFit/>
-          </a:bodyPr>
-          <a:lstStyle/>
-          <a:p>
-            <a:r>
-              <a:rPr lang="en-GB" sz="3200" b="1" dirty="0">
-                <a:solidFill>
-                  <a:schemeClr val="bg1"/>
-                </a:solidFill>
-                <a:latin typeface="Times New Roman" pitchFamily="18" charset="0"/>
-                <a:cs typeface="Times New Roman" pitchFamily="18" charset="0"/>
-              </a:rPr>
-              <a:t>Technologies</a:t>
-            </a:r>
-            <a:r>
-              <a:rPr lang="en-GB" sz="3600" b="1" dirty="0">
-                <a:solidFill>
-                  <a:schemeClr val="bg1"/>
-                </a:solidFill>
-                <a:latin typeface="Times New Roman" pitchFamily="18" charset="0"/>
-                <a:cs typeface="Times New Roman" pitchFamily="18" charset="0"/>
-              </a:rPr>
-              <a:t> Used:</a:t>
-            </a:r>
-            <a:endParaRPr lang="en-IN" sz="3600" b="1" dirty="0">
-              <a:solidFill>
-                <a:schemeClr val="bg1"/>
-              </a:solidFill>
-              <a:latin typeface="Times New Roman" pitchFamily="18" charset="0"/>
-              <a:cs typeface="Times New Roman" pitchFamily="18" charset="0"/>
-            </a:endParaRPr>
-          </a:p>
-        </p:txBody>
-      </p:sp>
-      <p:sp>
-        <p:nvSpPr>
-          <p:cNvPr id="4" name="Rectangle 3"/>
-          <p:cNvSpPr/>
-          <p:nvPr/>
-        </p:nvSpPr>
-        <p:spPr>
-          <a:xfrm>
-            <a:off x="531229" y="1635646"/>
-            <a:ext cx="7738016" cy="2616101"/>
-          </a:xfrm>
-          <a:prstGeom prst="rect">
-            <a:avLst/>
-          </a:prstGeom>
-        </p:spPr>
-        <p:txBody>
-          <a:bodyPr wrap="none">
-            <a:spAutoFit/>
-          </a:bodyPr>
-          <a:lstStyle/>
-          <a:p>
-            <a:r>
-              <a:rPr lang="en-US" sz="2000" b="1" u="sng" dirty="0" smtClean="0">
-                <a:solidFill>
-                  <a:schemeClr val="bg1"/>
-                </a:solidFill>
-                <a:latin typeface="Times New Roman" pitchFamily="18" charset="0"/>
-                <a:cs typeface="Times New Roman" pitchFamily="18" charset="0"/>
-              </a:rPr>
-              <a:t>MySQL</a:t>
-            </a:r>
-          </a:p>
-          <a:p>
-            <a:endParaRPr lang="en-US" sz="1800" b="1" dirty="0" smtClean="0">
-              <a:solidFill>
-                <a:schemeClr val="bg1"/>
-              </a:solidFill>
-              <a:latin typeface="Times New Roman" pitchFamily="18" charset="0"/>
-              <a:cs typeface="Times New Roman" pitchFamily="18" charset="0"/>
-            </a:endParaRPr>
-          </a:p>
-          <a:p>
-            <a:pPr marL="285750" indent="-285750">
-              <a:buFont typeface="Wingdings" pitchFamily="2" charset="2"/>
-              <a:buChar char="Ø"/>
-            </a:pPr>
-            <a:r>
-              <a:rPr lang="en-US" sz="1800" b="1" dirty="0" smtClean="0">
-                <a:solidFill>
-                  <a:schemeClr val="bg1"/>
-                </a:solidFill>
-                <a:latin typeface="Times New Roman" pitchFamily="18" charset="0"/>
-                <a:cs typeface="Times New Roman" pitchFamily="18" charset="0"/>
-              </a:rPr>
-              <a:t>MySQL</a:t>
-            </a:r>
-            <a:r>
-              <a:rPr lang="en-US" sz="1800" dirty="0">
-                <a:solidFill>
-                  <a:schemeClr val="bg1"/>
-                </a:solidFill>
-                <a:latin typeface="Times New Roman" pitchFamily="18" charset="0"/>
-                <a:cs typeface="Times New Roman" pitchFamily="18" charset="0"/>
-              </a:rPr>
-              <a:t> is an open-source relational database management system (RDBMS</a:t>
-            </a:r>
-            <a:r>
-              <a:rPr lang="en-US" sz="1800" dirty="0" smtClean="0">
-                <a:solidFill>
-                  <a:schemeClr val="bg1"/>
-                </a:solidFill>
-                <a:latin typeface="Times New Roman" pitchFamily="18" charset="0"/>
-                <a:cs typeface="Times New Roman" pitchFamily="18" charset="0"/>
-              </a:rPr>
-              <a:t>).</a:t>
-            </a:r>
-          </a:p>
-          <a:p>
-            <a:endParaRPr lang="en-US" sz="1800" dirty="0" smtClean="0">
-              <a:solidFill>
-                <a:schemeClr val="bg1"/>
-              </a:solidFill>
-              <a:latin typeface="Times New Roman" pitchFamily="18" charset="0"/>
-              <a:cs typeface="Times New Roman" pitchFamily="18" charset="0"/>
-            </a:endParaRPr>
-          </a:p>
-          <a:p>
-            <a:pPr marL="285750" indent="-285750">
-              <a:buFont typeface="Wingdings" pitchFamily="2" charset="2"/>
-              <a:buChar char="Ø"/>
-            </a:pPr>
-            <a:r>
-              <a:rPr lang="en-US" sz="1800" dirty="0">
-                <a:solidFill>
-                  <a:schemeClr val="bg1"/>
-                </a:solidFill>
-                <a:latin typeface="Times New Roman" pitchFamily="18" charset="0"/>
-                <a:cs typeface="Times New Roman" pitchFamily="18" charset="0"/>
-              </a:rPr>
-              <a:t>MySQL has stand-alone clients that allow users to interact directly with a </a:t>
-            </a:r>
-            <a:r>
-              <a:rPr lang="en-US" sz="1800" dirty="0" smtClean="0">
-                <a:solidFill>
-                  <a:schemeClr val="bg1"/>
-                </a:solidFill>
-                <a:latin typeface="Times New Roman" pitchFamily="18" charset="0"/>
-                <a:cs typeface="Times New Roman" pitchFamily="18" charset="0"/>
-              </a:rPr>
-              <a:t> </a:t>
-            </a:r>
-          </a:p>
-          <a:p>
-            <a:r>
-              <a:rPr lang="en-US" sz="1800" dirty="0" smtClean="0">
-                <a:solidFill>
-                  <a:schemeClr val="bg1"/>
-                </a:solidFill>
-                <a:latin typeface="Times New Roman" pitchFamily="18" charset="0"/>
-                <a:cs typeface="Times New Roman" pitchFamily="18" charset="0"/>
-              </a:rPr>
-              <a:t>      MySQL </a:t>
-            </a:r>
-            <a:r>
-              <a:rPr lang="en-US" sz="1800" dirty="0">
-                <a:solidFill>
-                  <a:schemeClr val="bg1"/>
-                </a:solidFill>
-                <a:latin typeface="Times New Roman" pitchFamily="18" charset="0"/>
-                <a:cs typeface="Times New Roman" pitchFamily="18" charset="0"/>
-              </a:rPr>
-              <a:t>database using </a:t>
-            </a:r>
-            <a:r>
-              <a:rPr lang="en-US" sz="1800" dirty="0" smtClean="0">
-                <a:solidFill>
-                  <a:schemeClr val="bg1"/>
-                </a:solidFill>
-                <a:latin typeface="Times New Roman" pitchFamily="18" charset="0"/>
-                <a:cs typeface="Times New Roman" pitchFamily="18" charset="0"/>
-              </a:rPr>
-              <a:t>SQL</a:t>
-            </a:r>
-          </a:p>
-          <a:p>
-            <a:endParaRPr lang="en-US" sz="1800" dirty="0" smtClean="0">
-              <a:solidFill>
-                <a:schemeClr val="bg1"/>
-              </a:solidFill>
-              <a:latin typeface="Times New Roman" pitchFamily="18" charset="0"/>
-              <a:cs typeface="Times New Roman" pitchFamily="18" charset="0"/>
-            </a:endParaRPr>
-          </a:p>
-          <a:p>
-            <a:pPr marL="285750" indent="-285750">
-              <a:buFont typeface="Wingdings" pitchFamily="2" charset="2"/>
-              <a:buChar char="Ø"/>
-            </a:pPr>
-            <a:r>
-              <a:rPr lang="en-US" sz="1800" dirty="0">
-                <a:solidFill>
-                  <a:schemeClr val="bg1"/>
-                </a:solidFill>
-                <a:latin typeface="Times New Roman" pitchFamily="18" charset="0"/>
-                <a:cs typeface="Times New Roman" pitchFamily="18" charset="0"/>
-              </a:rPr>
-              <a:t>MySQL is also used by many popular websites, including </a:t>
-            </a:r>
-            <a:r>
-              <a:rPr lang="en-US" sz="1800" dirty="0" smtClean="0">
-                <a:solidFill>
-                  <a:schemeClr val="bg1"/>
-                </a:solidFill>
-                <a:latin typeface="Times New Roman" pitchFamily="18" charset="0"/>
-                <a:cs typeface="Times New Roman" pitchFamily="18" charset="0"/>
-              </a:rPr>
-              <a:t>Facebook</a:t>
-            </a:r>
-            <a:r>
-              <a:rPr lang="en-US" sz="1800" dirty="0">
-                <a:solidFill>
-                  <a:schemeClr val="bg1"/>
-                </a:solidFill>
-                <a:latin typeface="Times New Roman" pitchFamily="18" charset="0"/>
-                <a:cs typeface="Times New Roman" pitchFamily="18" charset="0"/>
-              </a:rPr>
-              <a:t>, </a:t>
-            </a:r>
-            <a:r>
-              <a:rPr lang="en-US" sz="1800" dirty="0" smtClean="0">
-                <a:solidFill>
-                  <a:schemeClr val="bg1"/>
-                </a:solidFill>
-                <a:latin typeface="Times New Roman" pitchFamily="18" charset="0"/>
-                <a:cs typeface="Times New Roman" pitchFamily="18" charset="0"/>
-              </a:rPr>
-              <a:t>Flickr</a:t>
-            </a:r>
-            <a:r>
-              <a:rPr lang="en-US" sz="1800" dirty="0">
-                <a:solidFill>
-                  <a:schemeClr val="bg1"/>
-                </a:solidFill>
-                <a:latin typeface="Times New Roman" pitchFamily="18" charset="0"/>
-                <a:cs typeface="Times New Roman" pitchFamily="18" charset="0"/>
-              </a:rPr>
-              <a:t>, </a:t>
-            </a:r>
-            <a:endParaRPr lang="en-US" sz="1800" dirty="0" smtClean="0">
-              <a:solidFill>
-                <a:schemeClr val="bg1"/>
-              </a:solidFill>
-              <a:latin typeface="Times New Roman" pitchFamily="18" charset="0"/>
-              <a:cs typeface="Times New Roman" pitchFamily="18" charset="0"/>
-            </a:endParaRPr>
-          </a:p>
-          <a:p>
-            <a:r>
-              <a:rPr lang="en-US" sz="1800" dirty="0" smtClean="0">
-                <a:solidFill>
-                  <a:schemeClr val="bg1"/>
-                </a:solidFill>
-                <a:latin typeface="Times New Roman" pitchFamily="18" charset="0"/>
-                <a:cs typeface="Times New Roman" pitchFamily="18" charset="0"/>
-              </a:rPr>
-              <a:t>      MediaWiki,</a:t>
-            </a:r>
-            <a:r>
-              <a:rPr lang="en-US" sz="1800" dirty="0">
-                <a:solidFill>
-                  <a:schemeClr val="bg1"/>
-                </a:solidFill>
-                <a:latin typeface="Times New Roman" pitchFamily="18" charset="0"/>
-                <a:cs typeface="Times New Roman" pitchFamily="18" charset="0"/>
-              </a:rPr>
-              <a:t> Twitter</a:t>
-            </a:r>
-            <a:r>
-              <a:rPr lang="en-US" sz="1800" dirty="0" smtClean="0">
-                <a:solidFill>
-                  <a:schemeClr val="bg1"/>
-                </a:solidFill>
-                <a:latin typeface="Times New Roman" pitchFamily="18" charset="0"/>
-                <a:cs typeface="Times New Roman" pitchFamily="18" charset="0"/>
-              </a:rPr>
-              <a:t>,</a:t>
-            </a:r>
-            <a:r>
-              <a:rPr lang="en-US" sz="1800" dirty="0">
-                <a:solidFill>
-                  <a:schemeClr val="bg1"/>
-                </a:solidFill>
-                <a:latin typeface="Times New Roman" pitchFamily="18" charset="0"/>
-                <a:cs typeface="Times New Roman" pitchFamily="18" charset="0"/>
-              </a:rPr>
-              <a:t> and YouTube</a:t>
-            </a:r>
-            <a:r>
-              <a:rPr lang="en-US" sz="1800" dirty="0" smtClean="0">
-                <a:solidFill>
-                  <a:schemeClr val="bg1"/>
-                </a:solidFill>
-                <a:latin typeface="Times New Roman" pitchFamily="18" charset="0"/>
-                <a:cs typeface="Times New Roman" pitchFamily="18" charset="0"/>
-              </a:rPr>
-              <a:t>.</a:t>
-            </a:r>
-            <a:endParaRPr lang="en-IN" b="1" dirty="0">
-              <a:solidFill>
-                <a:schemeClr val="bg1"/>
-              </a:solidFill>
-              <a:latin typeface="Times New Roman" pitchFamily="18" charset="0"/>
-              <a:cs typeface="Times New Roman" pitchFamily="18" charset="0"/>
-            </a:endParaRPr>
-          </a:p>
-        </p:txBody>
-      </p:sp>
-    </p:spTree>
-    <p:extLst>
-      <p:ext uri="{BB962C8B-B14F-4D97-AF65-F5344CB8AC3E}">
-        <p14:creationId xmlns:p14="http://schemas.microsoft.com/office/powerpoint/2010/main" val="4281177549"/>
-      </p:ext>
-    </p:extLst>
-  </p:cSld>
-  <p:clrMapOvr>
-    <a:masterClrMapping/>
-  </p:clrMapOvr>
-</p:sld>
-</file>
-
-<file path=ppt/slides/slide18.xml><?xml version="1.0" encoding="utf-8"?>
-<p:sld xmlns:a="http://schemas.openxmlformats.org/drawingml/2006/main" xmlns:r="http://schemas.openxmlformats.org/officeDocument/2006/relationships" xmlns:p="http://schemas.openxmlformats.org/presentationml/2006/main">
-  <p:cSld>
-    <p:spTree>
-      <p:nvGrpSpPr>
-        <p:cNvPr id="1" name=""/>
-        <p:cNvGrpSpPr/>
-        <p:nvPr/>
-      </p:nvGrpSpPr>
-      <p:grpSpPr>
-        <a:xfrm>
-          <a:off x="0" y="0"/>
-          <a:ext cx="0" cy="0"/>
-          <a:chOff x="0" y="0"/>
-          <a:chExt cx="0" cy="0"/>
-        </a:xfrm>
-      </p:grpSpPr>
-      <p:sp>
-        <p:nvSpPr>
-          <p:cNvPr id="2" name="Slide Number Placeholder 1"/>
-          <p:cNvSpPr>
-            <a:spLocks noGrp="1"/>
-          </p:cNvSpPr>
-          <p:nvPr>
-            <p:ph type="sldNum" idx="12"/>
-          </p:nvPr>
-        </p:nvSpPr>
-        <p:spPr/>
-        <p:txBody>
-          <a:bodyPr/>
-          <a:lstStyle/>
-          <a:p>
-            <a:pPr marL="0" lvl="0" indent="0" algn="r" rtl="0">
-              <a:spcBef>
-                <a:spcPts val="0"/>
-              </a:spcBef>
-              <a:spcAft>
-                <a:spcPts val="0"/>
-              </a:spcAft>
-              <a:buNone/>
-            </a:pPr>
-            <a:fld id="{00000000-1234-1234-1234-123412341234}" type="slidenum">
-              <a:rPr lang="en" smtClean="0"/>
-              <a:t>18</a:t>
-            </a:fld>
-            <a:endParaRPr lang="en"/>
-          </a:p>
-        </p:txBody>
-      </p:sp>
-      <p:sp>
-        <p:nvSpPr>
-          <p:cNvPr id="3" name="Rectangle 2"/>
-          <p:cNvSpPr/>
-          <p:nvPr/>
-        </p:nvSpPr>
-        <p:spPr>
-          <a:xfrm>
-            <a:off x="395536" y="483518"/>
-            <a:ext cx="3312368" cy="523220"/>
-          </a:xfrm>
-          <a:prstGeom prst="rect">
-            <a:avLst/>
-          </a:prstGeom>
-        </p:spPr>
-        <p:txBody>
-          <a:bodyPr wrap="square">
-            <a:spAutoFit/>
-          </a:bodyPr>
-          <a:lstStyle/>
-          <a:p>
-            <a:r>
-              <a:rPr lang="en-GB" sz="2800" b="1" dirty="0" smtClean="0">
-                <a:solidFill>
-                  <a:schemeClr val="bg1"/>
-                </a:solidFill>
-                <a:latin typeface="Times New Roman" pitchFamily="18" charset="0"/>
-                <a:cs typeface="Times New Roman" pitchFamily="18" charset="0"/>
-              </a:rPr>
-              <a:t>Tools </a:t>
-            </a:r>
-            <a:r>
-              <a:rPr lang="en-GB" sz="2800" b="1" dirty="0">
-                <a:solidFill>
-                  <a:schemeClr val="bg1"/>
-                </a:solidFill>
-                <a:latin typeface="Times New Roman" pitchFamily="18" charset="0"/>
-                <a:cs typeface="Times New Roman" pitchFamily="18" charset="0"/>
-              </a:rPr>
-              <a:t>Used:</a:t>
-            </a:r>
-            <a:endParaRPr lang="en-IN" sz="2800" b="1" dirty="0">
-              <a:solidFill>
-                <a:schemeClr val="bg1"/>
-              </a:solidFill>
-              <a:latin typeface="Times New Roman" pitchFamily="18" charset="0"/>
-              <a:cs typeface="Times New Roman" pitchFamily="18" charset="0"/>
-            </a:endParaRPr>
-          </a:p>
-        </p:txBody>
-      </p:sp>
-      <p:sp>
-        <p:nvSpPr>
-          <p:cNvPr id="4" name="Rectangle 3"/>
-          <p:cNvSpPr/>
-          <p:nvPr/>
-        </p:nvSpPr>
-        <p:spPr>
-          <a:xfrm>
-            <a:off x="512676" y="1372040"/>
-            <a:ext cx="6390456" cy="2862322"/>
-          </a:xfrm>
-          <a:prstGeom prst="rect">
-            <a:avLst/>
-          </a:prstGeom>
-        </p:spPr>
-        <p:txBody>
-          <a:bodyPr wrap="square">
-            <a:spAutoFit/>
-          </a:bodyPr>
-          <a:lstStyle/>
-          <a:p>
-            <a:pPr marL="285750" indent="-285750">
-              <a:buFont typeface="Wingdings" pitchFamily="2" charset="2"/>
-              <a:buChar char="Ø"/>
-            </a:pPr>
-            <a:r>
-              <a:rPr lang="en-US" sz="1800" u="sng" dirty="0" smtClean="0">
-                <a:solidFill>
-                  <a:schemeClr val="bg1"/>
-                </a:solidFill>
-                <a:latin typeface="Times New Roman" pitchFamily="18" charset="0"/>
-                <a:cs typeface="Times New Roman" pitchFamily="18" charset="0"/>
-              </a:rPr>
-              <a:t>Visual Studio Code </a:t>
-            </a:r>
-            <a:r>
-              <a:rPr lang="en-US" sz="1800" dirty="0" smtClean="0">
-                <a:solidFill>
-                  <a:schemeClr val="bg1"/>
-                </a:solidFill>
-                <a:latin typeface="Times New Roman" pitchFamily="18" charset="0"/>
-                <a:cs typeface="Times New Roman" pitchFamily="18" charset="0"/>
-              </a:rPr>
-              <a:t>- </a:t>
-            </a:r>
-            <a:r>
-              <a:rPr lang="en-US" sz="1800" dirty="0" smtClean="0">
-                <a:solidFill>
-                  <a:schemeClr val="bg1"/>
-                </a:solidFill>
-              </a:rPr>
-              <a:t>Visual Studio Code is a code editor redefined and optimized for building and debugging modern web and cloud applications. Its latest version is 1.50</a:t>
-            </a:r>
-          </a:p>
-          <a:p>
-            <a:endParaRPr lang="en-US" sz="1800" dirty="0" smtClean="0">
-              <a:solidFill>
-                <a:schemeClr val="bg1"/>
-              </a:solidFill>
-              <a:latin typeface="Times New Roman" pitchFamily="18" charset="0"/>
-              <a:cs typeface="Times New Roman" pitchFamily="18" charset="0"/>
-            </a:endParaRPr>
-          </a:p>
-          <a:p>
-            <a:pPr marL="285750" indent="-285750">
-              <a:buFont typeface="Wingdings" pitchFamily="2" charset="2"/>
-              <a:buChar char="Ø"/>
-            </a:pPr>
-            <a:r>
-              <a:rPr lang="en-US" sz="1800" u="sng" dirty="0" smtClean="0">
-                <a:solidFill>
-                  <a:schemeClr val="bg1"/>
-                </a:solidFill>
-                <a:latin typeface="Times New Roman" pitchFamily="18" charset="0"/>
-                <a:cs typeface="Times New Roman" pitchFamily="18" charset="0"/>
-              </a:rPr>
-              <a:t>XAMPP Server </a:t>
-            </a:r>
-            <a:r>
-              <a:rPr lang="en-US" sz="1800" dirty="0" smtClean="0">
-                <a:solidFill>
-                  <a:schemeClr val="bg1"/>
-                </a:solidFill>
-                <a:latin typeface="Times New Roman" pitchFamily="18" charset="0"/>
-                <a:cs typeface="Times New Roman" pitchFamily="18" charset="0"/>
-              </a:rPr>
-              <a:t>- </a:t>
-            </a:r>
-            <a:r>
-              <a:rPr lang="en-US" sz="1800" dirty="0">
-                <a:solidFill>
-                  <a:schemeClr val="bg1"/>
-                </a:solidFill>
-              </a:rPr>
-              <a:t>XAMPP is an easy to install Apache distribution containing MariaDB, PHP, and Perl</a:t>
-            </a:r>
-            <a:r>
-              <a:rPr lang="en-US" sz="1800" dirty="0" smtClean="0">
-                <a:solidFill>
-                  <a:schemeClr val="bg1"/>
-                </a:solidFill>
-              </a:rPr>
-              <a:t>.</a:t>
-            </a:r>
-          </a:p>
-          <a:p>
-            <a:endParaRPr lang="en-US" sz="1800" dirty="0" smtClean="0">
-              <a:solidFill>
-                <a:schemeClr val="bg1"/>
-              </a:solidFill>
-              <a:latin typeface="Times New Roman" pitchFamily="18" charset="0"/>
-              <a:cs typeface="Times New Roman" pitchFamily="18" charset="0"/>
-            </a:endParaRPr>
-          </a:p>
-          <a:p>
-            <a:pPr marL="285750" indent="-285750">
-              <a:buFont typeface="Wingdings" pitchFamily="2" charset="2"/>
-              <a:buChar char="Ø"/>
-            </a:pPr>
-            <a:r>
-              <a:rPr lang="en-US" sz="1800" u="sng" dirty="0" smtClean="0">
-                <a:solidFill>
-                  <a:schemeClr val="bg1"/>
-                </a:solidFill>
-                <a:latin typeface="Times New Roman" pitchFamily="18" charset="0"/>
-                <a:cs typeface="Times New Roman" pitchFamily="18" charset="0"/>
-              </a:rPr>
-              <a:t>Google Chrome Web Browser </a:t>
-            </a:r>
-            <a:r>
-              <a:rPr lang="en-US" sz="1800" dirty="0" smtClean="0">
-                <a:solidFill>
-                  <a:schemeClr val="bg1"/>
-                </a:solidFill>
-                <a:latin typeface="Times New Roman" pitchFamily="18" charset="0"/>
-                <a:cs typeface="Times New Roman" pitchFamily="18" charset="0"/>
-              </a:rPr>
-              <a:t>- </a:t>
-            </a:r>
-            <a:r>
-              <a:rPr lang="en-US" sz="1800" dirty="0" smtClean="0">
-                <a:solidFill>
-                  <a:schemeClr val="bg1"/>
-                </a:solidFill>
-              </a:rPr>
-              <a:t>A </a:t>
-            </a:r>
-            <a:r>
-              <a:rPr lang="en-US" sz="1800" dirty="0">
-                <a:solidFill>
-                  <a:schemeClr val="bg1"/>
-                </a:solidFill>
-              </a:rPr>
-              <a:t>fast, secure, and free web browser built for the modern web.</a:t>
-            </a:r>
-            <a:endParaRPr lang="en-IN" sz="1800" dirty="0">
-              <a:solidFill>
-                <a:schemeClr val="bg1"/>
-              </a:solidFill>
-            </a:endParaRPr>
-          </a:p>
-        </p:txBody>
-      </p:sp>
-    </p:spTree>
-    <p:extLst>
-      <p:ext uri="{BB962C8B-B14F-4D97-AF65-F5344CB8AC3E}">
-        <p14:creationId xmlns:p14="http://schemas.microsoft.com/office/powerpoint/2010/main" val="1614988491"/>
-      </p:ext>
-    </p:extLst>
-  </p:cSld>
-  <p:clrMapOvr>
-    <a:masterClrMapping/>
-  </p:clrMapOvr>
+  <p:transition>
+    <p:fade thruBlk="1"/>
+  </p:transition>
   <p:timing>
     <p:tnLst>
       <p:par>
@@ -7721,7 +5868,7 @@
 </p:sld>
 </file>
 
-<file path=ppt/slides/slide19.xml><?xml version="1.0" encoding="utf-8"?>
+<file path=ppt/slides/slide16.xml><?xml version="1.0" encoding="utf-8"?>
 <p:sld xmlns:a="http://schemas.openxmlformats.org/drawingml/2006/main" xmlns:r="http://schemas.openxmlformats.org/officeDocument/2006/relationships" xmlns:p="http://schemas.openxmlformats.org/presentationml/2006/main">
   <p:cSld>
     <p:spTree>
@@ -7754,14 +5901,9 @@
           <a:lstStyle/>
           <a:p>
             <a:r>
-              <a:rPr lang="en-GB" u="sng" dirty="0" smtClean="0"/>
-              <a:t>Live Demo Li</a:t>
-            </a:r>
-            <a:r>
-              <a:rPr lang="en-GB" u="sng" dirty="0" smtClean="0"/>
-              <a:t>nk</a:t>
-            </a:r>
-            <a:endParaRPr lang="en-GB" u="sng" dirty="0"/>
+              <a:rPr lang="en-US" altLang="en-GB" dirty="0"/>
+              <a:t> </a:t>
+            </a:r>
           </a:p>
         </p:txBody>
       </p:sp>
@@ -7777,146 +5919,27 @@
         </p:nvSpPr>
         <p:spPr>
           <a:xfrm>
-            <a:off x="539552" y="1347614"/>
-            <a:ext cx="5335318" cy="2806596"/>
+            <a:off x="1907704" y="2355726"/>
+            <a:ext cx="4687246" cy="2158524"/>
           </a:xfrm>
         </p:spPr>
         <p:txBody>
           <a:bodyPr/>
           <a:lstStyle/>
           <a:p>
-            <a:pPr marL="361950" lvl="1" indent="-285750">
-              <a:spcBef>
-                <a:spcPts val="600"/>
-              </a:spcBef>
-              <a:buFont typeface="Wingdings" pitchFamily="2" charset="2"/>
-              <a:buChar char="Ø"/>
+            <a:pPr marL="76200" indent="0">
+              <a:buNone/>
             </a:pPr>
             <a:r>
-              <a:rPr lang="en-GB" sz="1800" dirty="0" smtClean="0">
-                <a:solidFill>
-                  <a:schemeClr val="accent4"/>
-                </a:solidFill>
-                <a:latin typeface="Times New Roman" pitchFamily="18" charset="0"/>
-                <a:cs typeface="Times New Roman" pitchFamily="18" charset="0"/>
+              <a:rPr lang="en-GB" sz="4400" dirty="0" smtClean="0">
+                <a:latin typeface="Times New Roman" panose="02020603050405020304" pitchFamily="18" charset="0"/>
+                <a:cs typeface="Times New Roman" panose="02020603050405020304" pitchFamily="18" charset="0"/>
               </a:rPr>
-              <a:t> </a:t>
-            </a:r>
-            <a:r>
-              <a:rPr lang="en-GB" sz="1800" dirty="0" smtClean="0">
-                <a:solidFill>
-                  <a:schemeClr val="bg1"/>
-                </a:solidFill>
-                <a:latin typeface="Times New Roman" pitchFamily="18" charset="0"/>
-                <a:cs typeface="Times New Roman" pitchFamily="18" charset="0"/>
-              </a:rPr>
-              <a:t>GitHub </a:t>
-            </a:r>
-            <a:r>
-              <a:rPr lang="en-GB" sz="1800" dirty="0" smtClean="0">
-                <a:solidFill>
-                  <a:schemeClr val="bg1"/>
-                </a:solidFill>
-                <a:latin typeface="Times New Roman" pitchFamily="18" charset="0"/>
-                <a:cs typeface="Times New Roman" pitchFamily="18" charset="0"/>
-              </a:rPr>
-              <a:t>link</a:t>
-            </a:r>
-            <a:r>
-              <a:rPr lang="en-GB" sz="1800" dirty="0" smtClean="0">
-                <a:solidFill>
-                  <a:schemeClr val="bg1"/>
-                </a:solidFill>
-                <a:latin typeface="Times New Roman" pitchFamily="18" charset="0"/>
-                <a:cs typeface="Times New Roman" pitchFamily="18" charset="0"/>
-              </a:rPr>
-              <a:t>:</a:t>
-            </a:r>
-          </a:p>
-          <a:p>
-            <a:pPr marL="76200" lvl="1" indent="0" algn="ctr">
-              <a:spcBef>
-                <a:spcPts val="600"/>
-              </a:spcBef>
-              <a:buNone/>
-            </a:pPr>
-            <a:r>
-              <a:rPr lang="en-GB" sz="1600" dirty="0">
-                <a:solidFill>
-                  <a:schemeClr val="bg1"/>
-                </a:solidFill>
-                <a:latin typeface="Times New Roman" pitchFamily="18" charset="0"/>
-                <a:cs typeface="Times New Roman" pitchFamily="18" charset="0"/>
-                <a:hlinkClick r:id="rId2"/>
-              </a:rPr>
-              <a:t>https://divyanshgarg28.github.io/Pizz360</a:t>
-            </a:r>
-            <a:r>
-              <a:rPr lang="en-GB" sz="1600" dirty="0">
-                <a:solidFill>
-                  <a:schemeClr val="bg1"/>
-                </a:solidFill>
-                <a:latin typeface="Times New Roman" pitchFamily="18" charset="0"/>
-                <a:cs typeface="Times New Roman" pitchFamily="18" charset="0"/>
-              </a:rPr>
-              <a:t>/</a:t>
-            </a:r>
-            <a:endParaRPr lang="en-GB" sz="1600" dirty="0">
-              <a:solidFill>
-                <a:schemeClr val="bg1"/>
-              </a:solidFill>
-              <a:latin typeface="Times New Roman" pitchFamily="18" charset="0"/>
-              <a:cs typeface="Times New Roman" pitchFamily="18" charset="0"/>
-            </a:endParaRPr>
-          </a:p>
-          <a:p>
-            <a:pPr>
-              <a:buFont typeface="Wingdings" pitchFamily="2" charset="2"/>
-              <a:buChar char="Ø"/>
-            </a:pPr>
-            <a:r>
-              <a:rPr lang="en-US" sz="1800" dirty="0" smtClean="0">
-                <a:solidFill>
-                  <a:schemeClr val="bg1"/>
-                </a:solidFill>
-                <a:latin typeface="Times New Roman" pitchFamily="18" charset="0"/>
-                <a:cs typeface="Times New Roman" pitchFamily="18" charset="0"/>
-              </a:rPr>
-              <a:t>GitHub Repository Link:</a:t>
-            </a:r>
-          </a:p>
-          <a:p>
-            <a:pPr marL="76200" indent="0" algn="ctr">
-              <a:buNone/>
-            </a:pPr>
-            <a:r>
-              <a:rPr lang="en-GB" sz="1800" dirty="0" smtClean="0">
-                <a:solidFill>
-                  <a:schemeClr val="bg1"/>
-                </a:solidFill>
-                <a:latin typeface="Times New Roman" pitchFamily="18" charset="0"/>
-                <a:cs typeface="Times New Roman" pitchFamily="18" charset="0"/>
-                <a:hlinkClick r:id="rId3"/>
-              </a:rPr>
-              <a:t>https</a:t>
-            </a:r>
-            <a:r>
-              <a:rPr lang="en-GB" sz="1800" dirty="0">
-                <a:solidFill>
-                  <a:schemeClr val="bg1"/>
-                </a:solidFill>
-                <a:latin typeface="Times New Roman" pitchFamily="18" charset="0"/>
-                <a:cs typeface="Times New Roman" pitchFamily="18" charset="0"/>
-                <a:hlinkClick r:id="rId3"/>
-              </a:rPr>
-              <a:t>://github.com/divyanshgarg28/Pizz360</a:t>
-            </a:r>
-            <a:endParaRPr lang="en-GB" sz="1800" dirty="0">
-              <a:solidFill>
-                <a:schemeClr val="bg1"/>
-              </a:solidFill>
-              <a:latin typeface="Times New Roman" pitchFamily="18" charset="0"/>
-              <a:cs typeface="Times New Roman" pitchFamily="18" charset="0"/>
+              <a:t>     THANK YOU</a:t>
+            </a:r>
+            <a:endParaRPr lang="en-GB" sz="4400" dirty="0">
+              <a:latin typeface="Times New Roman" panose="02020603050405020304" pitchFamily="18" charset="0"/>
+              <a:cs typeface="Times New Roman" panose="02020603050405020304" pitchFamily="18" charset="0"/>
             </a:endParaRPr>
           </a:p>
         </p:txBody>
@@ -7946,47 +5969,21 @@
               <a:buNone/>
             </a:pPr>
             <a:fld id="{00000000-1234-1234-1234-123412341234}" type="slidenum">
-              <a:rPr lang="en" smtClean="0"/>
-              <a:t>19</a:t>
+              <a:rPr lang="en-GB" smtClean="0"/>
+              <a:t>16</a:t>
             </a:fld>
-            <a:endParaRPr lang="en"/>
+            <a:endParaRPr lang="en-GB"/>
           </a:p>
         </p:txBody>
       </p:sp>
-      <p:pic>
-        <p:nvPicPr>
-          <p:cNvPr id="5" name="Picture 4" descr="livedemo-1.png"/>
-          <p:cNvPicPr>
-            <a:picLocks noChangeAspect="1"/>
-          </p:cNvPicPr>
-          <p:nvPr/>
-        </p:nvPicPr>
-        <p:blipFill>
-          <a:blip r:embed="rId4" cstate="print"/>
-          <a:stretch>
-            <a:fillRect/>
-          </a:stretch>
-        </p:blipFill>
-        <p:spPr>
-          <a:xfrm>
-            <a:off x="5508104" y="2139702"/>
-            <a:ext cx="3918835" cy="2232248"/>
-          </a:xfrm>
-          <a:prstGeom prst="rect">
-            <a:avLst/>
-          </a:prstGeom>
-        </p:spPr>
-      </p:pic>
     </p:spTree>
-    <p:extLst>
-      <p:ext uri="{BB962C8B-B14F-4D97-AF65-F5344CB8AC3E}">
-        <p14:creationId xmlns:p14="http://schemas.microsoft.com/office/powerpoint/2010/main" val="737614194"/>
-      </p:ext>
-    </p:extLst>
   </p:cSld>
   <p:clrMapOvr>
     <a:masterClrMapping/>
   </p:clrMapOvr>
+  <p:transition>
+    <p:fade thruBlk="1"/>
+  </p:transition>
   <p:timing>
     <p:tnLst>
       <p:par>
@@ -8050,14 +6047,14 @@
             </a:pPr>
             <a:r>
               <a:rPr lang="en-GB" dirty="0" smtClean="0">
-                <a:latin typeface="Times New Roman" pitchFamily="18" charset="0"/>
-                <a:cs typeface="Times New Roman" pitchFamily="18" charset="0"/>
+                <a:latin typeface="Times New Roman" panose="02020603050405020304" pitchFamily="18" charset="0"/>
+                <a:cs typeface="Times New Roman" panose="02020603050405020304" pitchFamily="18" charset="0"/>
               </a:rPr>
               <a:t>PIZZ360 WEBSITE</a:t>
             </a:r>
             <a:endParaRPr dirty="0">
-              <a:latin typeface="Times New Roman" pitchFamily="18" charset="0"/>
-              <a:cs typeface="Times New Roman" pitchFamily="18" charset="0"/>
+              <a:latin typeface="Times New Roman" panose="02020603050405020304" pitchFamily="18" charset="0"/>
+              <a:cs typeface="Times New Roman" panose="02020603050405020304" pitchFamily="18" charset="0"/>
             </a:endParaRPr>
           </a:p>
         </p:txBody>
@@ -8092,14 +6089,14 @@
             </a:pPr>
             <a:r>
               <a:rPr lang="en-US" sz="1800" b="1" i="1" dirty="0">
-                <a:latin typeface="Times New Roman" pitchFamily="18" charset="0"/>
-                <a:cs typeface="Times New Roman" pitchFamily="18" charset="0"/>
+                <a:latin typeface="Times New Roman" panose="02020603050405020304" pitchFamily="18" charset="0"/>
+                <a:cs typeface="Times New Roman" panose="02020603050405020304" pitchFamily="18" charset="0"/>
               </a:rPr>
               <a:t>Supervised By: -</a:t>
             </a:r>
             <a:endParaRPr lang="en-IN" sz="1800" dirty="0">
-              <a:latin typeface="Times New Roman" pitchFamily="18" charset="0"/>
-              <a:cs typeface="Times New Roman" pitchFamily="18" charset="0"/>
+              <a:latin typeface="Times New Roman" panose="02020603050405020304" pitchFamily="18" charset="0"/>
+              <a:cs typeface="Times New Roman" panose="02020603050405020304" pitchFamily="18" charset="0"/>
             </a:endParaRPr>
           </a:p>
           <a:p>
@@ -8108,29 +6105,29 @@
             </a:pPr>
             <a:r>
               <a:rPr lang="en-US" sz="1800" b="1" dirty="0">
-                <a:latin typeface="Times New Roman" pitchFamily="18" charset="0"/>
-                <a:cs typeface="Times New Roman" pitchFamily="18" charset="0"/>
+                <a:latin typeface="Times New Roman" panose="02020603050405020304" pitchFamily="18" charset="0"/>
+                <a:cs typeface="Times New Roman" panose="02020603050405020304" pitchFamily="18" charset="0"/>
               </a:rPr>
               <a:t> </a:t>
             </a:r>
             <a:r>
               <a:rPr lang="en-US" sz="1800" b="1" dirty="0" smtClean="0">
-                <a:latin typeface="Times New Roman" pitchFamily="18" charset="0"/>
-                <a:cs typeface="Times New Roman" pitchFamily="18" charset="0"/>
+                <a:latin typeface="Times New Roman" panose="02020603050405020304" pitchFamily="18" charset="0"/>
+                <a:cs typeface="Times New Roman" panose="02020603050405020304" pitchFamily="18" charset="0"/>
               </a:rPr>
               <a:t> Mr</a:t>
             </a:r>
             <a:r>
               <a:rPr lang="en-US" sz="1800" b="1" dirty="0">
-                <a:latin typeface="Times New Roman" pitchFamily="18" charset="0"/>
-                <a:cs typeface="Times New Roman" pitchFamily="18" charset="0"/>
+                <a:latin typeface="Times New Roman" panose="02020603050405020304" pitchFamily="18" charset="0"/>
+                <a:cs typeface="Times New Roman" panose="02020603050405020304" pitchFamily="18" charset="0"/>
               </a:rPr>
               <a:t>. Anand Parkash </a:t>
             </a:r>
             <a:r>
               <a:rPr lang="en-US" sz="1800" b="1" dirty="0" smtClean="0">
-                <a:latin typeface="Times New Roman" pitchFamily="18" charset="0"/>
-                <a:cs typeface="Times New Roman" pitchFamily="18" charset="0"/>
+                <a:latin typeface="Times New Roman" panose="02020603050405020304" pitchFamily="18" charset="0"/>
+                <a:cs typeface="Times New Roman" panose="02020603050405020304" pitchFamily="18" charset="0"/>
               </a:rPr>
               <a:t>Gupta</a:t>
             </a:r>
@@ -8141,15 +6138,15 @@
             </a:pPr>
             <a:r>
               <a:rPr lang="en-US" sz="1800" b="1" dirty="0">
-                <a:latin typeface="Times New Roman" pitchFamily="18" charset="0"/>
-                <a:cs typeface="Times New Roman" pitchFamily="18" charset="0"/>
+                <a:latin typeface="Times New Roman" panose="02020603050405020304" pitchFamily="18" charset="0"/>
+                <a:cs typeface="Times New Roman" panose="02020603050405020304" pitchFamily="18" charset="0"/>
               </a:rPr>
               <a:t> </a:t>
             </a:r>
             <a:r>
               <a:rPr lang="en-US" sz="1800" b="1" dirty="0" smtClean="0">
-                <a:latin typeface="Times New Roman" pitchFamily="18" charset="0"/>
-                <a:cs typeface="Times New Roman" pitchFamily="18" charset="0"/>
+                <a:latin typeface="Times New Roman" panose="02020603050405020304" pitchFamily="18" charset="0"/>
+                <a:cs typeface="Times New Roman" panose="02020603050405020304" pitchFamily="18" charset="0"/>
               </a:rPr>
               <a:t> Mrs. Ruchi Gupta</a:t>
             </a:r>
@@ -8160,14 +6157,14 @@
             </a:pPr>
             <a:r>
               <a:rPr lang="en-US" sz="1800" b="1" dirty="0" smtClean="0">
-                <a:latin typeface="Times New Roman" pitchFamily="18" charset="0"/>
-                <a:cs typeface="Times New Roman" pitchFamily="18" charset="0"/>
+                <a:latin typeface="Times New Roman" panose="02020603050405020304" pitchFamily="18" charset="0"/>
+                <a:cs typeface="Times New Roman" panose="02020603050405020304" pitchFamily="18" charset="0"/>
               </a:rPr>
               <a:t>  </a:t>
             </a:r>
             <a:endParaRPr lang="en-IN" sz="1800" dirty="0">
-              <a:latin typeface="Times New Roman" pitchFamily="18" charset="0"/>
-              <a:cs typeface="Times New Roman" pitchFamily="18" charset="0"/>
+              <a:latin typeface="Times New Roman" panose="02020603050405020304" pitchFamily="18" charset="0"/>
+              <a:cs typeface="Times New Roman" panose="02020603050405020304" pitchFamily="18" charset="0"/>
             </a:endParaRPr>
           </a:p>
           <a:p>
@@ -8176,21 +6173,21 @@
             </a:pPr>
             <a:r>
               <a:rPr lang="en-US" sz="1800" b="1" dirty="0" smtClean="0">
-                <a:latin typeface="Times New Roman" pitchFamily="18" charset="0"/>
-                <a:cs typeface="Times New Roman" pitchFamily="18" charset="0"/>
+                <a:latin typeface="Times New Roman" panose="02020603050405020304" pitchFamily="18" charset="0"/>
+                <a:cs typeface="Times New Roman" panose="02020603050405020304" pitchFamily="18" charset="0"/>
               </a:rPr>
               <a:t>Asst</a:t>
             </a:r>
             <a:r>
               <a:rPr lang="en-US" sz="1800" b="1" dirty="0">
-                <a:latin typeface="Times New Roman" pitchFamily="18" charset="0"/>
-                <a:cs typeface="Times New Roman" pitchFamily="18" charset="0"/>
+                <a:latin typeface="Times New Roman" panose="02020603050405020304" pitchFamily="18" charset="0"/>
+                <a:cs typeface="Times New Roman" panose="02020603050405020304" pitchFamily="18" charset="0"/>
               </a:rPr>
               <a:t>. Professor</a:t>
             </a:r>
             <a:endParaRPr lang="en-IN" sz="1800" dirty="0">
-              <a:latin typeface="Times New Roman" pitchFamily="18" charset="0"/>
-              <a:cs typeface="Times New Roman" pitchFamily="18" charset="0"/>
+              <a:latin typeface="Times New Roman" panose="02020603050405020304" pitchFamily="18" charset="0"/>
+              <a:cs typeface="Times New Roman" panose="02020603050405020304" pitchFamily="18" charset="0"/>
             </a:endParaRPr>
           </a:p>
           <a:p>
@@ -8199,15 +6196,15 @@
             </a:pPr>
             <a:r>
               <a:rPr lang="en-US" sz="1800" b="1" dirty="0">
-                <a:latin typeface="Times New Roman" pitchFamily="18" charset="0"/>
-                <a:cs typeface="Times New Roman" pitchFamily="18" charset="0"/>
+                <a:latin typeface="Times New Roman" panose="02020603050405020304" pitchFamily="18" charset="0"/>
+                <a:cs typeface="Times New Roman" panose="02020603050405020304" pitchFamily="18" charset="0"/>
               </a:rPr>
               <a:t>Department of Computer Engineering &amp; </a:t>
             </a:r>
             <a:r>
               <a:rPr lang="en-US" sz="1800" b="1" dirty="0" smtClean="0">
-                <a:latin typeface="Times New Roman" pitchFamily="18" charset="0"/>
-                <a:cs typeface="Times New Roman" pitchFamily="18" charset="0"/>
+                <a:latin typeface="Times New Roman" panose="02020603050405020304" pitchFamily="18" charset="0"/>
+                <a:cs typeface="Times New Roman" panose="02020603050405020304" pitchFamily="18" charset="0"/>
               </a:rPr>
               <a:t>Applications</a:t>
             </a:r>
@@ -8218,14 +6215,14 @@
             </a:pPr>
             <a:r>
               <a:rPr lang="en-US" sz="1800" b="1" dirty="0" smtClean="0">
-                <a:latin typeface="Times New Roman" pitchFamily="18" charset="0"/>
-                <a:cs typeface="Times New Roman" pitchFamily="18" charset="0"/>
+                <a:latin typeface="Times New Roman" panose="02020603050405020304" pitchFamily="18" charset="0"/>
+                <a:cs typeface="Times New Roman" panose="02020603050405020304" pitchFamily="18" charset="0"/>
               </a:rPr>
               <a:t>GLA UNIVERSITY               MATHURA</a:t>
             </a:r>
             <a:endParaRPr sz="1800" b="1" dirty="0">
-              <a:latin typeface="Times New Roman" pitchFamily="18" charset="0"/>
-              <a:cs typeface="Times New Roman" pitchFamily="18" charset="0"/>
+              <a:latin typeface="Times New Roman" panose="02020603050405020304" pitchFamily="18" charset="0"/>
+              <a:cs typeface="Times New Roman" panose="02020603050405020304" pitchFamily="18" charset="0"/>
             </a:endParaRPr>
           </a:p>
         </p:txBody>
@@ -8266,7 +6263,7 @@
                 <a:schemeClr val="dk1"/>
               </a:buClr>
               <a:buSzPts val="1100"/>
-              <a:buFont typeface="Arial"/>
+              <a:buFont typeface="Arial" panose="020B0604020202020204"/>
               <a:buNone/>
             </a:pPr>
             <a:r>
@@ -8316,8 +6313,8 @@
                 <a:solidFill>
                   <a:schemeClr val="bg1"/>
                 </a:solidFill>
-                <a:latin typeface="Times New Roman" pitchFamily="18" charset="0"/>
-                <a:cs typeface="Times New Roman" pitchFamily="18" charset="0"/>
+                <a:latin typeface="Times New Roman" panose="02020603050405020304" pitchFamily="18" charset="0"/>
+                <a:cs typeface="Times New Roman" panose="02020603050405020304" pitchFamily="18" charset="0"/>
               </a:rPr>
               <a:t>                                                                                  </a:t>
             </a:r>
@@ -8337,8 +6334,8 @@
                 <a:solidFill>
                   <a:schemeClr val="bg1"/>
                 </a:solidFill>
-                <a:latin typeface="Times New Roman" pitchFamily="18" charset="0"/>
-                <a:cs typeface="Times New Roman" pitchFamily="18" charset="0"/>
+                <a:latin typeface="Times New Roman" panose="02020603050405020304" pitchFamily="18" charset="0"/>
+                <a:cs typeface="Times New Roman" panose="02020603050405020304" pitchFamily="18" charset="0"/>
               </a:rPr>
               <a:t>Aryan Saxena</a:t>
             </a:r>
@@ -8358,8 +6355,8 @@
                 <a:solidFill>
                   <a:schemeClr val="bg1"/>
                 </a:solidFill>
-                <a:latin typeface="Times New Roman" pitchFamily="18" charset="0"/>
-                <a:cs typeface="Times New Roman" pitchFamily="18" charset="0"/>
+                <a:latin typeface="Times New Roman" panose="02020603050405020304" pitchFamily="18" charset="0"/>
+                <a:cs typeface="Times New Roman" panose="02020603050405020304" pitchFamily="18" charset="0"/>
               </a:rPr>
               <a:t>181500136</a:t>
             </a:r>
@@ -8379,8 +6376,8 @@
                 <a:solidFill>
                   <a:schemeClr val="bg1"/>
                 </a:solidFill>
-                <a:latin typeface="Times New Roman" pitchFamily="18" charset="0"/>
-                <a:cs typeface="Times New Roman" pitchFamily="18" charset="0"/>
+                <a:latin typeface="Times New Roman" panose="02020603050405020304" pitchFamily="18" charset="0"/>
+                <a:cs typeface="Times New Roman" panose="02020603050405020304" pitchFamily="18" charset="0"/>
               </a:rPr>
               <a:t>Divyansh Garg</a:t>
             </a:r>
@@ -8400,8 +6397,8 @@
                 <a:solidFill>
                   <a:schemeClr val="bg1"/>
                 </a:solidFill>
-                <a:latin typeface="Times New Roman" pitchFamily="18" charset="0"/>
-                <a:cs typeface="Times New Roman" pitchFamily="18" charset="0"/>
+                <a:latin typeface="Times New Roman" panose="02020603050405020304" pitchFamily="18" charset="0"/>
+                <a:cs typeface="Times New Roman" panose="02020603050405020304" pitchFamily="18" charset="0"/>
               </a:rPr>
               <a:t>181500222</a:t>
             </a:r>
@@ -8421,8 +6418,8 @@
                 <a:solidFill>
                   <a:schemeClr val="bg1"/>
                 </a:solidFill>
-                <a:latin typeface="Times New Roman" pitchFamily="18" charset="0"/>
-                <a:cs typeface="Times New Roman" pitchFamily="18" charset="0"/>
+                <a:latin typeface="Times New Roman" panose="02020603050405020304" pitchFamily="18" charset="0"/>
+                <a:cs typeface="Times New Roman" panose="02020603050405020304" pitchFamily="18" charset="0"/>
               </a:rPr>
               <a:t>Ishika Dubey</a:t>
             </a:r>
@@ -8442,8 +6439,8 @@
                 <a:solidFill>
                   <a:schemeClr val="bg1"/>
                 </a:solidFill>
-                <a:latin typeface="Times New Roman" pitchFamily="18" charset="0"/>
-                <a:cs typeface="Times New Roman" pitchFamily="18" charset="0"/>
+                <a:latin typeface="Times New Roman" panose="02020603050405020304" pitchFamily="18" charset="0"/>
+                <a:cs typeface="Times New Roman" panose="02020603050405020304" pitchFamily="18" charset="0"/>
               </a:rPr>
               <a:t>181500283</a:t>
             </a:r>
@@ -8462,8 +6459,8 @@
               <a:solidFill>
                 <a:schemeClr val="bg1"/>
               </a:solidFill>
-              <a:latin typeface="Times New Roman" pitchFamily="18" charset="0"/>
-              <a:cs typeface="Times New Roman" pitchFamily="18" charset="0"/>
+              <a:latin typeface="Times New Roman" panose="02020603050405020304" pitchFamily="18" charset="0"/>
+              <a:cs typeface="Times New Roman" panose="02020603050405020304" pitchFamily="18" charset="0"/>
             </a:endParaRPr>
           </a:p>
         </p:txBody>
@@ -8503,10 +6500,10 @@
               <a:buNone/>
             </a:pPr>
             <a:fld id="{00000000-1234-1234-1234-123412341234}" type="slidenum">
-              <a:rPr lang="en"/>
+              <a:rPr lang="en-GB"/>
               <a:t>2</a:t>
             </a:fld>
-            <a:endParaRPr/>
+            <a:endParaRPr lang="en-GB"/>
           </a:p>
         </p:txBody>
       </p:sp>
@@ -8515,384 +6512,9 @@
   <p:clrMapOvr>
     <a:masterClrMapping/>
   </p:clrMapOvr>
-  <p:timing>
-    <p:tnLst>
-      <p:par>
-        <p:cTn id="1" dur="indefinite" restart="never" nodeType="tmRoot"/>
-      </p:par>
-    </p:tnLst>
-  </p:timing>
-</p:sld>
-</file>
-
-<file path=ppt/slides/slide20.xml><?xml version="1.0" encoding="utf-8"?>
-<p:sld xmlns:a="http://schemas.openxmlformats.org/drawingml/2006/main" xmlns:r="http://schemas.openxmlformats.org/officeDocument/2006/relationships" xmlns:p="http://schemas.openxmlformats.org/presentationml/2006/main">
-  <p:cSld>
-    <p:spTree>
-      <p:nvGrpSpPr>
-        <p:cNvPr id="1" name=""/>
-        <p:cNvGrpSpPr/>
-        <p:nvPr/>
-      </p:nvGrpSpPr>
-      <p:grpSpPr>
-        <a:xfrm>
-          <a:off x="0" y="0"/>
-          <a:ext cx="0" cy="0"/>
-          <a:chOff x="0" y="0"/>
-          <a:chExt cx="0" cy="0"/>
-        </a:xfrm>
-      </p:grpSpPr>
-      <p:sp>
-        <p:nvSpPr>
-          <p:cNvPr id="2" name="Title 1"/>
-          <p:cNvSpPr>
-            <a:spLocks noGrp="1"/>
-          </p:cNvSpPr>
-          <p:nvPr>
-            <p:ph type="title"/>
-          </p:nvPr>
-        </p:nvSpPr>
-        <p:spPr>
-          <a:xfrm>
-            <a:off x="580550" y="205974"/>
-            <a:ext cx="8239922" cy="997623"/>
-          </a:xfrm>
-        </p:spPr>
-        <p:txBody>
-          <a:bodyPr/>
-          <a:lstStyle/>
-          <a:p>
-            <a:pPr algn="ctr"/>
-            <a:r>
-              <a:rPr lang="en-GB" dirty="0" smtClean="0">
-                <a:latin typeface="Times New Roman" pitchFamily="18" charset="0"/>
-                <a:cs typeface="Times New Roman" pitchFamily="18" charset="0"/>
-              </a:rPr>
-              <a:t>CONCLUSION</a:t>
-            </a:r>
-            <a:endParaRPr lang="en-GB" dirty="0">
-              <a:latin typeface="Times New Roman" pitchFamily="18" charset="0"/>
-              <a:cs typeface="Times New Roman" pitchFamily="18" charset="0"/>
-            </a:endParaRPr>
-          </a:p>
-        </p:txBody>
-      </p:sp>
-      <p:sp>
-        <p:nvSpPr>
-          <p:cNvPr id="3" name="Text Placeholder 2"/>
-          <p:cNvSpPr>
-            <a:spLocks noGrp="1"/>
-          </p:cNvSpPr>
-          <p:nvPr>
-            <p:ph type="body" idx="1"/>
-          </p:nvPr>
-        </p:nvSpPr>
-        <p:spPr>
-          <a:xfrm>
-            <a:off x="580550" y="1352550"/>
-            <a:ext cx="8095906" cy="3451448"/>
-          </a:xfrm>
-        </p:spPr>
-        <p:txBody>
-          <a:bodyPr/>
-          <a:lstStyle/>
-          <a:p>
-            <a:pPr marL="0" indent="0" algn="just">
-              <a:buNone/>
-            </a:pPr>
-            <a:r>
-              <a:rPr lang="en-GB" sz="1800" dirty="0" smtClean="0">
-                <a:latin typeface="Times New Roman" pitchFamily="18" charset="0"/>
-                <a:cs typeface="Times New Roman" pitchFamily="18" charset="0"/>
-              </a:rPr>
-              <a:t> </a:t>
-            </a:r>
-            <a:r>
-              <a:rPr lang="en-GB" sz="1800" dirty="0">
-                <a:latin typeface="Times New Roman" pitchFamily="18" charset="0"/>
-                <a:cs typeface="Times New Roman" pitchFamily="18" charset="0"/>
-              </a:rPr>
-              <a:t>W</a:t>
-            </a:r>
-            <a:r>
-              <a:rPr lang="en-GB" sz="1800" dirty="0" smtClean="0">
-                <a:latin typeface="Times New Roman" pitchFamily="18" charset="0"/>
-                <a:cs typeface="Times New Roman" pitchFamily="18" charset="0"/>
-              </a:rPr>
-              <a:t>ith the help of latest web development technologies we have created a online pizza delivery web application ,named PIZZ360 , which has a descent graphical user interface the use of css and bootstrap also makes the pages beautiful and appealing  ,this  </a:t>
-            </a:r>
-            <a:r>
-              <a:rPr lang="en-GB" sz="1800" dirty="0">
-                <a:latin typeface="Times New Roman" pitchFamily="18" charset="0"/>
-                <a:cs typeface="Times New Roman" pitchFamily="18" charset="0"/>
-              </a:rPr>
-              <a:t>has been an excellent and rewarding learning experience. Needless to say, the technical aspects of the work </a:t>
-            </a:r>
-            <a:r>
-              <a:rPr lang="en-GB" sz="1800" dirty="0" smtClean="0">
-                <a:latin typeface="Times New Roman" pitchFamily="18" charset="0"/>
-                <a:cs typeface="Times New Roman" pitchFamily="18" charset="0"/>
-              </a:rPr>
-              <a:t>we have </a:t>
-            </a:r>
-            <a:r>
-              <a:rPr lang="en-GB" sz="1800" dirty="0">
-                <a:latin typeface="Times New Roman" pitchFamily="18" charset="0"/>
-                <a:cs typeface="Times New Roman" pitchFamily="18" charset="0"/>
-              </a:rPr>
-              <a:t>done are not flawless and could be improved provided enough time. </a:t>
-            </a:r>
-          </a:p>
-          <a:p>
-            <a:pPr marL="0" indent="0" algn="just"/>
-            <a:endParaRPr lang="en-GB" sz="1800" dirty="0">
-              <a:latin typeface="Times New Roman" pitchFamily="18" charset="0"/>
-              <a:cs typeface="Times New Roman" pitchFamily="18" charset="0"/>
-            </a:endParaRPr>
-          </a:p>
-          <a:p>
-            <a:pPr marL="0" indent="0">
-              <a:buNone/>
-            </a:pPr>
-            <a:r>
-              <a:rPr lang="en-GB" sz="1800" dirty="0">
-                <a:latin typeface="Times New Roman" pitchFamily="18" charset="0"/>
-                <a:cs typeface="Times New Roman" pitchFamily="18" charset="0"/>
-              </a:rPr>
-              <a:t>As someone with no prior experience in </a:t>
-            </a:r>
-            <a:r>
-              <a:rPr lang="en-GB" sz="1800" dirty="0" smtClean="0">
-                <a:latin typeface="Times New Roman" pitchFamily="18" charset="0"/>
-                <a:cs typeface="Times New Roman" pitchFamily="18" charset="0"/>
-              </a:rPr>
-              <a:t>web development, we believe our </a:t>
-            </a:r>
-            <a:r>
-              <a:rPr lang="en-GB" sz="1800" dirty="0">
-                <a:latin typeface="Times New Roman" pitchFamily="18" charset="0"/>
-                <a:cs typeface="Times New Roman" pitchFamily="18" charset="0"/>
-              </a:rPr>
-              <a:t>time spent in training and discovering new languages was well worth it and contributed to finding an acceptable solution to an important aspect of web design and development</a:t>
-            </a:r>
-            <a:r>
-              <a:rPr lang="en-GB" sz="1800" dirty="0" smtClean="0">
-                <a:latin typeface="Times New Roman" pitchFamily="18" charset="0"/>
-                <a:cs typeface="Times New Roman" pitchFamily="18" charset="0"/>
-              </a:rPr>
-              <a:t>.</a:t>
-            </a:r>
-            <a:r>
-              <a:rPr lang="en-GB" sz="1800" dirty="0">
-                <a:latin typeface="Times New Roman" pitchFamily="18" charset="0"/>
-                <a:cs typeface="Times New Roman" pitchFamily="18" charset="0"/>
-              </a:rPr>
-              <a:t/>
-            </a:r>
-            <a:br>
-              <a:rPr lang="en-GB" sz="1800" dirty="0">
-                <a:latin typeface="Times New Roman" pitchFamily="18" charset="0"/>
-                <a:cs typeface="Times New Roman" pitchFamily="18" charset="0"/>
-              </a:rPr>
-            </a:br>
-            <a:endParaRPr lang="en-GB" sz="1800" dirty="0">
-              <a:latin typeface="Times New Roman" pitchFamily="18" charset="0"/>
-              <a:cs typeface="Times New Roman" pitchFamily="18" charset="0"/>
-            </a:endParaRPr>
-          </a:p>
-          <a:p>
-            <a:pPr marL="0" indent="0" algn="just"/>
-            <a:endParaRPr lang="en-GB" sz="1800" dirty="0">
-              <a:latin typeface="Times New Roman" pitchFamily="18" charset="0"/>
-              <a:cs typeface="Times New Roman" pitchFamily="18" charset="0"/>
-            </a:endParaRPr>
-          </a:p>
-          <a:p>
-            <a:pPr marL="0" lvl="0" indent="0" algn="just"/>
-            <a:endParaRPr lang="en-GB" sz="1800" dirty="0">
-              <a:solidFill>
-                <a:srgbClr val="FFC39F"/>
-              </a:solidFill>
-              <a:latin typeface="Times New Roman" pitchFamily="18" charset="0"/>
-              <a:cs typeface="Times New Roman" pitchFamily="18" charset="0"/>
-            </a:endParaRPr>
-          </a:p>
-          <a:p>
-            <a:pPr algn="just"/>
-            <a:endParaRPr lang="en-GB" sz="1800" dirty="0">
-              <a:latin typeface="Times New Roman" pitchFamily="18" charset="0"/>
-              <a:cs typeface="Times New Roman" pitchFamily="18" charset="0"/>
-            </a:endParaRPr>
-          </a:p>
-        </p:txBody>
-      </p:sp>
-      <p:sp>
-        <p:nvSpPr>
-          <p:cNvPr id="4" name="Slide Number Placeholder 3"/>
-          <p:cNvSpPr>
-            <a:spLocks noGrp="1"/>
-          </p:cNvSpPr>
-          <p:nvPr>
-            <p:ph type="sldNum" idx="12"/>
-          </p:nvPr>
-        </p:nvSpPr>
-        <p:spPr/>
-        <p:txBody>
-          <a:bodyPr/>
-          <a:lstStyle/>
-          <a:p>
-            <a:pPr marL="0" lvl="0" indent="0" algn="r" rtl="0">
-              <a:spcBef>
-                <a:spcPts val="0"/>
-              </a:spcBef>
-              <a:spcAft>
-                <a:spcPts val="0"/>
-              </a:spcAft>
-              <a:buNone/>
-            </a:pPr>
-            <a:fld id="{00000000-1234-1234-1234-123412341234}" type="slidenum">
-              <a:rPr lang="en" smtClean="0"/>
-              <a:t>20</a:t>
-            </a:fld>
-            <a:endParaRPr lang="en"/>
-          </a:p>
-        </p:txBody>
-      </p:sp>
-    </p:spTree>
-    <p:extLst>
-      <p:ext uri="{BB962C8B-B14F-4D97-AF65-F5344CB8AC3E}">
-        <p14:creationId xmlns:p14="http://schemas.microsoft.com/office/powerpoint/2010/main" val="2257886245"/>
-      </p:ext>
-    </p:extLst>
-  </p:cSld>
-  <p:clrMapOvr>
-    <a:masterClrMapping/>
-  </p:clrMapOvr>
-  <p:timing>
-    <p:tnLst>
-      <p:par>
-        <p:cTn id="1" dur="indefinite" restart="never" nodeType="tmRoot"/>
-      </p:par>
-    </p:tnLst>
-  </p:timing>
-</p:sld>
-</file>
-
-<file path=ppt/slides/slide21.xml><?xml version="1.0" encoding="utf-8"?>
-<p:sld xmlns:a="http://schemas.openxmlformats.org/drawingml/2006/main" xmlns:r="http://schemas.openxmlformats.org/officeDocument/2006/relationships" xmlns:p="http://schemas.openxmlformats.org/presentationml/2006/main">
-  <p:cSld>
-    <p:spTree>
-      <p:nvGrpSpPr>
-        <p:cNvPr id="1" name=""/>
-        <p:cNvGrpSpPr/>
-        <p:nvPr/>
-      </p:nvGrpSpPr>
-      <p:grpSpPr>
-        <a:xfrm>
-          <a:off x="0" y="0"/>
-          <a:ext cx="0" cy="0"/>
-          <a:chOff x="0" y="0"/>
-          <a:chExt cx="0" cy="0"/>
-        </a:xfrm>
-      </p:grpSpPr>
-      <p:sp>
-        <p:nvSpPr>
-          <p:cNvPr id="2" name="Title 1"/>
-          <p:cNvSpPr>
-            <a:spLocks noGrp="1"/>
-          </p:cNvSpPr>
-          <p:nvPr>
-            <p:ph type="title"/>
-          </p:nvPr>
-        </p:nvSpPr>
-        <p:spPr/>
-        <p:txBody>
-          <a:bodyPr/>
-          <a:lstStyle/>
-          <a:p>
-            <a:endParaRPr lang="en-GB" dirty="0"/>
-          </a:p>
-        </p:txBody>
-      </p:sp>
-      <p:sp>
-        <p:nvSpPr>
-          <p:cNvPr id="3" name="Text Placeholder 2"/>
-          <p:cNvSpPr>
-            <a:spLocks noGrp="1"/>
-          </p:cNvSpPr>
-          <p:nvPr>
-            <p:ph type="body" idx="1"/>
-          </p:nvPr>
-        </p:nvSpPr>
-        <p:spPr>
-          <a:xfrm>
-            <a:off x="1907704" y="2355726"/>
-            <a:ext cx="4687246" cy="2158524"/>
-          </a:xfrm>
-        </p:spPr>
-        <p:txBody>
-          <a:bodyPr/>
-          <a:lstStyle/>
-          <a:p>
-            <a:pPr marL="76200" indent="0">
-              <a:buNone/>
-            </a:pPr>
-            <a:r>
-              <a:rPr lang="en-GB" sz="4400" dirty="0" smtClean="0">
-                <a:latin typeface="Times New Roman" pitchFamily="18" charset="0"/>
-                <a:cs typeface="Times New Roman" pitchFamily="18" charset="0"/>
-              </a:rPr>
-              <a:t>     THANK YOU</a:t>
-            </a:r>
-            <a:endParaRPr lang="en-GB" sz="4400" dirty="0">
-              <a:latin typeface="Times New Roman" pitchFamily="18" charset="0"/>
-              <a:cs typeface="Times New Roman" pitchFamily="18" charset="0"/>
-            </a:endParaRPr>
-          </a:p>
-        </p:txBody>
-      </p:sp>
-      <p:sp>
-        <p:nvSpPr>
-          <p:cNvPr id="4" name="Slide Number Placeholder 3"/>
-          <p:cNvSpPr>
-            <a:spLocks noGrp="1"/>
-          </p:cNvSpPr>
-          <p:nvPr>
-            <p:ph type="sldNum" idx="12"/>
-          </p:nvPr>
-        </p:nvSpPr>
-        <p:spPr/>
-        <p:txBody>
-          <a:bodyPr/>
-          <a:lstStyle/>
-          <a:p>
-            <a:pPr marL="0" lvl="0" indent="0" algn="r" rtl="0">
-              <a:spcBef>
-                <a:spcPts val="0"/>
-              </a:spcBef>
-              <a:spcAft>
-                <a:spcPts val="0"/>
-              </a:spcAft>
-              <a:buNone/>
-            </a:pPr>
-            <a:fld id="{00000000-1234-1234-1234-123412341234}" type="slidenum">
-              <a:rPr lang="en" smtClean="0"/>
-              <a:t>21</a:t>
-            </a:fld>
-            <a:endParaRPr lang="en"/>
-          </a:p>
-        </p:txBody>
-      </p:sp>
-    </p:spTree>
-    <p:extLst>
-      <p:ext uri="{BB962C8B-B14F-4D97-AF65-F5344CB8AC3E}">
-        <p14:creationId xmlns:p14="http://schemas.microsoft.com/office/powerpoint/2010/main" val="3396990840"/>
-      </p:ext>
-    </p:extLst>
-  </p:cSld>
-  <p:clrMapOvr>
-    <a:masterClrMapping/>
-  </p:clrMapOvr>
+  <p:transition>
+    <p:fade thruBlk="1"/>
+  </p:transition>
   <p:timing>
     <p:tnLst>
       <p:par>
@@ -8956,21 +6578,21 @@
             </a:pPr>
             <a:r>
               <a:rPr lang="en-GB" sz="3600" dirty="0" smtClean="0">
-                <a:latin typeface="Times New Roman" pitchFamily="18" charset="0"/>
-                <a:cs typeface="Times New Roman" pitchFamily="18" charset="0"/>
+                <a:latin typeface="Times New Roman" panose="02020603050405020304" pitchFamily="18" charset="0"/>
+                <a:cs typeface="Times New Roman" panose="02020603050405020304" pitchFamily="18" charset="0"/>
               </a:rPr>
               <a:t>INTRODUCTION</a:t>
             </a:r>
             <a:r>
               <a:rPr lang="en-GB" sz="2800" dirty="0" smtClean="0">
-                <a:latin typeface="Times New Roman" pitchFamily="18" charset="0"/>
-                <a:cs typeface="Times New Roman" pitchFamily="18" charset="0"/>
+                <a:latin typeface="Times New Roman" panose="02020603050405020304" pitchFamily="18" charset="0"/>
+                <a:cs typeface="Times New Roman" panose="02020603050405020304" pitchFamily="18" charset="0"/>
               </a:rPr>
               <a:t> </a:t>
             </a:r>
             <a:endParaRPr sz="3600" dirty="0">
-              <a:latin typeface="Times New Roman" pitchFamily="18" charset="0"/>
-              <a:cs typeface="Times New Roman" pitchFamily="18" charset="0"/>
+              <a:latin typeface="Times New Roman" panose="02020603050405020304" pitchFamily="18" charset="0"/>
+              <a:cs typeface="Times New Roman" panose="02020603050405020304" pitchFamily="18" charset="0"/>
             </a:endParaRPr>
           </a:p>
         </p:txBody>
@@ -9001,90 +6623,90 @@
           <a:lstStyle/>
           <a:p>
             <a:pPr>
-              <a:buFont typeface="Wingdings" pitchFamily="2" charset="2"/>
+              <a:buFont typeface="Wingdings" panose="05000000000000000000" pitchFamily="2" charset="2"/>
               <a:buChar char="Ø"/>
             </a:pPr>
             <a:r>
               <a:rPr lang="en-US" sz="1800" b="1" dirty="0">
-                <a:latin typeface="Times New Roman" pitchFamily="18" charset="0"/>
-                <a:cs typeface="Times New Roman" pitchFamily="18" charset="0"/>
+                <a:latin typeface="Times New Roman" panose="02020603050405020304" pitchFamily="18" charset="0"/>
+                <a:cs typeface="Times New Roman" panose="02020603050405020304" pitchFamily="18" charset="0"/>
               </a:rPr>
               <a:t>Pizz360 </a:t>
             </a:r>
             <a:r>
               <a:rPr lang="en-US" sz="1800" dirty="0">
-                <a:latin typeface="Times New Roman" pitchFamily="18" charset="0"/>
-                <a:cs typeface="Times New Roman" pitchFamily="18" charset="0"/>
+                <a:latin typeface="Times New Roman" panose="02020603050405020304" pitchFamily="18" charset="0"/>
+                <a:cs typeface="Times New Roman" panose="02020603050405020304" pitchFamily="18" charset="0"/>
               </a:rPr>
               <a:t>(Web-based Application) is a perfect mate for our Pizza Lovers, that stimulates the foodies (customers) to get their Pizzas Delivered at home in just one click. This will be a user- friendly application with proper menu tabs defined on homepage. It will have both Veg and Non-Veg Pizza’s so that people can filter out based on their taste</a:t>
             </a:r>
             <a:r>
               <a:rPr lang="en-US" sz="1800" dirty="0" smtClean="0">
-                <a:latin typeface="Times New Roman" pitchFamily="18" charset="0"/>
-                <a:cs typeface="Times New Roman" pitchFamily="18" charset="0"/>
+                <a:latin typeface="Times New Roman" panose="02020603050405020304" pitchFamily="18" charset="0"/>
+                <a:cs typeface="Times New Roman" panose="02020603050405020304" pitchFamily="18" charset="0"/>
               </a:rPr>
               <a:t>.</a:t>
             </a:r>
           </a:p>
           <a:p>
             <a:pPr>
-              <a:buFont typeface="Wingdings" pitchFamily="2" charset="2"/>
+              <a:buFont typeface="Wingdings" panose="05000000000000000000" pitchFamily="2" charset="2"/>
               <a:buChar char="Ø"/>
             </a:pPr>
             <a:r>
               <a:rPr lang="en-US" sz="1800" dirty="0" smtClean="0">
-                <a:latin typeface="Times New Roman" pitchFamily="18" charset="0"/>
-                <a:cs typeface="Times New Roman" pitchFamily="18" charset="0"/>
+                <a:latin typeface="Times New Roman" panose="02020603050405020304" pitchFamily="18" charset="0"/>
+                <a:cs typeface="Times New Roman" panose="02020603050405020304" pitchFamily="18" charset="0"/>
               </a:rPr>
               <a:t> For </a:t>
             </a:r>
             <a:r>
               <a:rPr lang="en-US" sz="1800" dirty="0">
-                <a:latin typeface="Times New Roman" pitchFamily="18" charset="0"/>
-                <a:cs typeface="Times New Roman" pitchFamily="18" charset="0"/>
+                <a:latin typeface="Times New Roman" panose="02020603050405020304" pitchFamily="18" charset="0"/>
+                <a:cs typeface="Times New Roman" panose="02020603050405020304" pitchFamily="18" charset="0"/>
               </a:rPr>
               <a:t>this Application we will be using both Frontend and Backend Technologies and Database for storing the data</a:t>
             </a:r>
             <a:r>
               <a:rPr lang="en-US" sz="1800" dirty="0" smtClean="0">
-                <a:latin typeface="Times New Roman" pitchFamily="18" charset="0"/>
-                <a:cs typeface="Times New Roman" pitchFamily="18" charset="0"/>
+                <a:latin typeface="Times New Roman" panose="02020603050405020304" pitchFamily="18" charset="0"/>
+                <a:cs typeface="Times New Roman" panose="02020603050405020304" pitchFamily="18" charset="0"/>
               </a:rPr>
               <a:t>.</a:t>
             </a:r>
             <a:r>
               <a:rPr lang="en-US" sz="1800" dirty="0">
-                <a:latin typeface="Times New Roman" pitchFamily="18" charset="0"/>
-                <a:cs typeface="Times New Roman" pitchFamily="18" charset="0"/>
+                <a:latin typeface="Times New Roman" panose="02020603050405020304" pitchFamily="18" charset="0"/>
+                <a:cs typeface="Times New Roman" panose="02020603050405020304" pitchFamily="18" charset="0"/>
               </a:rPr>
               <a:t> </a:t>
             </a:r>
             <a:endParaRPr lang="en-IN" sz="1800" dirty="0">
-              <a:latin typeface="Times New Roman" pitchFamily="18" charset="0"/>
-              <a:cs typeface="Times New Roman" pitchFamily="18" charset="0"/>
+              <a:latin typeface="Times New Roman" panose="02020603050405020304" pitchFamily="18" charset="0"/>
+              <a:cs typeface="Times New Roman" panose="02020603050405020304" pitchFamily="18" charset="0"/>
             </a:endParaRPr>
           </a:p>
           <a:p>
             <a:pPr>
-              <a:buFont typeface="Wingdings" pitchFamily="2" charset="2"/>
+              <a:buFont typeface="Wingdings" panose="05000000000000000000" pitchFamily="2" charset="2"/>
               <a:buChar char="Ø"/>
             </a:pPr>
             <a:r>
               <a:rPr lang="en-US" sz="1800" dirty="0">
-                <a:latin typeface="Times New Roman" pitchFamily="18" charset="0"/>
-                <a:cs typeface="Times New Roman" pitchFamily="18" charset="0"/>
+                <a:latin typeface="Times New Roman" panose="02020603050405020304" pitchFamily="18" charset="0"/>
+                <a:cs typeface="Times New Roman" panose="02020603050405020304" pitchFamily="18" charset="0"/>
               </a:rPr>
               <a:t>Our major objective will be to make this Application as much user friendly as we can and satisfying the hunger of our customers in just few clicks.</a:t>
             </a:r>
             <a:endParaRPr lang="en-IN" sz="1800" dirty="0">
-              <a:latin typeface="Times New Roman" pitchFamily="18" charset="0"/>
-              <a:cs typeface="Times New Roman" pitchFamily="18" charset="0"/>
+              <a:latin typeface="Times New Roman" panose="02020603050405020304" pitchFamily="18" charset="0"/>
+              <a:cs typeface="Times New Roman" panose="02020603050405020304" pitchFamily="18" charset="0"/>
             </a:endParaRPr>
           </a:p>
           <a:p>
             <a:endParaRPr lang="en-GB" sz="1800" dirty="0">
-              <a:latin typeface="Times New Roman" pitchFamily="18" charset="0"/>
-              <a:cs typeface="Times New Roman" pitchFamily="18" charset="0"/>
+              <a:latin typeface="Times New Roman" panose="02020603050405020304" pitchFamily="18" charset="0"/>
+              <a:cs typeface="Times New Roman" panose="02020603050405020304" pitchFamily="18" charset="0"/>
             </a:endParaRPr>
           </a:p>
         </p:txBody>
@@ -9124,10 +6746,10 @@
               <a:buNone/>
             </a:pPr>
             <a:fld id="{00000000-1234-1234-1234-123412341234}" type="slidenum">
-              <a:rPr lang="en"/>
+              <a:rPr lang="en-GB"/>
               <a:t>3</a:t>
             </a:fld>
-            <a:endParaRPr/>
+            <a:endParaRPr lang="en-GB"/>
           </a:p>
         </p:txBody>
       </p:sp>
@@ -9136,6 +6758,9 @@
   <p:clrMapOvr>
     <a:masterClrMapping/>
   </p:clrMapOvr>
+  <p:transition>
+    <p:fade thruBlk="1"/>
+  </p:transition>
   <p:timing>
     <p:tnLst>
       <p:par>
@@ -9147,6 +6772,265 @@
 </file>
 
 <file path=ppt/slides/slide4.xml><?xml version="1.0" encoding="utf-8"?>
+<p:sld xmlns:a="http://schemas.openxmlformats.org/drawingml/2006/main" xmlns:r="http://schemas.openxmlformats.org/officeDocument/2006/relationships" xmlns:p="http://schemas.openxmlformats.org/presentationml/2006/main">
+  <p:cSld>
+    <p:spTree>
+      <p:nvGrpSpPr>
+        <p:cNvPr id="1" name="Shape 79"/>
+        <p:cNvGrpSpPr/>
+        <p:nvPr/>
+      </p:nvGrpSpPr>
+      <p:grpSpPr>
+        <a:xfrm>
+          <a:off x="0" y="0"/>
+          <a:ext cx="0" cy="0"/>
+          <a:chOff x="0" y="0"/>
+          <a:chExt cx="0" cy="0"/>
+        </a:xfrm>
+      </p:grpSpPr>
+      <p:sp>
+        <p:nvSpPr>
+          <p:cNvPr id="80" name="Google Shape;80;p15"/>
+          <p:cNvSpPr txBox="1">
+            <a:spLocks noGrp="1"/>
+          </p:cNvSpPr>
+          <p:nvPr>
+            <p:ph type="ctrTitle" idx="4294967295"/>
+          </p:nvPr>
+        </p:nvSpPr>
+        <p:spPr>
+          <a:xfrm>
+            <a:off x="683568" y="699542"/>
+            <a:ext cx="7342584" cy="504056"/>
+          </a:xfrm>
+          <a:prstGeom prst="rect">
+            <a:avLst/>
+          </a:prstGeom>
+        </p:spPr>
+        <p:txBody>
+          <a:bodyPr spcFirstLastPara="1" wrap="square" lIns="0" tIns="0" rIns="0" bIns="0" anchor="b" anchorCtr="0">
+            <a:noAutofit/>
+          </a:bodyPr>
+          <a:lstStyle/>
+          <a:p>
+            <a:pPr marL="0" lvl="0" indent="0" algn="ctr" rtl="0">
+              <a:spcBef>
+                <a:spcPts val="0"/>
+              </a:spcBef>
+              <a:spcAft>
+                <a:spcPts val="0"/>
+              </a:spcAft>
+              <a:buNone/>
+            </a:pPr>
+            <a:r>
+              <a:rPr lang="en-US" altLang="en-GB" sz="3600" dirty="0" smtClean="0">
+                <a:latin typeface="Times New Roman" panose="02020603050405020304" pitchFamily="18" charset="0"/>
+                <a:cs typeface="Times New Roman" panose="02020603050405020304" pitchFamily="18" charset="0"/>
+              </a:rPr>
+              <a:t>MOTIVATION</a:t>
+            </a:r>
+            <a:r>
+              <a:rPr lang="en-GB" sz="3600" dirty="0" smtClean="0">
+                <a:latin typeface="Times New Roman" panose="02020603050405020304" pitchFamily="18" charset="0"/>
+                <a:cs typeface="Times New Roman" panose="02020603050405020304" pitchFamily="18" charset="0"/>
+              </a:rPr>
+              <a:t> </a:t>
+            </a:r>
+            <a:endParaRPr sz="3600" dirty="0">
+              <a:latin typeface="Times New Roman" panose="02020603050405020304" pitchFamily="18" charset="0"/>
+              <a:cs typeface="Times New Roman" panose="02020603050405020304" pitchFamily="18" charset="0"/>
+            </a:endParaRPr>
+          </a:p>
+        </p:txBody>
+      </p:sp>
+      <p:sp>
+        <p:nvSpPr>
+          <p:cNvPr id="81" name="Google Shape;81;p15"/>
+          <p:cNvSpPr txBox="1">
+            <a:spLocks noGrp="1"/>
+          </p:cNvSpPr>
+          <p:nvPr>
+            <p:ph type="subTitle" idx="4294967295"/>
+          </p:nvPr>
+        </p:nvSpPr>
+        <p:spPr>
+          <a:xfrm>
+            <a:off x="581968" y="1614949"/>
+            <a:ext cx="8134672" cy="3528391"/>
+          </a:xfrm>
+          <a:prstGeom prst="rect">
+            <a:avLst/>
+          </a:prstGeom>
+        </p:spPr>
+        <p:txBody>
+          <a:bodyPr spcFirstLastPara="1" wrap="square" lIns="0" tIns="0" rIns="0" bIns="0" anchor="t" anchorCtr="0">
+            <a:noAutofit/>
+          </a:bodyPr>
+          <a:lstStyle/>
+          <a:p>
+            <a:pPr marL="114300" indent="0" algn="l">
+              <a:lnSpc>
+                <a:spcPct val="115000"/>
+              </a:lnSpc>
+              <a:buNone/>
+            </a:pPr>
+            <a:r>
+              <a:rPr lang="en-GB" sz="1800" dirty="0">
+                <a:latin typeface="Times New Roman" panose="02020603050405020304" pitchFamily="18" charset="0"/>
+                <a:cs typeface="Times New Roman" panose="02020603050405020304" pitchFamily="18" charset="0"/>
+              </a:rPr>
+              <a:t>With the improvement of technology, online food ordering systems are becoming a popular topic. That's because they are serving the ever increasing demand for convince.</a:t>
+            </a:r>
+          </a:p>
+          <a:p>
+            <a:pPr marL="114300" indent="0" algn="l">
+              <a:lnSpc>
+                <a:spcPct val="115000"/>
+              </a:lnSpc>
+              <a:buNone/>
+            </a:pPr>
+            <a:r>
+              <a:rPr lang="en-GB" sz="1800" dirty="0">
+                <a:latin typeface="Times New Roman" panose="02020603050405020304" pitchFamily="18" charset="0"/>
+                <a:cs typeface="Times New Roman" panose="02020603050405020304" pitchFamily="18" charset="0"/>
+              </a:rPr>
+              <a:t> We all know that the online pizza ordering website is growing and there are lots of software available to provide these pizza ordering services but not that type of software which can provide at low price and best quality pizza directly to our consumers.</a:t>
+            </a:r>
+          </a:p>
+          <a:p>
+            <a:pPr marL="114300" indent="0" algn="l">
+              <a:lnSpc>
+                <a:spcPct val="115000"/>
+              </a:lnSpc>
+              <a:buNone/>
+            </a:pPr>
+            <a:r>
+              <a:rPr lang="en-GB" sz="1800" dirty="0">
+                <a:latin typeface="Times New Roman" panose="02020603050405020304" pitchFamily="18" charset="0"/>
+                <a:cs typeface="Times New Roman" panose="02020603050405020304" pitchFamily="18" charset="0"/>
+              </a:rPr>
+              <a:t>With a website or mobile app, customers can easily browse all the </a:t>
+            </a:r>
+            <a:r>
+              <a:rPr lang="en-US" altLang="en-GB" sz="1800" dirty="0">
+                <a:latin typeface="Times New Roman" panose="02020603050405020304" pitchFamily="18" charset="0"/>
+                <a:cs typeface="Times New Roman" panose="02020603050405020304" pitchFamily="18" charset="0"/>
+              </a:rPr>
+              <a:t>types of pizzas</a:t>
+            </a:r>
+            <a:r>
+              <a:rPr lang="en-GB" sz="1800" dirty="0">
+                <a:latin typeface="Times New Roman" panose="02020603050405020304" pitchFamily="18" charset="0"/>
+                <a:cs typeface="Times New Roman" panose="02020603050405020304" pitchFamily="18" charset="0"/>
+              </a:rPr>
+              <a:t> the </a:t>
+            </a:r>
+            <a:r>
+              <a:rPr lang="en-US" altLang="en-GB" sz="1800" dirty="0">
+                <a:latin typeface="Times New Roman" panose="02020603050405020304" pitchFamily="18" charset="0"/>
+                <a:cs typeface="Times New Roman" panose="02020603050405020304" pitchFamily="18" charset="0"/>
+              </a:rPr>
+              <a:t>website</a:t>
+            </a:r>
+            <a:r>
+              <a:rPr lang="en-GB" sz="1800" dirty="0">
+                <a:latin typeface="Times New Roman" panose="02020603050405020304" pitchFamily="18" charset="0"/>
+                <a:cs typeface="Times New Roman" panose="02020603050405020304" pitchFamily="18" charset="0"/>
+              </a:rPr>
+              <a:t> has available, </a:t>
+            </a:r>
+            <a:r>
+              <a:rPr lang="en-US" altLang="en-GB" sz="1800" dirty="0">
+                <a:latin typeface="Times New Roman" panose="02020603050405020304" pitchFamily="18" charset="0"/>
+                <a:cs typeface="Times New Roman" panose="02020603050405020304" pitchFamily="18" charset="0"/>
+              </a:rPr>
+              <a:t>choose pizzas</a:t>
+            </a:r>
+            <a:r>
+              <a:rPr lang="en-GB" sz="1800" dirty="0">
+                <a:latin typeface="Times New Roman" panose="02020603050405020304" pitchFamily="18" charset="0"/>
+                <a:cs typeface="Times New Roman" panose="02020603050405020304" pitchFamily="18" charset="0"/>
+              </a:rPr>
+              <a:t> to their requirements </a:t>
+            </a:r>
+            <a:r>
+              <a:rPr lang="en-US" altLang="en-GB" sz="1800" dirty="0">
+                <a:latin typeface="Times New Roman" panose="02020603050405020304" pitchFamily="18" charset="0"/>
+                <a:cs typeface="Times New Roman" panose="02020603050405020304" pitchFamily="18" charset="0"/>
+              </a:rPr>
+              <a:t>and choice</a:t>
+            </a:r>
+            <a:r>
+              <a:rPr lang="en-GB" sz="1800" dirty="0">
+                <a:latin typeface="Times New Roman" panose="02020603050405020304" pitchFamily="18" charset="0"/>
+                <a:cs typeface="Times New Roman" panose="02020603050405020304" pitchFamily="18" charset="0"/>
+              </a:rPr>
+              <a:t> and place an order.</a:t>
+            </a:r>
+          </a:p>
+        </p:txBody>
+      </p:sp>
+      <p:sp>
+        <p:nvSpPr>
+          <p:cNvPr id="83" name="Google Shape;83;p15"/>
+          <p:cNvSpPr txBox="1">
+            <a:spLocks noGrp="1"/>
+          </p:cNvSpPr>
+          <p:nvPr>
+            <p:ph type="sldNum" idx="12"/>
+          </p:nvPr>
+        </p:nvSpPr>
+        <p:spPr>
+          <a:xfrm>
+            <a:off x="8480584" y="4749851"/>
+            <a:ext cx="548700" cy="393600"/>
+          </a:xfrm>
+          <a:prstGeom prst="rect">
+            <a:avLst/>
+          </a:prstGeom>
+        </p:spPr>
+        <p:txBody>
+          <a:bodyPr spcFirstLastPara="1" wrap="square" lIns="0" tIns="0" rIns="0" bIns="0" anchor="ctr" anchorCtr="0">
+            <a:noAutofit/>
+          </a:bodyPr>
+          <a:lstStyle/>
+          <a:p>
+            <a:pPr marL="0" lvl="0" indent="0" algn="r" rtl="0">
+              <a:spcBef>
+                <a:spcPts val="0"/>
+              </a:spcBef>
+              <a:spcAft>
+                <a:spcPts val="0"/>
+              </a:spcAft>
+              <a:buNone/>
+            </a:pPr>
+            <a:fld id="{00000000-1234-1234-1234-123412341234}" type="slidenum">
+              <a:rPr lang="en-GB"/>
+              <a:t>4</a:t>
+            </a:fld>
+            <a:endParaRPr lang="en-GB"/>
+          </a:p>
+        </p:txBody>
+      </p:sp>
+    </p:spTree>
+  </p:cSld>
+  <p:clrMapOvr>
+    <a:masterClrMapping/>
+  </p:clrMapOvr>
+  <p:transition>
+    <p:fade thruBlk="1"/>
+  </p:transition>
+  <p:timing>
+    <p:tnLst>
+      <p:par>
+        <p:cTn id="1" dur="indefinite" restart="never" nodeType="tmRoot"/>
+      </p:par>
+    </p:tnLst>
+  </p:timing>
+</p:sld>
+</file>
+
+<file path=ppt/slides/slide5.xml><?xml version="1.0" encoding="utf-8"?>
 <p:sld xmlns:a="http://schemas.openxmlformats.org/drawingml/2006/main" xmlns:r="http://schemas.openxmlformats.org/officeDocument/2006/relationships" xmlns:p="http://schemas.openxmlformats.org/presentationml/2006/main">
   <p:cSld>
     <p:spTree>
@@ -9184,8 +7068,8 @@
             </a:r>
             <a:r>
               <a:rPr lang="en-GB" dirty="0" smtClean="0">
-                <a:latin typeface="Times New Roman" pitchFamily="18" charset="0"/>
-                <a:cs typeface="Times New Roman" pitchFamily="18" charset="0"/>
+                <a:latin typeface="Times New Roman" panose="02020603050405020304" pitchFamily="18" charset="0"/>
+                <a:cs typeface="Times New Roman" panose="02020603050405020304" pitchFamily="18" charset="0"/>
               </a:rPr>
               <a:t>OBJECTIVE</a:t>
             </a:r>
@@ -9214,19 +7098,19 @@
           <a:lstStyle/>
           <a:p>
             <a:pPr>
-              <a:buFont typeface="Wingdings" pitchFamily="2" charset="2"/>
+              <a:buFont typeface="Wingdings" panose="05000000000000000000" pitchFamily="2" charset="2"/>
               <a:buChar char="Ø"/>
             </a:pPr>
             <a:r>
               <a:rPr lang="en-US" sz="1800" dirty="0">
-                <a:latin typeface="Times New Roman" pitchFamily="18" charset="0"/>
-                <a:cs typeface="Times New Roman" pitchFamily="18" charset="0"/>
+                <a:latin typeface="Times New Roman" panose="02020603050405020304" pitchFamily="18" charset="0"/>
+                <a:cs typeface="Times New Roman" panose="02020603050405020304" pitchFamily="18" charset="0"/>
               </a:rPr>
               <a:t>This website offers our customers a superior product i.e., that will promote customer loyalty, at a low price, and provide customer service that is second to none. Its objective is to satisfy the customer’s demand quality pizza that is delivered quickly with a smile.</a:t>
             </a:r>
             <a:endParaRPr lang="en-IN" sz="1800" dirty="0">
-              <a:latin typeface="Times New Roman" pitchFamily="18" charset="0"/>
-              <a:cs typeface="Times New Roman" pitchFamily="18" charset="0"/>
+              <a:latin typeface="Times New Roman" panose="02020603050405020304" pitchFamily="18" charset="0"/>
+              <a:cs typeface="Times New Roman" panose="02020603050405020304" pitchFamily="18" charset="0"/>
             </a:endParaRPr>
           </a:p>
           <a:p>
@@ -9235,53 +7119,53 @@
             </a:pPr>
             <a:r>
               <a:rPr lang="en-US" sz="1800" dirty="0">
-                <a:latin typeface="Times New Roman" pitchFamily="18" charset="0"/>
-                <a:cs typeface="Times New Roman" pitchFamily="18" charset="0"/>
+                <a:latin typeface="Times New Roman" panose="02020603050405020304" pitchFamily="18" charset="0"/>
+                <a:cs typeface="Times New Roman" panose="02020603050405020304" pitchFamily="18" charset="0"/>
               </a:rPr>
               <a:t> </a:t>
             </a:r>
             <a:endParaRPr lang="en-IN" sz="1800" dirty="0">
-              <a:latin typeface="Times New Roman" pitchFamily="18" charset="0"/>
-              <a:cs typeface="Times New Roman" pitchFamily="18" charset="0"/>
+              <a:latin typeface="Times New Roman" panose="02020603050405020304" pitchFamily="18" charset="0"/>
+              <a:cs typeface="Times New Roman" panose="02020603050405020304" pitchFamily="18" charset="0"/>
             </a:endParaRPr>
           </a:p>
           <a:p>
             <a:pPr>
-              <a:buFont typeface="Wingdings" pitchFamily="2" charset="2"/>
+              <a:buFont typeface="Wingdings" panose="05000000000000000000" pitchFamily="2" charset="2"/>
               <a:buChar char="Ø"/>
             </a:pPr>
             <a:r>
               <a:rPr lang="en-US" sz="1800" dirty="0">
-                <a:latin typeface="Times New Roman" pitchFamily="18" charset="0"/>
-                <a:cs typeface="Times New Roman" pitchFamily="18" charset="0"/>
+                <a:latin typeface="Times New Roman" panose="02020603050405020304" pitchFamily="18" charset="0"/>
+                <a:cs typeface="Times New Roman" panose="02020603050405020304" pitchFamily="18" charset="0"/>
               </a:rPr>
               <a:t>Our goal is to deliver a website with a </a:t>
             </a:r>
             <a:r>
               <a:rPr lang="en-US" sz="1800" dirty="0" smtClean="0">
-                <a:latin typeface="Times New Roman" pitchFamily="18" charset="0"/>
-                <a:cs typeface="Times New Roman" pitchFamily="18" charset="0"/>
+                <a:latin typeface="Times New Roman" panose="02020603050405020304" pitchFamily="18" charset="0"/>
+                <a:cs typeface="Times New Roman" panose="02020603050405020304" pitchFamily="18" charset="0"/>
               </a:rPr>
               <a:t>very clean user </a:t>
             </a:r>
             <a:r>
               <a:rPr lang="en-US" sz="1800" dirty="0">
-                <a:latin typeface="Times New Roman" pitchFamily="18" charset="0"/>
-                <a:cs typeface="Times New Roman" pitchFamily="18" charset="0"/>
+                <a:latin typeface="Times New Roman" panose="02020603050405020304" pitchFamily="18" charset="0"/>
+                <a:cs typeface="Times New Roman" panose="02020603050405020304" pitchFamily="18" charset="0"/>
               </a:rPr>
               <a:t>interface (website) where customers can </a:t>
             </a:r>
             <a:r>
               <a:rPr lang="en-US" sz="1800" dirty="0" smtClean="0">
-                <a:latin typeface="Times New Roman" pitchFamily="18" charset="0"/>
-                <a:cs typeface="Times New Roman" pitchFamily="18" charset="0"/>
+                <a:latin typeface="Times New Roman" panose="02020603050405020304" pitchFamily="18" charset="0"/>
+                <a:cs typeface="Times New Roman" panose="02020603050405020304" pitchFamily="18" charset="0"/>
               </a:rPr>
               <a:t>select </a:t>
             </a:r>
             <a:r>
               <a:rPr lang="en-US" sz="1800" dirty="0">
-                <a:latin typeface="Times New Roman" pitchFamily="18" charset="0"/>
-                <a:cs typeface="Times New Roman" pitchFamily="18" charset="0"/>
+                <a:latin typeface="Times New Roman" panose="02020603050405020304" pitchFamily="18" charset="0"/>
+                <a:cs typeface="Times New Roman" panose="02020603050405020304" pitchFamily="18" charset="0"/>
               </a:rPr>
               <a:t>various kinds of pizza and place their order. </a:t>
             </a:r>
@@ -9289,8 +7173,8 @@
               <a:solidFill>
                 <a:schemeClr val="bg1"/>
               </a:solidFill>
-              <a:latin typeface="Times New Roman" pitchFamily="18" charset="0"/>
-              <a:cs typeface="Times New Roman" pitchFamily="18" charset="0"/>
+              <a:latin typeface="Times New Roman" panose="02020603050405020304" pitchFamily="18" charset="0"/>
+              <a:cs typeface="Times New Roman" panose="02020603050405020304" pitchFamily="18" charset="0"/>
             </a:endParaRPr>
           </a:p>
         </p:txBody>
@@ -9320,234 +7204,10 @@
               <a:buNone/>
             </a:pPr>
             <a:fld id="{00000000-1234-1234-1234-123412341234}" type="slidenum">
-              <a:rPr lang="en" smtClean="0"/>
-              <a:t>4</a:t>
-            </a:fld>
-            <a:endParaRPr lang="en"/>
-          </a:p>
-        </p:txBody>
-      </p:sp>
-    </p:spTree>
-    <p:extLst>
-      <p:ext uri="{BB962C8B-B14F-4D97-AF65-F5344CB8AC3E}">
-        <p14:creationId xmlns:p14="http://schemas.microsoft.com/office/powerpoint/2010/main" val="3238440594"/>
-      </p:ext>
-    </p:extLst>
-  </p:cSld>
-  <p:clrMapOvr>
-    <a:masterClrMapping/>
-  </p:clrMapOvr>
-  <p:timing>
-    <p:tnLst>
-      <p:par>
-        <p:cTn id="1" dur="indefinite" restart="never" nodeType="tmRoot"/>
-      </p:par>
-    </p:tnLst>
-  </p:timing>
-</p:sld>
-</file>
-
-<file path=ppt/slides/slide5.xml><?xml version="1.0" encoding="utf-8"?>
-<p:sld xmlns:a="http://schemas.openxmlformats.org/drawingml/2006/main" xmlns:r="http://schemas.openxmlformats.org/officeDocument/2006/relationships" xmlns:p="http://schemas.openxmlformats.org/presentationml/2006/main">
-  <p:cSld>
-    <p:spTree>
-      <p:nvGrpSpPr>
-        <p:cNvPr id="1" name="Shape 87"/>
-        <p:cNvGrpSpPr/>
-        <p:nvPr/>
-      </p:nvGrpSpPr>
-      <p:grpSpPr>
-        <a:xfrm>
-          <a:off x="0" y="0"/>
-          <a:ext cx="0" cy="0"/>
-          <a:chOff x="0" y="0"/>
-          <a:chExt cx="0" cy="0"/>
-        </a:xfrm>
-      </p:grpSpPr>
-      <p:sp>
-        <p:nvSpPr>
-          <p:cNvPr id="88" name="Google Shape;88;p16"/>
-          <p:cNvSpPr txBox="1">
-            <a:spLocks noGrp="1"/>
-          </p:cNvSpPr>
-          <p:nvPr>
-            <p:ph type="body" idx="1"/>
-          </p:nvPr>
-        </p:nvSpPr>
-        <p:spPr>
-          <a:xfrm>
-            <a:off x="251520" y="411510"/>
-            <a:ext cx="8280920" cy="4392488"/>
-          </a:xfrm>
-          <a:prstGeom prst="rect">
-            <a:avLst/>
-          </a:prstGeom>
-        </p:spPr>
-        <p:txBody>
-          <a:bodyPr spcFirstLastPara="1" wrap="square" lIns="0" tIns="0" rIns="0" bIns="0" anchor="t" anchorCtr="0">
-            <a:noAutofit/>
-          </a:bodyPr>
-          <a:lstStyle/>
-          <a:p>
-            <a:pPr marL="0" indent="0">
-              <a:buNone/>
-            </a:pPr>
-            <a:r>
-              <a:rPr lang="en-US" sz="3200" dirty="0">
-                <a:latin typeface="Times New Roman" pitchFamily="18" charset="0"/>
-                <a:cs typeface="Times New Roman" pitchFamily="18" charset="0"/>
-              </a:rPr>
-              <a:t> </a:t>
-            </a:r>
-            <a:r>
-              <a:rPr lang="en-US" sz="3200" dirty="0" smtClean="0">
-                <a:latin typeface="Times New Roman" pitchFamily="18" charset="0"/>
-                <a:cs typeface="Times New Roman" pitchFamily="18" charset="0"/>
-              </a:rPr>
-              <a:t>             </a:t>
-            </a:r>
-            <a:r>
-              <a:rPr lang="en-US" sz="2800" dirty="0" smtClean="0">
-                <a:latin typeface="Times New Roman" pitchFamily="18" charset="0"/>
-                <a:cs typeface="Times New Roman" pitchFamily="18" charset="0"/>
-              </a:rPr>
-              <a:t>ABOUT WEB DEVELOPMENT</a:t>
-            </a:r>
-          </a:p>
-          <a:p>
-            <a:pPr marL="0" indent="0">
-              <a:buNone/>
-            </a:pPr>
-            <a:endParaRPr lang="en-US" sz="1200" dirty="0" smtClean="0">
-              <a:latin typeface="Times New Roman" pitchFamily="18" charset="0"/>
-              <a:cs typeface="Times New Roman" pitchFamily="18" charset="0"/>
-            </a:endParaRPr>
-          </a:p>
-          <a:p>
-            <a:pPr marL="0" indent="0">
-              <a:buNone/>
-            </a:pPr>
-            <a:r>
-              <a:rPr lang="en-US" sz="1800" dirty="0" smtClean="0">
-                <a:latin typeface="Times New Roman" pitchFamily="18" charset="0"/>
-                <a:cs typeface="Times New Roman" pitchFamily="18" charset="0"/>
-              </a:rPr>
-              <a:t>Web </a:t>
-            </a:r>
-            <a:r>
-              <a:rPr lang="en-US" sz="1800" dirty="0">
-                <a:latin typeface="Times New Roman" pitchFamily="18" charset="0"/>
-                <a:cs typeface="Times New Roman" pitchFamily="18" charset="0"/>
-              </a:rPr>
-              <a:t>development</a:t>
-            </a:r>
-            <a:r>
-              <a:rPr lang="en-US" sz="1800" b="1" dirty="0">
-                <a:latin typeface="Times New Roman" pitchFamily="18" charset="0"/>
-                <a:cs typeface="Times New Roman" pitchFamily="18" charset="0"/>
-              </a:rPr>
-              <a:t> </a:t>
-            </a:r>
-            <a:r>
-              <a:rPr lang="en-US" sz="1800" dirty="0">
-                <a:latin typeface="Times New Roman" pitchFamily="18" charset="0"/>
-                <a:cs typeface="Times New Roman" pitchFamily="18" charset="0"/>
-              </a:rPr>
-              <a:t>is a broad term for the work involved in developing a web site for the Internet (World Wide Web). Web development commonly includes web engineering, web design, web content development, client-side/server-side </a:t>
-            </a:r>
-            <a:r>
-              <a:rPr lang="en-US" sz="1800" dirty="0" smtClean="0">
-                <a:latin typeface="Times New Roman" pitchFamily="18" charset="0"/>
-                <a:cs typeface="Times New Roman" pitchFamily="18" charset="0"/>
-              </a:rPr>
-              <a:t> scripting</a:t>
-            </a:r>
-            <a:r>
-              <a:rPr lang="en-US" sz="1800" dirty="0">
-                <a:latin typeface="Times New Roman" pitchFamily="18" charset="0"/>
-                <a:cs typeface="Times New Roman" pitchFamily="18" charset="0"/>
-              </a:rPr>
-              <a:t>, web server and network security configuration, and e-commerce </a:t>
-            </a:r>
-            <a:r>
-              <a:rPr lang="en-US" sz="1800" dirty="0" smtClean="0">
-                <a:latin typeface="Times New Roman" pitchFamily="18" charset="0"/>
-                <a:cs typeface="Times New Roman" pitchFamily="18" charset="0"/>
-              </a:rPr>
-              <a:t>  development</a:t>
-            </a:r>
-            <a:r>
-              <a:rPr lang="en-US" sz="1800" dirty="0">
-                <a:latin typeface="Times New Roman" pitchFamily="18" charset="0"/>
-                <a:cs typeface="Times New Roman" pitchFamily="18" charset="0"/>
-              </a:rPr>
-              <a:t>. Among web professionals, “web development” usually refers to the main non-design aspects of building web sites: writing markup and coding. Websites are typically dedicated to a particular topic or purpose, ranging from entertainment and social networking to providing news and education</a:t>
-            </a:r>
-            <a:r>
-              <a:rPr lang="en-US" sz="1800" dirty="0" smtClean="0">
-                <a:latin typeface="Times New Roman" pitchFamily="18" charset="0"/>
-                <a:cs typeface="Times New Roman" pitchFamily="18" charset="0"/>
-              </a:rPr>
-              <a:t>.             </a:t>
-            </a:r>
-            <a:endParaRPr lang="en-GB" sz="1800" dirty="0">
-              <a:latin typeface="Times New Roman" pitchFamily="18" charset="0"/>
-              <a:cs typeface="Times New Roman" pitchFamily="18" charset="0"/>
-            </a:endParaRPr>
-          </a:p>
-          <a:p>
-            <a:pPr marL="0" lvl="0" indent="0" algn="l" rtl="0">
-              <a:spcBef>
-                <a:spcPts val="600"/>
-              </a:spcBef>
-              <a:spcAft>
-                <a:spcPts val="0"/>
-              </a:spcAft>
-              <a:buNone/>
-            </a:pPr>
-            <a:endParaRPr sz="1200" dirty="0"/>
-          </a:p>
-        </p:txBody>
-      </p:sp>
-      <p:sp>
-        <p:nvSpPr>
-          <p:cNvPr id="89" name="Google Shape;89;p16"/>
-          <p:cNvSpPr txBox="1">
-            <a:spLocks noGrp="1"/>
-          </p:cNvSpPr>
-          <p:nvPr>
-            <p:ph type="sldNum" idx="12"/>
-          </p:nvPr>
-        </p:nvSpPr>
-        <p:spPr>
-          <a:xfrm>
-            <a:off x="8480584" y="4749851"/>
-            <a:ext cx="548700" cy="393600"/>
-          </a:xfrm>
-          <a:prstGeom prst="rect">
-            <a:avLst/>
-          </a:prstGeom>
-        </p:spPr>
-        <p:txBody>
-          <a:bodyPr spcFirstLastPara="1" wrap="square" lIns="0" tIns="0" rIns="0" bIns="0" anchor="ctr" anchorCtr="0">
-            <a:noAutofit/>
-          </a:bodyPr>
-          <a:lstStyle/>
-          <a:p>
-            <a:pPr marL="0" lvl="0" indent="0" algn="r" rtl="0">
-              <a:spcBef>
-                <a:spcPts val="0"/>
-              </a:spcBef>
-              <a:spcAft>
-                <a:spcPts val="0"/>
-              </a:spcAft>
-              <a:buNone/>
-            </a:pPr>
-            <a:fld id="{00000000-1234-1234-1234-123412341234}" type="slidenum">
-              <a:rPr lang="en"/>
+              <a:rPr lang="en-GB" smtClean="0"/>
               <a:t>5</a:t>
             </a:fld>
-            <a:endParaRPr/>
+            <a:endParaRPr lang="en-GB"/>
           </a:p>
         </p:txBody>
       </p:sp>
@@ -9556,6 +7216,9 @@
   <p:clrMapOvr>
     <a:masterClrMapping/>
   </p:clrMapOvr>
+  <p:transition>
+    <p:fade thruBlk="1"/>
+  </p:transition>
   <p:timing>
     <p:tnLst>
       <p:par>
@@ -9603,11 +7266,13 @@
           <a:bodyPr/>
           <a:lstStyle/>
           <a:p>
-            <a:r>
-              <a:rPr lang="en-US" u="sng" dirty="0" smtClean="0"/>
-              <a:t>Desktop View</a:t>
-            </a:r>
-            <a:endParaRPr lang="en-IN" u="sng" dirty="0"/>
+            <a:pPr marL="38100" indent="0">
+              <a:buNone/>
+            </a:pPr>
+            <a:r>
+              <a:rPr lang="en-US" altLang="en-IN" u="sng" dirty="0"/>
+              <a:t>USER INTERFACE</a:t>
+            </a:r>
           </a:p>
         </p:txBody>
       </p:sp>
@@ -9636,10 +7301,10 @@
               <a:buNone/>
             </a:pPr>
             <a:fld id="{00000000-1234-1234-1234-123412341234}" type="slidenum">
-              <a:rPr lang="en" smtClean="0"/>
+              <a:rPr lang="en-GB" smtClean="0"/>
               <a:t>6</a:t>
             </a:fld>
-            <a:endParaRPr lang="en"/>
+            <a:endParaRPr lang="en-GB"/>
           </a:p>
         </p:txBody>
       </p:sp>
@@ -9772,15 +7437,13 @@
         </p:spPr>
       </p:pic>
     </p:spTree>
-    <p:extLst>
-      <p:ext uri="{BB962C8B-B14F-4D97-AF65-F5344CB8AC3E}">
-        <p14:creationId xmlns:p14="http://schemas.microsoft.com/office/powerpoint/2010/main" val="2819467870"/>
-      </p:ext>
-    </p:extLst>
   </p:cSld>
   <p:clrMapOvr>
     <a:masterClrMapping/>
   </p:clrMapOvr>
+  <p:transition>
+    <p:fade thruBlk="1"/>
+  </p:transition>
   <p:timing>
     <p:tnLst>
       <p:par>
@@ -9852,10 +7515,10 @@
               <a:buNone/>
             </a:pPr>
             <a:fld id="{00000000-1234-1234-1234-123412341234}" type="slidenum">
-              <a:rPr lang="en" smtClean="0"/>
+              <a:rPr lang="en-GB" smtClean="0"/>
               <a:t>7</a:t>
             </a:fld>
-            <a:endParaRPr lang="en"/>
+            <a:endParaRPr lang="en-GB"/>
           </a:p>
         </p:txBody>
       </p:sp>
@@ -9988,15 +7651,13 @@
         </p:spPr>
       </p:pic>
     </p:spTree>
-    <p:extLst>
-      <p:ext uri="{BB962C8B-B14F-4D97-AF65-F5344CB8AC3E}">
-        <p14:creationId xmlns:p14="http://schemas.microsoft.com/office/powerpoint/2010/main" val="434444369"/>
-      </p:ext>
-    </p:extLst>
   </p:cSld>
   <p:clrMapOvr>
     <a:masterClrMapping/>
   </p:clrMapOvr>
+  <p:transition>
+    <p:fade thruBlk="1"/>
+  </p:transition>
   <p:timing>
     <p:tnLst>
       <p:par>
@@ -10068,10 +7729,10 @@
               <a:buNone/>
             </a:pPr>
             <a:fld id="{00000000-1234-1234-1234-123412341234}" type="slidenum">
-              <a:rPr lang="en" smtClean="0"/>
+              <a:rPr lang="en-GB" smtClean="0"/>
               <a:t>8</a:t>
             </a:fld>
-            <a:endParaRPr lang="en"/>
+            <a:endParaRPr lang="en-GB"/>
           </a:p>
         </p:txBody>
       </p:sp>
@@ -10140,15 +7801,13 @@
         </p:spPr>
       </p:pic>
     </p:spTree>
-    <p:extLst>
-      <p:ext uri="{BB962C8B-B14F-4D97-AF65-F5344CB8AC3E}">
-        <p14:creationId xmlns:p14="http://schemas.microsoft.com/office/powerpoint/2010/main" val="3511887053"/>
-      </p:ext>
-    </p:extLst>
   </p:cSld>
   <p:clrMapOvr>
     <a:masterClrMapping/>
   </p:clrMapOvr>
+  <p:transition>
+    <p:fade thruBlk="1"/>
+  </p:transition>
   <p:timing>
     <p:tnLst>
       <p:par>
@@ -10220,10 +7879,10 @@
               <a:buNone/>
             </a:pPr>
             <a:fld id="{00000000-1234-1234-1234-123412341234}" type="slidenum">
-              <a:rPr lang="en" smtClean="0"/>
+              <a:rPr lang="en-GB" smtClean="0"/>
               <a:t>9</a:t>
             </a:fld>
-            <a:endParaRPr lang="en"/>
+            <a:endParaRPr lang="en-GB"/>
           </a:p>
         </p:txBody>
       </p:sp>
@@ -10356,15 +8015,13 @@
         </p:spPr>
       </p:pic>
     </p:spTree>
-    <p:extLst>
-      <p:ext uri="{BB962C8B-B14F-4D97-AF65-F5344CB8AC3E}">
-        <p14:creationId xmlns:p14="http://schemas.microsoft.com/office/powerpoint/2010/main" val="3747789398"/>
-      </p:ext>
-    </p:extLst>
   </p:cSld>
   <p:clrMapOvr>
     <a:masterClrMapping/>
   </p:clrMapOvr>
+  <p:transition>
+    <p:fade thruBlk="1"/>
+  </p:transition>
 </p:sld>
 </file>
 
@@ -10646,6 +8303,11 @@
   </a:themeElements>
   <a:objectDefaults/>
   <a:extraClrSchemeLst/>
+  <a:extLst>
+    <a:ext uri="{05A4C25C-085E-4340-85A3-A5531E510DB2}">
+      <thm15:themeFamily xmlns:thm15="http://schemas.microsoft.com/office/thememl/2012/main" xmlns="" name="Office Theme" id="{62F939B6-93AF-4DB8-9C6B-D6C7DFDC589F}" vid="{4A3C46E8-61CC-4603-A589-7422A47A8E4A}"/>
+    </a:ext>
+  </a:extLst>
 </a:theme>
 </file>
 
@@ -10927,5 +8589,10 @@
   </a:themeElements>
   <a:objectDefaults/>
   <a:extraClrSchemeLst/>
+  <a:extLst>
+    <a:ext uri="{05A4C25C-085E-4340-85A3-A5531E510DB2}">
+      <thm15:themeFamily xmlns:thm15="http://schemas.microsoft.com/office/thememl/2012/main" xmlns="" name="Office Theme" id="{62F939B6-93AF-4DB8-9C6B-D6C7DFDC589F}" vid="{4A3C46E8-61CC-4603-A589-7422A47A8E4A}"/>
+    </a:ext>
+  </a:extLst>
 </a:theme>
 </file>